--- a/papers/.ppt/TimeSeriesCV_03052024.pptx
+++ b/papers/.ppt/TimeSeriesCV_03052024.pptx
@@ -8,14 +8,15 @@
     <p:sldId id="256" r:id="rId2"/>
     <p:sldId id="276" r:id="rId3"/>
     <p:sldId id="312" r:id="rId4"/>
-    <p:sldId id="317" r:id="rId5"/>
-    <p:sldId id="318" r:id="rId6"/>
-    <p:sldId id="319" r:id="rId7"/>
-    <p:sldId id="320" r:id="rId8"/>
-    <p:sldId id="321" r:id="rId9"/>
-    <p:sldId id="322" r:id="rId10"/>
-    <p:sldId id="315" r:id="rId11"/>
-    <p:sldId id="316" r:id="rId12"/>
+    <p:sldId id="265" r:id="rId5"/>
+    <p:sldId id="324" r:id="rId6"/>
+    <p:sldId id="323" r:id="rId7"/>
+    <p:sldId id="318" r:id="rId8"/>
+    <p:sldId id="319" r:id="rId9"/>
+    <p:sldId id="320" r:id="rId10"/>
+    <p:sldId id="321" r:id="rId11"/>
+    <p:sldId id="322" r:id="rId12"/>
+    <p:sldId id="316" r:id="rId13"/>
   </p:sldIdLst>
   <p:sldSz cx="12192000" cy="6858000"/>
   <p:notesSz cx="6858000" cy="9144000"/>
@@ -126,13 +127,14 @@
           <p14:sldIdLst>
             <p14:sldId id="276"/>
             <p14:sldId id="312"/>
-            <p14:sldId id="317"/>
+            <p14:sldId id="265"/>
+            <p14:sldId id="324"/>
+            <p14:sldId id="323"/>
             <p14:sldId id="318"/>
             <p14:sldId id="319"/>
             <p14:sldId id="320"/>
             <p14:sldId id="321"/>
             <p14:sldId id="322"/>
-            <p14:sldId id="315"/>
             <p14:sldId id="316"/>
           </p14:sldIdLst>
         </p14:section>
@@ -3410,7 +3412,7 @@
           <a:p>
             <a:r>
               <a:rPr lang="en-US" dirty="0"/>
-              <a:t>26/04/2024</a:t>
+              <a:t>03/05/2024</a:t>
             </a:r>
           </a:p>
         </p:txBody>
@@ -3450,7 +3452,7 @@
           <p:cNvPr id="2" name="Title 1">
             <a:extLst>
               <a:ext uri="{FF2B5EF4-FFF2-40B4-BE49-F238E27FC236}">
-                <a16:creationId xmlns:a16="http://schemas.microsoft.com/office/drawing/2014/main" id="{40418348-F06C-4B32-A8DF-15AA5AF6BE42}"/>
+                <a16:creationId xmlns:a16="http://schemas.microsoft.com/office/drawing/2014/main" id="{D560DB55-CE28-4A6D-99D6-D467B2C039A2}"/>
               </a:ext>
             </a:extLst>
           </p:cNvPr>
@@ -3468,63 +3470,51 @@
           <a:p>
             <a:r>
               <a:rPr lang="en-US" dirty="0" err="1"/>
-              <a:t>Questões</a:t>
+              <a:t>Visualização</a:t>
             </a:r>
             <a:endParaRPr lang="en-US" dirty="0"/>
           </a:p>
         </p:txBody>
       </p:sp>
-      <p:sp>
-        <p:nvSpPr>
-          <p:cNvPr id="3" name="Content Placeholder 2">
-            <a:extLst>
-              <a:ext uri="{FF2B5EF4-FFF2-40B4-BE49-F238E27FC236}">
-                <a16:creationId xmlns:a16="http://schemas.microsoft.com/office/drawing/2014/main" id="{1C3624A7-C000-47B3-A158-458A46A60393}"/>
-              </a:ext>
-            </a:extLst>
-          </p:cNvPr>
-          <p:cNvSpPr>
-            <a:spLocks noGrp="1"/>
-          </p:cNvSpPr>
+      <p:pic>
+        <p:nvPicPr>
+          <p:cNvPr id="6" name="Content Placeholder 5">
+            <a:extLst>
+              <a:ext uri="{FF2B5EF4-FFF2-40B4-BE49-F238E27FC236}">
+                <a16:creationId xmlns:a16="http://schemas.microsoft.com/office/drawing/2014/main" id="{BBC93EF3-ADB2-412E-8FA8-A3ABDA735D29}"/>
+              </a:ext>
+            </a:extLst>
+          </p:cNvPr>
+          <p:cNvPicPr>
+            <a:picLocks noGrp="1" noChangeAspect="1"/>
+          </p:cNvPicPr>
           <p:nvPr>
             <p:ph idx="1"/>
           </p:nvPr>
-        </p:nvSpPr>
-        <p:spPr/>
-        <p:txBody>
-          <a:bodyPr>
-            <a:normAutofit/>
-          </a:bodyPr>
-          <a:lstStyle/>
-          <a:p>
-            <a:r>
-              <a:rPr lang="en-US" sz="2000" dirty="0" err="1"/>
-              <a:t>Confirmação</a:t>
-            </a:r>
-            <a:r>
-              <a:rPr lang="en-US" sz="2000" dirty="0"/>
-              <a:t> da </a:t>
-            </a:r>
-            <a:r>
-              <a:rPr lang="en-US" sz="2000" dirty="0" err="1"/>
-              <a:t>submissão</a:t>
-            </a:r>
-            <a:r>
-              <a:rPr lang="en-US" sz="2000" dirty="0"/>
-              <a:t> do </a:t>
-            </a:r>
-            <a:r>
-              <a:rPr lang="en-US" sz="2000" dirty="0" err="1"/>
-              <a:t>artigo</a:t>
-            </a:r>
-            <a:endParaRPr lang="en-US" sz="2000" dirty="0"/>
-          </a:p>
-        </p:txBody>
-      </p:sp>
+        </p:nvPicPr>
+        <p:blipFill>
+          <a:blip r:embed="rId2">
+            <a:extLst>
+              <a:ext uri="{28A0092B-C50C-407E-A947-70E740481C1C}">
+                <a14:useLocalDpi xmlns:a14="http://schemas.microsoft.com/office/drawing/2010/main" val="0"/>
+              </a:ext>
+            </a:extLst>
+          </a:blip>
+          <a:stretch>
+            <a:fillRect/>
+          </a:stretch>
+        </p:blipFill>
+        <p:spPr>
+          <a:xfrm>
+            <a:off x="3045204" y="1245641"/>
+            <a:ext cx="5612359" cy="5612359"/>
+          </a:xfrm>
+        </p:spPr>
+      </p:pic>
     </p:spTree>
     <p:extLst>
       <p:ext uri="{BB962C8B-B14F-4D97-AF65-F5344CB8AC3E}">
-        <p14:creationId xmlns:p14="http://schemas.microsoft.com/office/powerpoint/2010/main" val="658361738"/>
+        <p14:creationId xmlns:p14="http://schemas.microsoft.com/office/powerpoint/2010/main" val="3985786186"/>
       </p:ext>
     </p:extLst>
   </p:cSld>
@@ -3556,7 +3546,7 @@
           <p:cNvPr id="2" name="Title 1">
             <a:extLst>
               <a:ext uri="{FF2B5EF4-FFF2-40B4-BE49-F238E27FC236}">
-                <a16:creationId xmlns:a16="http://schemas.microsoft.com/office/drawing/2014/main" id="{40418348-F06C-4B32-A8DF-15AA5AF6BE42}"/>
+                <a16:creationId xmlns:a16="http://schemas.microsoft.com/office/drawing/2014/main" id="{D560DB55-CE28-4A6D-99D6-D467B2C039A2}"/>
               </a:ext>
             </a:extLst>
           </p:cNvPr>
@@ -3574,6 +3564,100 @@
           <a:p>
             <a:r>
               <a:rPr lang="en-US" dirty="0" err="1"/>
+              <a:t>Visualização</a:t>
+            </a:r>
+            <a:endParaRPr lang="en-US" dirty="0"/>
+          </a:p>
+        </p:txBody>
+      </p:sp>
+      <p:pic>
+        <p:nvPicPr>
+          <p:cNvPr id="6" name="Content Placeholder 5">
+            <a:extLst>
+              <a:ext uri="{FF2B5EF4-FFF2-40B4-BE49-F238E27FC236}">
+                <a16:creationId xmlns:a16="http://schemas.microsoft.com/office/drawing/2014/main" id="{34D9635D-61CC-46C4-870C-C4254AAD018A}"/>
+              </a:ext>
+            </a:extLst>
+          </p:cNvPr>
+          <p:cNvPicPr>
+            <a:picLocks noGrp="1" noChangeAspect="1"/>
+          </p:cNvPicPr>
+          <p:nvPr>
+            <p:ph idx="1"/>
+          </p:nvPr>
+        </p:nvPicPr>
+        <p:blipFill>
+          <a:blip r:embed="rId2">
+            <a:extLst>
+              <a:ext uri="{28A0092B-C50C-407E-A947-70E740481C1C}">
+                <a14:useLocalDpi xmlns:a14="http://schemas.microsoft.com/office/drawing/2010/main" val="0"/>
+              </a:ext>
+            </a:extLst>
+          </a:blip>
+          <a:stretch>
+            <a:fillRect/>
+          </a:stretch>
+        </p:blipFill>
+        <p:spPr>
+          <a:xfrm>
+            <a:off x="3053593" y="1321143"/>
+            <a:ext cx="5536857" cy="5536857"/>
+          </a:xfrm>
+        </p:spPr>
+      </p:pic>
+    </p:spTree>
+    <p:extLst>
+      <p:ext uri="{BB962C8B-B14F-4D97-AF65-F5344CB8AC3E}">
+        <p14:creationId xmlns:p14="http://schemas.microsoft.com/office/powerpoint/2010/main" val="1758516265"/>
+      </p:ext>
+    </p:extLst>
+  </p:cSld>
+  <p:clrMapOvr>
+    <a:masterClrMapping/>
+  </p:clrMapOvr>
+</p:sld>
+</file>
+
+<file path=ppt/slides/slide12.xml><?xml version="1.0" encoding="utf-8"?>
+<p:sld xmlns:a="http://schemas.openxmlformats.org/drawingml/2006/main" xmlns:r="http://schemas.openxmlformats.org/officeDocument/2006/relationships" xmlns:p="http://schemas.openxmlformats.org/presentationml/2006/main">
+  <p:cSld>
+    <p:spTree>
+      <p:nvGrpSpPr>
+        <p:cNvPr id="1" name=""/>
+        <p:cNvGrpSpPr/>
+        <p:nvPr/>
+      </p:nvGrpSpPr>
+      <p:grpSpPr>
+        <a:xfrm>
+          <a:off x="0" y="0"/>
+          <a:ext cx="0" cy="0"/>
+          <a:chOff x="0" y="0"/>
+          <a:chExt cx="0" cy="0"/>
+        </a:xfrm>
+      </p:grpSpPr>
+      <p:sp>
+        <p:nvSpPr>
+          <p:cNvPr id="2" name="Title 1">
+            <a:extLst>
+              <a:ext uri="{FF2B5EF4-FFF2-40B4-BE49-F238E27FC236}">
+                <a16:creationId xmlns:a16="http://schemas.microsoft.com/office/drawing/2014/main" id="{40418348-F06C-4B32-A8DF-15AA5AF6BE42}"/>
+              </a:ext>
+            </a:extLst>
+          </p:cNvPr>
+          <p:cNvSpPr>
+            <a:spLocks noGrp="1"/>
+          </p:cNvSpPr>
+          <p:nvPr>
+            <p:ph type="title"/>
+          </p:nvPr>
+        </p:nvSpPr>
+        <p:spPr/>
+        <p:txBody>
+          <a:bodyPr/>
+          <a:lstStyle/>
+          <a:p>
+            <a:r>
+              <a:rPr lang="en-US" dirty="0" err="1"/>
               <a:t>Próxima</a:t>
             </a:r>
             <a:r>
@@ -3626,7 +3710,23 @@
           <a:p>
             <a:r>
               <a:rPr lang="en-US" sz="2000" dirty="0" err="1"/>
-              <a:t>Testar</a:t>
+              <a:t>Implementação</a:t>
+            </a:r>
+            <a:r>
+              <a:rPr lang="en-US" sz="2000" dirty="0"/>
+              <a:t> dos </a:t>
+            </a:r>
+            <a:r>
+              <a:rPr lang="en-US" sz="2000" dirty="0" err="1"/>
+              <a:t>métodos</a:t>
+            </a:r>
+            <a:r>
+              <a:rPr lang="en-US" sz="2000" dirty="0"/>
+              <a:t> de </a:t>
+            </a:r>
+            <a:r>
+              <a:rPr lang="en-US" sz="2000" dirty="0" err="1"/>
+              <a:t>validação</a:t>
             </a:r>
             <a:r>
               <a:rPr lang="en-US" sz="2000" dirty="0"/>
@@ -3634,33 +3734,33 @@
             </a:r>
             <a:r>
               <a:rPr lang="en-US" sz="2000" dirty="0" err="1"/>
-              <a:t>métodos</a:t>
+              <a:t>restantes</a:t>
             </a:r>
             <a:r>
               <a:rPr lang="en-US" sz="2000" dirty="0"/>
-              <a:t> de </a:t>
+              <a:t>: </a:t>
             </a:r>
             <a:r>
               <a:rPr lang="en-US" sz="2000" dirty="0" err="1"/>
-              <a:t>geração</a:t>
+              <a:t>hv</a:t>
             </a:r>
             <a:r>
               <a:rPr lang="en-US" sz="2000" dirty="0"/>
-              <a:t> dos dados;</a:t>
+              <a:t>-Block CV e Markov;</a:t>
             </a:r>
           </a:p>
           <a:p>
             <a:r>
               <a:rPr lang="en-US" sz="2000" dirty="0" err="1"/>
-              <a:t>Implementação</a:t>
+              <a:t>Terminar</a:t>
             </a:r>
             <a:r>
               <a:rPr lang="en-US" sz="2000" dirty="0"/>
-              <a:t> de </a:t>
+              <a:t> a package (a </a:t>
             </a:r>
             <a:r>
               <a:rPr lang="en-US" sz="2000" dirty="0" err="1"/>
-              <a:t>mais</a:t>
+              <a:t>nível</a:t>
             </a:r>
             <a:r>
               <a:rPr lang="en-US" sz="2000" dirty="0"/>
@@ -3668,19 +3768,51 @@
             </a:r>
             <a:r>
               <a:rPr lang="en-US" sz="2000" dirty="0" err="1"/>
-              <a:t>métodos</a:t>
+              <a:t>funcional</a:t>
             </a:r>
             <a:r>
               <a:rPr lang="en-US" sz="2000" dirty="0"/>
-              <a:t> de </a:t>
-            </a:r>
+              <a:t>);</a:t>
+            </a:r>
+          </a:p>
+          <a:p>
             <a:r>
               <a:rPr lang="en-US" sz="2000" dirty="0" err="1"/>
-              <a:t>validação</a:t>
+              <a:t>Início</a:t>
             </a:r>
             <a:r>
               <a:rPr lang="en-US" sz="2000" dirty="0"/>
-              <a:t> (prequential, CV).</a:t>
+              <a:t> das </a:t>
+            </a:r>
+            <a:r>
+              <a:rPr lang="en-US" sz="2000" dirty="0" err="1"/>
+              <a:t>experiências</a:t>
+            </a:r>
+            <a:r>
+              <a:rPr lang="en-US" sz="2000" dirty="0"/>
+              <a:t>;</a:t>
+            </a:r>
+          </a:p>
+          <a:p>
+            <a:r>
+              <a:rPr lang="en-US" sz="2000" b="1" dirty="0" err="1"/>
+              <a:t>Vídeo</a:t>
+            </a:r>
+            <a:r>
+              <a:rPr lang="en-US" sz="2000" b="1" dirty="0"/>
+              <a:t> do </a:t>
+            </a:r>
+            <a:r>
+              <a:rPr lang="en-US" sz="2000" b="1" dirty="0" err="1"/>
+              <a:t>artigo</a:t>
+            </a:r>
+            <a:r>
+              <a:rPr lang="en-US" sz="2000" b="1" dirty="0"/>
+              <a:t> WCCI</a:t>
+            </a:r>
+            <a:r>
+              <a:rPr lang="en-US" sz="2000" dirty="0"/>
+              <a:t>.</a:t>
             </a:r>
           </a:p>
           <a:p>
@@ -3926,7 +4058,7 @@
             <a:pPr lvl="1"/>
             <a:r>
               <a:rPr lang="en-US" sz="2000" dirty="0" err="1"/>
-              <a:t>mais</a:t>
+              <a:t>Quase</a:t>
             </a:r>
             <a:r>
               <a:rPr lang="en-US" sz="2000" dirty="0"/>
@@ -3934,15 +4066,160 @@
             </a:r>
             <a:r>
               <a:rPr lang="en-US" sz="2000" dirty="0" err="1"/>
-              <a:t>dois</a:t>
+              <a:t>completa</a:t>
+            </a:r>
+            <a:r>
+              <a:rPr lang="en-US" sz="2000" dirty="0"/>
+              <a:t> a </a:t>
+            </a:r>
+            <a:r>
+              <a:rPr lang="en-US" sz="2000" dirty="0" err="1"/>
+              <a:t>nível</a:t>
+            </a:r>
+            <a:r>
+              <a:rPr lang="en-US" sz="2000" dirty="0"/>
+              <a:t> da </a:t>
+            </a:r>
+            <a:r>
+              <a:rPr lang="en-US" sz="2000" dirty="0" err="1"/>
+              <a:t>funcionalidade</a:t>
+            </a:r>
+            <a:r>
+              <a:rPr lang="en-US" sz="2000" dirty="0"/>
+              <a:t>: </a:t>
+            </a:r>
+          </a:p>
+          <a:p>
+            <a:pPr lvl="2"/>
+            <a:r>
+              <a:rPr lang="en-US" sz="1600" dirty="0" err="1"/>
+              <a:t>Todos</a:t>
+            </a:r>
+            <a:r>
+              <a:rPr lang="en-US" sz="1600" dirty="0"/>
+              <a:t> </a:t>
+            </a:r>
+            <a:r>
+              <a:rPr lang="en-US" sz="1600" dirty="0" err="1"/>
+              <a:t>os</a:t>
+            </a:r>
+            <a:r>
+              <a:rPr lang="en-US" sz="1600" dirty="0"/>
+              <a:t> </a:t>
+            </a:r>
+            <a:r>
+              <a:rPr lang="en-US" sz="1600" dirty="0" err="1"/>
+              <a:t>métodos</a:t>
+            </a:r>
+            <a:r>
+              <a:rPr lang="en-US" sz="1600" dirty="0"/>
+              <a:t> </a:t>
+            </a:r>
+            <a:r>
+              <a:rPr lang="en-US" sz="1600" dirty="0" err="1"/>
+              <a:t>implementados</a:t>
+            </a:r>
+            <a:r>
+              <a:rPr lang="en-US" sz="1600" dirty="0"/>
+              <a:t> </a:t>
+            </a:r>
+            <a:r>
+              <a:rPr lang="en-US" sz="1600" dirty="0" err="1"/>
+              <a:t>excepto</a:t>
+            </a:r>
+            <a:r>
+              <a:rPr lang="en-US" sz="1600" dirty="0"/>
+              <a:t> </a:t>
+            </a:r>
+            <a:r>
+              <a:rPr lang="en-US" sz="1600" dirty="0" err="1"/>
+              <a:t>hv</a:t>
+            </a:r>
+            <a:r>
+              <a:rPr lang="en-US" sz="1600" dirty="0"/>
+              <a:t>-block e o Markov;</a:t>
+            </a:r>
+          </a:p>
+          <a:p>
+            <a:pPr lvl="2"/>
+            <a:r>
+              <a:rPr lang="en-US" sz="1600" dirty="0" err="1"/>
+              <a:t>Geração</a:t>
+            </a:r>
+            <a:r>
+              <a:rPr lang="en-US" sz="1600" dirty="0"/>
+              <a:t> dos dados;</a:t>
+            </a:r>
+          </a:p>
+          <a:p>
+            <a:pPr lvl="2"/>
+            <a:r>
+              <a:rPr lang="en-US" sz="1600" dirty="0" err="1"/>
+              <a:t>Medidas</a:t>
+            </a:r>
+            <a:r>
+              <a:rPr lang="en-US" sz="1600" dirty="0"/>
+              <a:t> de </a:t>
+            </a:r>
+            <a:r>
+              <a:rPr lang="en-US" sz="1600" dirty="0" err="1"/>
+              <a:t>desempenho</a:t>
+            </a:r>
+            <a:endParaRPr lang="en-US" sz="1600" dirty="0"/>
+          </a:p>
+          <a:p>
+            <a:pPr lvl="1"/>
+            <a:r>
+              <a:rPr lang="en-US" sz="2000" dirty="0" err="1"/>
+              <a:t>Leitura</a:t>
+            </a:r>
+            <a:r>
+              <a:rPr lang="en-US" sz="2000" dirty="0"/>
+              <a:t> e </a:t>
+            </a:r>
+            <a:r>
+              <a:rPr lang="en-US" sz="2000" dirty="0" err="1"/>
+              <a:t>análise</a:t>
+            </a:r>
+            <a:r>
+              <a:rPr lang="en-US" sz="2000" dirty="0"/>
+              <a:t> do “</a:t>
+            </a:r>
+            <a:r>
+              <a:rPr lang="en-US" sz="2000" dirty="0" err="1"/>
+              <a:t>livro</a:t>
+            </a:r>
+            <a:r>
+              <a:rPr lang="en-US" sz="2000" dirty="0"/>
+              <a:t> de </a:t>
+            </a:r>
+            <a:r>
+              <a:rPr lang="en-US" sz="2000" dirty="0" err="1"/>
+              <a:t>estilo</a:t>
+            </a:r>
+            <a:r>
+              <a:rPr lang="en-US" sz="2000" dirty="0"/>
+              <a:t>” da </a:t>
+            </a:r>
+            <a:r>
+              <a:rPr lang="en-US" sz="2000" dirty="0" err="1"/>
+              <a:t>biblioteca</a:t>
             </a:r>
             <a:r>
               <a:rPr lang="en-US" sz="2000" dirty="0"/>
               <a:t> </a:t>
             </a:r>
             <a:r>
+              <a:rPr lang="en-US" sz="2000" i="1" dirty="0" err="1"/>
+              <a:t>Numpy</a:t>
+            </a:r>
+            <a:endParaRPr lang="en-US" i="1" dirty="0"/>
+          </a:p>
+          <a:p>
+            <a:pPr lvl="1"/>
+            <a:r>
               <a:rPr lang="en-US" sz="2000" dirty="0" err="1"/>
-              <a:t>métodos</a:t>
+              <a:t>Faltam</a:t>
             </a:r>
             <a:r>
               <a:rPr lang="en-US" sz="2000" dirty="0"/>
@@ -3950,149 +4227,17 @@
             </a:r>
             <a:r>
               <a:rPr lang="en-US" sz="2000" dirty="0" err="1"/>
-              <a:t>totalmente</a:t>
+              <a:t>alguns</a:t>
             </a:r>
             <a:r>
               <a:rPr lang="en-US" sz="2000" dirty="0"/>
-              <a:t> </a:t>
-            </a:r>
-            <a:r>
-              <a:rPr lang="en-US" sz="2000" dirty="0" err="1"/>
-              <a:t>implementados</a:t>
-            </a:r>
-            <a:r>
-              <a:rPr lang="en-US" sz="2000" dirty="0"/>
-              <a:t> (Rolling-Origin-Recalibration e Fixed-size Rolling Origin); </a:t>
-            </a:r>
-          </a:p>
-          <a:p>
-            <a:pPr lvl="1"/>
-            <a:r>
-              <a:rPr lang="en-US" sz="2000" dirty="0"/>
-              <a:t>testes </a:t>
+              <a:t> testes </a:t>
             </a:r>
             <a:r>
               <a:rPr lang="en-US" sz="2000" dirty="0" err="1"/>
               <a:t>unitários</a:t>
             </a:r>
-            <a:r>
-              <a:rPr lang="en-US" sz="2000" dirty="0"/>
-              <a:t> para as classes </a:t>
-            </a:r>
-            <a:r>
-              <a:rPr lang="en-US" sz="2000" dirty="0" err="1"/>
-              <a:t>relativas</a:t>
-            </a:r>
-            <a:r>
-              <a:rPr lang="en-US" sz="2000" dirty="0"/>
-              <a:t> </a:t>
-            </a:r>
-            <a:r>
-              <a:rPr lang="en-US" sz="2000" dirty="0" err="1"/>
-              <a:t>aos</a:t>
-            </a:r>
-            <a:r>
-              <a:rPr lang="en-US" sz="2000" dirty="0"/>
-              <a:t> </a:t>
-            </a:r>
-            <a:r>
-              <a:rPr lang="en-US" sz="2000" dirty="0" err="1"/>
-              <a:t>métodos</a:t>
-            </a:r>
-            <a:r>
-              <a:rPr lang="en-US" sz="2000" dirty="0"/>
-              <a:t> OOS -&gt; </a:t>
-            </a:r>
-            <a:r>
-              <a:rPr lang="en-US" sz="2000" dirty="0" err="1"/>
-              <a:t>tudo</a:t>
-            </a:r>
-            <a:r>
-              <a:rPr lang="en-US" sz="2000" dirty="0"/>
-              <a:t> a </a:t>
-            </a:r>
-            <a:r>
-              <a:rPr lang="en-US" sz="2000" dirty="0" err="1"/>
-              <a:t>funcionar</a:t>
-            </a:r>
-            <a:r>
-              <a:rPr lang="en-US" sz="2000" dirty="0"/>
-              <a:t> </a:t>
-            </a:r>
-            <a:r>
-              <a:rPr lang="en-US" sz="2000" dirty="0" err="1"/>
-              <a:t>bem</a:t>
-            </a:r>
-            <a:r>
-              <a:rPr lang="en-US" sz="2000" dirty="0"/>
-              <a:t>; </a:t>
-            </a:r>
-          </a:p>
-          <a:p>
-            <a:pPr lvl="1"/>
-            <a:r>
-              <a:rPr lang="en-US" sz="2000" dirty="0" err="1"/>
-              <a:t>leitura</a:t>
-            </a:r>
-            <a:r>
-              <a:rPr lang="en-US" sz="2000" dirty="0"/>
-              <a:t> e </a:t>
-            </a:r>
-            <a:r>
-              <a:rPr lang="en-US" sz="2000" dirty="0" err="1"/>
-              <a:t>análise</a:t>
-            </a:r>
-            <a:r>
-              <a:rPr lang="en-US" sz="2000" dirty="0"/>
-              <a:t> do “</a:t>
-            </a:r>
-            <a:r>
-              <a:rPr lang="en-US" sz="2000" dirty="0" err="1"/>
-              <a:t>livro</a:t>
-            </a:r>
-            <a:r>
-              <a:rPr lang="en-US" sz="2000" dirty="0"/>
-              <a:t> de </a:t>
-            </a:r>
-            <a:r>
-              <a:rPr lang="en-US" sz="2000" dirty="0" err="1"/>
-              <a:t>estilo</a:t>
-            </a:r>
-            <a:r>
-              <a:rPr lang="en-US" sz="2000" dirty="0"/>
-              <a:t>” da </a:t>
-            </a:r>
-            <a:r>
-              <a:rPr lang="en-US" sz="2000" dirty="0" err="1"/>
-              <a:t>biblioteca</a:t>
-            </a:r>
-            <a:r>
-              <a:rPr lang="en-US" sz="2000" dirty="0"/>
-              <a:t> </a:t>
-            </a:r>
-            <a:r>
-              <a:rPr lang="en-US" sz="2000" i="1" dirty="0" err="1"/>
-              <a:t>Numpy</a:t>
-            </a:r>
-            <a:r>
-              <a:rPr lang="en-US" sz="2000" i="1" dirty="0"/>
-              <a:t> </a:t>
-            </a:r>
-            <a:r>
-              <a:rPr lang="en-US" sz="2000" dirty="0"/>
-              <a:t>(</a:t>
-            </a:r>
-            <a:r>
-              <a:rPr lang="en-US" sz="2000" dirty="0" err="1"/>
-              <a:t>continuação</a:t>
-            </a:r>
-            <a:r>
-              <a:rPr lang="en-US" sz="2000" dirty="0"/>
-              <a:t>). </a:t>
-            </a:r>
-          </a:p>
-          <a:p>
-            <a:endParaRPr lang="en-US" sz="2400" dirty="0"/>
+            <a:endParaRPr lang="en-US" sz="2000" dirty="0"/>
           </a:p>
         </p:txBody>
       </p:sp>
@@ -4128,10 +4273,66 @@
       </p:grpSpPr>
       <p:sp>
         <p:nvSpPr>
+          <p:cNvPr id="69" name="Rectangle: Rounded Corners 68">
+            <a:extLst>
+              <a:ext uri="{FF2B5EF4-FFF2-40B4-BE49-F238E27FC236}">
+                <a16:creationId xmlns:a16="http://schemas.microsoft.com/office/drawing/2014/main" id="{3C67E8BA-1624-4115-94F2-D83B33DF8107}"/>
+              </a:ext>
+            </a:extLst>
+          </p:cNvPr>
+          <p:cNvSpPr/>
+          <p:nvPr/>
+        </p:nvSpPr>
+        <p:spPr>
+          <a:xfrm>
+            <a:off x="9989541" y="399697"/>
+            <a:ext cx="1936002" cy="1019301"/>
+          </a:xfrm>
+          <a:prstGeom prst="roundRect">
+            <a:avLst>
+              <a:gd name="adj" fmla="val 8763"/>
+            </a:avLst>
+          </a:prstGeom>
+          <a:solidFill>
+            <a:schemeClr val="bg1">
+              <a:lumMod val="95000"/>
+            </a:schemeClr>
+          </a:solidFill>
+          <a:ln>
+            <a:noFill/>
+          </a:ln>
+        </p:spPr>
+        <p:style>
+          <a:lnRef idx="2">
+            <a:schemeClr val="accent1">
+              <a:shade val="50000"/>
+            </a:schemeClr>
+          </a:lnRef>
+          <a:fillRef idx="1">
+            <a:schemeClr val="accent1"/>
+          </a:fillRef>
+          <a:effectRef idx="0">
+            <a:schemeClr val="accent1"/>
+          </a:effectRef>
+          <a:fontRef idx="minor">
+            <a:schemeClr val="lt1"/>
+          </a:fontRef>
+        </p:style>
+        <p:txBody>
+          <a:bodyPr rtlCol="0" anchor="ctr"/>
+          <a:lstStyle/>
+          <a:p>
+            <a:pPr algn="ctr"/>
+            <a:endParaRPr lang="en-US"/>
+          </a:p>
+        </p:txBody>
+      </p:sp>
+      <p:sp>
+        <p:nvSpPr>
           <p:cNvPr id="2" name="Title 1">
             <a:extLst>
               <a:ext uri="{FF2B5EF4-FFF2-40B4-BE49-F238E27FC236}">
-                <a16:creationId xmlns:a16="http://schemas.microsoft.com/office/drawing/2014/main" id="{40418348-F06C-4B32-A8DF-15AA5AF6BE42}"/>
+                <a16:creationId xmlns:a16="http://schemas.microsoft.com/office/drawing/2014/main" id="{36DCE9E9-EBB2-478D-9A64-65521DD63298}"/>
               </a:ext>
             </a:extLst>
           </p:cNvPr>
@@ -4149,11 +4350,27 @@
           <a:p>
             <a:r>
               <a:rPr lang="en-US" dirty="0"/>
-              <a:t>Ponto de </a:t>
+              <a:t>Ponto da </a:t>
             </a:r>
             <a:r>
               <a:rPr lang="en-US" dirty="0" err="1"/>
-              <a:t>situação</a:t>
+              <a:t>Situação</a:t>
+            </a:r>
+            <a:r>
+              <a:rPr lang="en-US" dirty="0"/>
+              <a:t> – A </a:t>
+            </a:r>
+            <a:r>
+              <a:rPr lang="en-US" dirty="0" err="1"/>
+              <a:t>semana</a:t>
+            </a:r>
+            <a:r>
+              <a:rPr lang="en-US" dirty="0"/>
+              <a:t> </a:t>
+            </a:r>
+            <a:r>
+              <a:rPr lang="en-US" dirty="0" err="1"/>
+              <a:t>passada</a:t>
             </a:r>
             <a:endParaRPr lang="en-US" dirty="0"/>
           </a:p>
@@ -4161,473 +4378,3421 @@
       </p:sp>
       <p:sp>
         <p:nvSpPr>
-          <p:cNvPr id="3" name="Content Placeholder 2">
-            <a:extLst>
-              <a:ext uri="{FF2B5EF4-FFF2-40B4-BE49-F238E27FC236}">
-                <a16:creationId xmlns:a16="http://schemas.microsoft.com/office/drawing/2014/main" id="{1C3624A7-C000-47B3-A158-458A46A60393}"/>
-              </a:ext>
-            </a:extLst>
-          </p:cNvPr>
-          <p:cNvSpPr>
-            <a:spLocks noGrp="1"/>
-          </p:cNvSpPr>
-          <p:nvPr>
-            <p:ph idx="1"/>
-          </p:nvPr>
-        </p:nvSpPr>
-        <p:spPr/>
-        <p:txBody>
-          <a:bodyPr>
-            <a:normAutofit/>
+          <p:cNvPr id="10" name="Rectangle 9">
+            <a:extLst>
+              <a:ext uri="{FF2B5EF4-FFF2-40B4-BE49-F238E27FC236}">
+                <a16:creationId xmlns:a16="http://schemas.microsoft.com/office/drawing/2014/main" id="{03D090F4-65E5-4C85-BAAE-AB9B2A753F8F}"/>
+              </a:ext>
+            </a:extLst>
+          </p:cNvPr>
+          <p:cNvSpPr/>
+          <p:nvPr/>
+        </p:nvSpPr>
+        <p:spPr>
+          <a:xfrm>
+            <a:off x="3930344" y="2245311"/>
+            <a:ext cx="2707891" cy="232728"/>
+          </a:xfrm>
+          <a:prstGeom prst="rect">
+            <a:avLst/>
+          </a:prstGeom>
+          <a:solidFill>
+            <a:schemeClr val="bg2"/>
+          </a:solidFill>
+          <a:ln>
+            <a:solidFill>
+              <a:schemeClr val="bg2">
+                <a:lumMod val="25000"/>
+              </a:schemeClr>
+            </a:solidFill>
+          </a:ln>
+        </p:spPr>
+        <p:style>
+          <a:lnRef idx="2">
+            <a:schemeClr val="accent1">
+              <a:shade val="50000"/>
+            </a:schemeClr>
+          </a:lnRef>
+          <a:fillRef idx="1">
+            <a:schemeClr val="accent1"/>
+          </a:fillRef>
+          <a:effectRef idx="0">
+            <a:schemeClr val="accent1"/>
+          </a:effectRef>
+          <a:fontRef idx="minor">
+            <a:schemeClr val="lt1"/>
+          </a:fontRef>
+        </p:style>
+        <p:txBody>
+          <a:bodyPr rtlCol="0" anchor="ctr"/>
+          <a:lstStyle/>
+          <a:p>
+            <a:pPr algn="ctr"/>
+            <a:r>
+              <a:rPr lang="en-US" sz="1200" dirty="0" err="1">
+                <a:solidFill>
+                  <a:schemeClr val="tx1"/>
+                </a:solidFill>
+              </a:rPr>
+              <a:t>data_generation</a:t>
+            </a:r>
+            <a:endParaRPr lang="en-US" sz="1200" dirty="0">
+              <a:solidFill>
+                <a:schemeClr val="tx1"/>
+              </a:solidFill>
+            </a:endParaRPr>
+          </a:p>
+        </p:txBody>
+      </p:sp>
+      <p:sp>
+        <p:nvSpPr>
+          <p:cNvPr id="11" name="Rectangle 10">
+            <a:extLst>
+              <a:ext uri="{FF2B5EF4-FFF2-40B4-BE49-F238E27FC236}">
+                <a16:creationId xmlns:a16="http://schemas.microsoft.com/office/drawing/2014/main" id="{1ABE734C-8611-40F7-9CE1-67BE7833B53F}"/>
+              </a:ext>
+            </a:extLst>
+          </p:cNvPr>
+          <p:cNvSpPr/>
+          <p:nvPr/>
+        </p:nvSpPr>
+        <p:spPr>
+          <a:xfrm>
+            <a:off x="3930344" y="2594817"/>
+            <a:ext cx="2707891" cy="232728"/>
+          </a:xfrm>
+          <a:prstGeom prst="rect">
+            <a:avLst/>
+          </a:prstGeom>
+          <a:solidFill>
+            <a:schemeClr val="bg2"/>
+          </a:solidFill>
+          <a:ln>
+            <a:solidFill>
+              <a:schemeClr val="bg2">
+                <a:lumMod val="25000"/>
+              </a:schemeClr>
+            </a:solidFill>
+          </a:ln>
+        </p:spPr>
+        <p:style>
+          <a:lnRef idx="2">
+            <a:schemeClr val="accent1">
+              <a:shade val="50000"/>
+            </a:schemeClr>
+          </a:lnRef>
+          <a:fillRef idx="1">
+            <a:schemeClr val="accent1"/>
+          </a:fillRef>
+          <a:effectRef idx="0">
+            <a:schemeClr val="accent1"/>
+          </a:effectRef>
+          <a:fontRef idx="minor">
+            <a:schemeClr val="lt1"/>
+          </a:fontRef>
+        </p:style>
+        <p:txBody>
+          <a:bodyPr rtlCol="0" anchor="ctr"/>
+          <a:lstStyle/>
+          <a:p>
+            <a:pPr algn="ctr"/>
+            <a:r>
+              <a:rPr lang="en-US" sz="1200" dirty="0" err="1">
+                <a:solidFill>
+                  <a:schemeClr val="tx1"/>
+                </a:solidFill>
+              </a:rPr>
+              <a:t>validation_methods</a:t>
+            </a:r>
+            <a:endParaRPr lang="en-US" sz="1200" dirty="0">
+              <a:solidFill>
+                <a:schemeClr val="tx1"/>
+              </a:solidFill>
+            </a:endParaRPr>
+          </a:p>
+        </p:txBody>
+      </p:sp>
+      <p:sp>
+        <p:nvSpPr>
+          <p:cNvPr id="12" name="Rectangle 11">
+            <a:extLst>
+              <a:ext uri="{FF2B5EF4-FFF2-40B4-BE49-F238E27FC236}">
+                <a16:creationId xmlns:a16="http://schemas.microsoft.com/office/drawing/2014/main" id="{FDE252C2-435E-460E-9BB1-2AF6BF66DFCA}"/>
+              </a:ext>
+            </a:extLst>
+          </p:cNvPr>
+          <p:cNvSpPr/>
+          <p:nvPr/>
+        </p:nvSpPr>
+        <p:spPr>
+          <a:xfrm>
+            <a:off x="3930344" y="2944323"/>
+            <a:ext cx="2707891" cy="232728"/>
+          </a:xfrm>
+          <a:prstGeom prst="rect">
+            <a:avLst/>
+          </a:prstGeom>
+          <a:solidFill>
+            <a:schemeClr val="bg2"/>
+          </a:solidFill>
+          <a:ln>
+            <a:solidFill>
+              <a:schemeClr val="bg2">
+                <a:lumMod val="25000"/>
+              </a:schemeClr>
+            </a:solidFill>
+          </a:ln>
+        </p:spPr>
+        <p:style>
+          <a:lnRef idx="2">
+            <a:schemeClr val="accent1">
+              <a:shade val="50000"/>
+            </a:schemeClr>
+          </a:lnRef>
+          <a:fillRef idx="1">
+            <a:schemeClr val="accent1"/>
+          </a:fillRef>
+          <a:effectRef idx="0">
+            <a:schemeClr val="accent1"/>
+          </a:effectRef>
+          <a:fontRef idx="minor">
+            <a:schemeClr val="lt1"/>
+          </a:fontRef>
+        </p:style>
+        <p:txBody>
+          <a:bodyPr rtlCol="0" anchor="ctr"/>
+          <a:lstStyle/>
+          <a:p>
+            <a:pPr algn="ctr"/>
+            <a:r>
+              <a:rPr lang="en-US" sz="1200" dirty="0">
+                <a:solidFill>
+                  <a:schemeClr val="tx1"/>
+                </a:solidFill>
+              </a:rPr>
+              <a:t>validation_comparison_metrics.py</a:t>
+            </a:r>
+          </a:p>
+        </p:txBody>
+      </p:sp>
+      <p:sp>
+        <p:nvSpPr>
+          <p:cNvPr id="13" name="Rectangle 12">
+            <a:extLst>
+              <a:ext uri="{FF2B5EF4-FFF2-40B4-BE49-F238E27FC236}">
+                <a16:creationId xmlns:a16="http://schemas.microsoft.com/office/drawing/2014/main" id="{3E7D89A6-2AD8-453D-9F05-1802D5084DE5}"/>
+              </a:ext>
+            </a:extLst>
+          </p:cNvPr>
+          <p:cNvSpPr/>
+          <p:nvPr/>
+        </p:nvSpPr>
+        <p:spPr>
+          <a:xfrm>
+            <a:off x="2004356" y="3710554"/>
+            <a:ext cx="1258352" cy="232728"/>
+          </a:xfrm>
+          <a:prstGeom prst="rect">
+            <a:avLst/>
+          </a:prstGeom>
+          <a:solidFill>
+            <a:schemeClr val="bg2"/>
+          </a:solidFill>
+          <a:ln>
+            <a:solidFill>
+              <a:schemeClr val="bg2">
+                <a:lumMod val="25000"/>
+              </a:schemeClr>
+            </a:solidFill>
+          </a:ln>
+        </p:spPr>
+        <p:style>
+          <a:lnRef idx="2">
+            <a:schemeClr val="accent1">
+              <a:shade val="50000"/>
+            </a:schemeClr>
+          </a:lnRef>
+          <a:fillRef idx="1">
+            <a:schemeClr val="accent1"/>
+          </a:fillRef>
+          <a:effectRef idx="0">
+            <a:schemeClr val="accent1"/>
+          </a:effectRef>
+          <a:fontRef idx="minor">
+            <a:schemeClr val="lt1"/>
+          </a:fontRef>
+        </p:style>
+        <p:txBody>
+          <a:bodyPr rtlCol="0" anchor="ctr"/>
+          <a:lstStyle/>
+          <a:p>
+            <a:pPr algn="ctr"/>
+            <a:r>
+              <a:rPr lang="en-US" sz="1200" dirty="0">
+                <a:solidFill>
+                  <a:schemeClr val="tx1"/>
+                </a:solidFill>
+              </a:rPr>
+              <a:t>tests.py</a:t>
+            </a:r>
+          </a:p>
+        </p:txBody>
+      </p:sp>
+      <p:sp>
+        <p:nvSpPr>
+          <p:cNvPr id="14" name="Rectangle 13">
+            <a:extLst>
+              <a:ext uri="{FF2B5EF4-FFF2-40B4-BE49-F238E27FC236}">
+                <a16:creationId xmlns:a16="http://schemas.microsoft.com/office/drawing/2014/main" id="{88C5CFE4-AFAC-4339-93F0-61E7A014671A}"/>
+              </a:ext>
+            </a:extLst>
+          </p:cNvPr>
+          <p:cNvSpPr/>
+          <p:nvPr/>
+        </p:nvSpPr>
+        <p:spPr>
+          <a:xfrm>
+            <a:off x="2004355" y="4060060"/>
+            <a:ext cx="1258352" cy="232728"/>
+          </a:xfrm>
+          <a:prstGeom prst="rect">
+            <a:avLst/>
+          </a:prstGeom>
+          <a:solidFill>
+            <a:schemeClr val="bg2"/>
+          </a:solidFill>
+          <a:ln>
+            <a:solidFill>
+              <a:schemeClr val="bg2">
+                <a:lumMod val="25000"/>
+              </a:schemeClr>
+            </a:solidFill>
+          </a:ln>
+        </p:spPr>
+        <p:style>
+          <a:lnRef idx="2">
+            <a:schemeClr val="accent1">
+              <a:shade val="50000"/>
+            </a:schemeClr>
+          </a:lnRef>
+          <a:fillRef idx="1">
+            <a:schemeClr val="accent1"/>
+          </a:fillRef>
+          <a:effectRef idx="0">
+            <a:schemeClr val="accent1"/>
+          </a:effectRef>
+          <a:fontRef idx="minor">
+            <a:schemeClr val="lt1"/>
+          </a:fontRef>
+        </p:style>
+        <p:txBody>
+          <a:bodyPr rtlCol="0" anchor="ctr"/>
+          <a:lstStyle/>
+          <a:p>
+            <a:pPr algn="ctr"/>
+            <a:r>
+              <a:rPr lang="en-US" sz="1200" dirty="0" err="1">
+                <a:solidFill>
+                  <a:schemeClr val="tx1"/>
+                </a:solidFill>
+              </a:rPr>
+              <a:t>pyproject.toml</a:t>
+            </a:r>
+            <a:endParaRPr lang="en-US" sz="1200" dirty="0">
+              <a:solidFill>
+                <a:schemeClr val="tx1"/>
+              </a:solidFill>
+            </a:endParaRPr>
+          </a:p>
+        </p:txBody>
+      </p:sp>
+      <p:sp>
+        <p:nvSpPr>
+          <p:cNvPr id="15" name="Rectangle 14">
+            <a:extLst>
+              <a:ext uri="{FF2B5EF4-FFF2-40B4-BE49-F238E27FC236}">
+                <a16:creationId xmlns:a16="http://schemas.microsoft.com/office/drawing/2014/main" id="{CFC43AB8-CFE2-4A59-9931-C6E76560B3D2}"/>
+              </a:ext>
+            </a:extLst>
+          </p:cNvPr>
+          <p:cNvSpPr/>
+          <p:nvPr/>
+        </p:nvSpPr>
+        <p:spPr>
+          <a:xfrm>
+            <a:off x="2004354" y="4409566"/>
+            <a:ext cx="1258352" cy="232728"/>
+          </a:xfrm>
+          <a:prstGeom prst="rect">
+            <a:avLst/>
+          </a:prstGeom>
+          <a:solidFill>
+            <a:schemeClr val="bg2"/>
+          </a:solidFill>
+          <a:ln>
+            <a:solidFill>
+              <a:schemeClr val="bg2">
+                <a:lumMod val="25000"/>
+              </a:schemeClr>
+            </a:solidFill>
+          </a:ln>
+        </p:spPr>
+        <p:style>
+          <a:lnRef idx="2">
+            <a:schemeClr val="accent1">
+              <a:shade val="50000"/>
+            </a:schemeClr>
+          </a:lnRef>
+          <a:fillRef idx="1">
+            <a:schemeClr val="accent1"/>
+          </a:fillRef>
+          <a:effectRef idx="0">
+            <a:schemeClr val="accent1"/>
+          </a:effectRef>
+          <a:fontRef idx="minor">
+            <a:schemeClr val="lt1"/>
+          </a:fontRef>
+        </p:style>
+        <p:txBody>
+          <a:bodyPr rtlCol="0" anchor="ctr"/>
+          <a:lstStyle/>
+          <a:p>
+            <a:pPr algn="ctr"/>
+            <a:r>
+              <a:rPr lang="en-US" sz="1200" dirty="0">
+                <a:solidFill>
+                  <a:schemeClr val="tx1"/>
+                </a:solidFill>
+              </a:rPr>
+              <a:t>README.md</a:t>
+            </a:r>
+          </a:p>
+        </p:txBody>
+      </p:sp>
+      <p:sp>
+        <p:nvSpPr>
+          <p:cNvPr id="16" name="Rectangle 15">
+            <a:extLst>
+              <a:ext uri="{FF2B5EF4-FFF2-40B4-BE49-F238E27FC236}">
+                <a16:creationId xmlns:a16="http://schemas.microsoft.com/office/drawing/2014/main" id="{71A081E6-D38A-4CAD-9664-D6695043A565}"/>
+              </a:ext>
+            </a:extLst>
+          </p:cNvPr>
+          <p:cNvSpPr/>
+          <p:nvPr/>
+        </p:nvSpPr>
+        <p:spPr>
+          <a:xfrm>
+            <a:off x="2004352" y="4767461"/>
+            <a:ext cx="1258352" cy="232728"/>
+          </a:xfrm>
+          <a:prstGeom prst="rect">
+            <a:avLst/>
+          </a:prstGeom>
+          <a:solidFill>
+            <a:schemeClr val="bg2"/>
+          </a:solidFill>
+          <a:ln>
+            <a:solidFill>
+              <a:schemeClr val="bg2">
+                <a:lumMod val="25000"/>
+              </a:schemeClr>
+            </a:solidFill>
+          </a:ln>
+        </p:spPr>
+        <p:style>
+          <a:lnRef idx="2">
+            <a:schemeClr val="accent1">
+              <a:shade val="50000"/>
+            </a:schemeClr>
+          </a:lnRef>
+          <a:fillRef idx="1">
+            <a:schemeClr val="accent1"/>
+          </a:fillRef>
+          <a:effectRef idx="0">
+            <a:schemeClr val="accent1"/>
+          </a:effectRef>
+          <a:fontRef idx="minor">
+            <a:schemeClr val="lt1"/>
+          </a:fontRef>
+        </p:style>
+        <p:txBody>
+          <a:bodyPr rtlCol="0" anchor="ctr"/>
+          <a:lstStyle/>
+          <a:p>
+            <a:pPr algn="ctr"/>
+            <a:r>
+              <a:rPr lang="en-US" sz="1200" dirty="0">
+                <a:solidFill>
+                  <a:schemeClr val="tx1"/>
+                </a:solidFill>
+              </a:rPr>
+              <a:t>LICENSE</a:t>
+            </a:r>
+          </a:p>
+        </p:txBody>
+      </p:sp>
+      <p:sp>
+        <p:nvSpPr>
+          <p:cNvPr id="17" name="Rectangle 16">
+            <a:extLst>
+              <a:ext uri="{FF2B5EF4-FFF2-40B4-BE49-F238E27FC236}">
+                <a16:creationId xmlns:a16="http://schemas.microsoft.com/office/drawing/2014/main" id="{26FE0770-0FC4-4C57-98F4-C2F15EDA9868}"/>
+              </a:ext>
+            </a:extLst>
+          </p:cNvPr>
+          <p:cNvSpPr/>
+          <p:nvPr/>
+        </p:nvSpPr>
+        <p:spPr>
+          <a:xfrm>
+            <a:off x="2004354" y="2245311"/>
+            <a:ext cx="1258352" cy="232728"/>
+          </a:xfrm>
+          <a:prstGeom prst="rect">
+            <a:avLst/>
+          </a:prstGeom>
+          <a:solidFill>
+            <a:schemeClr val="bg2"/>
+          </a:solidFill>
+          <a:ln>
+            <a:solidFill>
+              <a:schemeClr val="bg2">
+                <a:lumMod val="25000"/>
+              </a:schemeClr>
+            </a:solidFill>
+          </a:ln>
+        </p:spPr>
+        <p:style>
+          <a:lnRef idx="2">
+            <a:schemeClr val="accent1">
+              <a:shade val="50000"/>
+            </a:schemeClr>
+          </a:lnRef>
+          <a:fillRef idx="1">
+            <a:schemeClr val="accent1"/>
+          </a:fillRef>
+          <a:effectRef idx="0">
+            <a:schemeClr val="accent1"/>
+          </a:effectRef>
+          <a:fontRef idx="minor">
+            <a:schemeClr val="lt1"/>
+          </a:fontRef>
+        </p:style>
+        <p:txBody>
+          <a:bodyPr rtlCol="0" anchor="ctr"/>
+          <a:lstStyle/>
+          <a:p>
+            <a:pPr algn="ctr"/>
+            <a:r>
+              <a:rPr lang="en-US" sz="1200" dirty="0" err="1">
+                <a:solidFill>
+                  <a:schemeClr val="tx1"/>
+                </a:solidFill>
+              </a:rPr>
+              <a:t>tsvalidation</a:t>
+            </a:r>
+            <a:endParaRPr lang="en-US" sz="1200" dirty="0">
+              <a:solidFill>
+                <a:schemeClr val="tx1"/>
+              </a:solidFill>
+            </a:endParaRPr>
+          </a:p>
+        </p:txBody>
+      </p:sp>
+      <p:sp>
+        <p:nvSpPr>
+          <p:cNvPr id="18" name="Rectangle 17">
+            <a:extLst>
+              <a:ext uri="{FF2B5EF4-FFF2-40B4-BE49-F238E27FC236}">
+                <a16:creationId xmlns:a16="http://schemas.microsoft.com/office/drawing/2014/main" id="{2CF45887-8361-4474-A490-42D6A62748D2}"/>
+              </a:ext>
+            </a:extLst>
+          </p:cNvPr>
+          <p:cNvSpPr/>
+          <p:nvPr/>
+        </p:nvSpPr>
+        <p:spPr>
+          <a:xfrm>
+            <a:off x="2004352" y="5114133"/>
+            <a:ext cx="1258352" cy="232728"/>
+          </a:xfrm>
+          <a:prstGeom prst="rect">
+            <a:avLst/>
+          </a:prstGeom>
+          <a:solidFill>
+            <a:schemeClr val="bg2"/>
+          </a:solidFill>
+          <a:ln>
+            <a:solidFill>
+              <a:schemeClr val="bg2">
+                <a:lumMod val="25000"/>
+              </a:schemeClr>
+            </a:solidFill>
+          </a:ln>
+        </p:spPr>
+        <p:style>
+          <a:lnRef idx="2">
+            <a:schemeClr val="accent1">
+              <a:shade val="50000"/>
+            </a:schemeClr>
+          </a:lnRef>
+          <a:fillRef idx="1">
+            <a:schemeClr val="accent1"/>
+          </a:fillRef>
+          <a:effectRef idx="0">
+            <a:schemeClr val="accent1"/>
+          </a:effectRef>
+          <a:fontRef idx="minor">
+            <a:schemeClr val="lt1"/>
+          </a:fontRef>
+        </p:style>
+        <p:txBody>
+          <a:bodyPr rtlCol="0" anchor="ctr"/>
+          <a:lstStyle/>
+          <a:p>
+            <a:pPr algn="ctr"/>
+            <a:r>
+              <a:rPr lang="en-US" sz="1200" dirty="0">
+                <a:solidFill>
+                  <a:schemeClr val="tx1"/>
+                </a:solidFill>
+              </a:rPr>
+              <a:t>experiments</a:t>
+            </a:r>
+          </a:p>
+        </p:txBody>
+      </p:sp>
+      <p:sp>
+        <p:nvSpPr>
+          <p:cNvPr id="19" name="Rectangle 18">
+            <a:extLst>
+              <a:ext uri="{FF2B5EF4-FFF2-40B4-BE49-F238E27FC236}">
+                <a16:creationId xmlns:a16="http://schemas.microsoft.com/office/drawing/2014/main" id="{D69C083C-89C3-435C-B801-6F19330AE81A}"/>
+              </a:ext>
+            </a:extLst>
+          </p:cNvPr>
+          <p:cNvSpPr/>
+          <p:nvPr/>
+        </p:nvSpPr>
+        <p:spPr>
+          <a:xfrm>
+            <a:off x="3954483" y="5114901"/>
+            <a:ext cx="2707891" cy="232728"/>
+          </a:xfrm>
+          <a:prstGeom prst="rect">
+            <a:avLst/>
+          </a:prstGeom>
+          <a:solidFill>
+            <a:schemeClr val="bg2"/>
+          </a:solidFill>
+          <a:ln>
+            <a:solidFill>
+              <a:schemeClr val="bg2">
+                <a:lumMod val="25000"/>
+              </a:schemeClr>
+            </a:solidFill>
+          </a:ln>
+        </p:spPr>
+        <p:style>
+          <a:lnRef idx="2">
+            <a:schemeClr val="accent1">
+              <a:shade val="50000"/>
+            </a:schemeClr>
+          </a:lnRef>
+          <a:fillRef idx="1">
+            <a:schemeClr val="accent1"/>
+          </a:fillRef>
+          <a:effectRef idx="0">
+            <a:schemeClr val="accent1"/>
+          </a:effectRef>
+          <a:fontRef idx="minor">
+            <a:schemeClr val="lt1"/>
+          </a:fontRef>
+        </p:style>
+        <p:txBody>
+          <a:bodyPr rtlCol="0" anchor="ctr"/>
+          <a:lstStyle/>
+          <a:p>
+            <a:pPr algn="ctr"/>
+            <a:r>
+              <a:rPr lang="en-US" sz="1200" dirty="0">
+                <a:solidFill>
+                  <a:schemeClr val="tx1"/>
+                </a:solidFill>
+              </a:rPr>
+              <a:t>data_preprocessing.py</a:t>
+            </a:r>
+          </a:p>
+        </p:txBody>
+      </p:sp>
+      <p:sp>
+        <p:nvSpPr>
+          <p:cNvPr id="20" name="Rectangle 19">
+            <a:extLst>
+              <a:ext uri="{FF2B5EF4-FFF2-40B4-BE49-F238E27FC236}">
+                <a16:creationId xmlns:a16="http://schemas.microsoft.com/office/drawing/2014/main" id="{65BF6230-E922-4A69-9314-ABD9957F3499}"/>
+              </a:ext>
+            </a:extLst>
+          </p:cNvPr>
+          <p:cNvSpPr/>
+          <p:nvPr/>
+        </p:nvSpPr>
+        <p:spPr>
+          <a:xfrm>
+            <a:off x="3954483" y="5464406"/>
+            <a:ext cx="2707891" cy="232728"/>
+          </a:xfrm>
+          <a:prstGeom prst="rect">
+            <a:avLst/>
+          </a:prstGeom>
+          <a:solidFill>
+            <a:schemeClr val="bg2"/>
+          </a:solidFill>
+          <a:ln>
+            <a:solidFill>
+              <a:schemeClr val="bg2">
+                <a:lumMod val="25000"/>
+              </a:schemeClr>
+            </a:solidFill>
+          </a:ln>
+        </p:spPr>
+        <p:style>
+          <a:lnRef idx="2">
+            <a:schemeClr val="accent1">
+              <a:shade val="50000"/>
+            </a:schemeClr>
+          </a:lnRef>
+          <a:fillRef idx="1">
+            <a:schemeClr val="accent1"/>
+          </a:fillRef>
+          <a:effectRef idx="0">
+            <a:schemeClr val="accent1"/>
+          </a:effectRef>
+          <a:fontRef idx="minor">
+            <a:schemeClr val="lt1"/>
+          </a:fontRef>
+        </p:style>
+        <p:txBody>
+          <a:bodyPr rtlCol="0" anchor="ctr"/>
+          <a:lstStyle/>
+          <a:p>
+            <a:pPr algn="ctr"/>
+            <a:r>
+              <a:rPr lang="en-US" sz="1200" dirty="0">
+                <a:solidFill>
+                  <a:schemeClr val="tx1"/>
+                </a:solidFill>
+              </a:rPr>
+              <a:t>models.py</a:t>
+            </a:r>
+          </a:p>
+        </p:txBody>
+      </p:sp>
+      <p:sp>
+        <p:nvSpPr>
+          <p:cNvPr id="21" name="Rectangle 20">
+            <a:extLst>
+              <a:ext uri="{FF2B5EF4-FFF2-40B4-BE49-F238E27FC236}">
+                <a16:creationId xmlns:a16="http://schemas.microsoft.com/office/drawing/2014/main" id="{CC61A5AC-6F9E-4893-9ADD-D865C722CD22}"/>
+              </a:ext>
+            </a:extLst>
+          </p:cNvPr>
+          <p:cNvSpPr/>
+          <p:nvPr/>
+        </p:nvSpPr>
+        <p:spPr>
+          <a:xfrm>
+            <a:off x="3954483" y="5813912"/>
+            <a:ext cx="2707891" cy="232728"/>
+          </a:xfrm>
+          <a:prstGeom prst="rect">
+            <a:avLst/>
+          </a:prstGeom>
+          <a:solidFill>
+            <a:schemeClr val="bg2"/>
+          </a:solidFill>
+          <a:ln>
+            <a:solidFill>
+              <a:schemeClr val="bg2">
+                <a:lumMod val="25000"/>
+              </a:schemeClr>
+            </a:solidFill>
+          </a:ln>
+        </p:spPr>
+        <p:style>
+          <a:lnRef idx="2">
+            <a:schemeClr val="accent1">
+              <a:shade val="50000"/>
+            </a:schemeClr>
+          </a:lnRef>
+          <a:fillRef idx="1">
+            <a:schemeClr val="accent1"/>
+          </a:fillRef>
+          <a:effectRef idx="0">
+            <a:schemeClr val="accent1"/>
+          </a:effectRef>
+          <a:fontRef idx="minor">
+            <a:schemeClr val="lt1"/>
+          </a:fontRef>
+        </p:style>
+        <p:txBody>
+          <a:bodyPr rtlCol="0" anchor="ctr"/>
+          <a:lstStyle/>
+          <a:p>
+            <a:pPr algn="ctr"/>
+            <a:r>
+              <a:rPr lang="en-US" sz="1200" dirty="0" err="1">
+                <a:solidFill>
+                  <a:schemeClr val="tx1"/>
+                </a:solidFill>
+              </a:rPr>
+              <a:t>experiments.ipynb</a:t>
+            </a:r>
+            <a:endParaRPr lang="en-US" sz="1200" dirty="0">
+              <a:solidFill>
+                <a:schemeClr val="tx1"/>
+              </a:solidFill>
+            </a:endParaRPr>
+          </a:p>
+        </p:txBody>
+      </p:sp>
+      <p:sp>
+        <p:nvSpPr>
+          <p:cNvPr id="22" name="Rectangle 21">
+            <a:extLst>
+              <a:ext uri="{FF2B5EF4-FFF2-40B4-BE49-F238E27FC236}">
+                <a16:creationId xmlns:a16="http://schemas.microsoft.com/office/drawing/2014/main" id="{317B0116-4B2A-43A7-A663-D90894445C65}"/>
+              </a:ext>
+            </a:extLst>
+          </p:cNvPr>
+          <p:cNvSpPr/>
+          <p:nvPr/>
+        </p:nvSpPr>
+        <p:spPr>
+          <a:xfrm>
+            <a:off x="3954484" y="3294588"/>
+            <a:ext cx="2683752" cy="232728"/>
+          </a:xfrm>
+          <a:prstGeom prst="rect">
+            <a:avLst/>
+          </a:prstGeom>
+          <a:solidFill>
+            <a:schemeClr val="bg2"/>
+          </a:solidFill>
+          <a:ln>
+            <a:solidFill>
+              <a:schemeClr val="bg2">
+                <a:lumMod val="25000"/>
+              </a:schemeClr>
+            </a:solidFill>
+          </a:ln>
+        </p:spPr>
+        <p:style>
+          <a:lnRef idx="2">
+            <a:schemeClr val="accent1">
+              <a:shade val="50000"/>
+            </a:schemeClr>
+          </a:lnRef>
+          <a:fillRef idx="1">
+            <a:schemeClr val="accent1"/>
+          </a:fillRef>
+          <a:effectRef idx="0">
+            <a:schemeClr val="accent1"/>
+          </a:effectRef>
+          <a:fontRef idx="minor">
+            <a:schemeClr val="lt1"/>
+          </a:fontRef>
+        </p:style>
+        <p:txBody>
+          <a:bodyPr rtlCol="0" anchor="ctr"/>
+          <a:lstStyle/>
+          <a:p>
+            <a:pPr algn="ctr"/>
+            <a:r>
+              <a:rPr lang="en-US" sz="1200" dirty="0">
+                <a:solidFill>
+                  <a:schemeClr val="tx1"/>
+                </a:solidFill>
+              </a:rPr>
+              <a:t>utils.py</a:t>
+            </a:r>
+          </a:p>
+        </p:txBody>
+      </p:sp>
+      <p:cxnSp>
+        <p:nvCxnSpPr>
+          <p:cNvPr id="23" name="Connector: Elbow 22">
+            <a:extLst>
+              <a:ext uri="{FF2B5EF4-FFF2-40B4-BE49-F238E27FC236}">
+                <a16:creationId xmlns:a16="http://schemas.microsoft.com/office/drawing/2014/main" id="{49C3FB25-83D8-4E95-BD84-5541CFEC5645}"/>
+              </a:ext>
+            </a:extLst>
+          </p:cNvPr>
+          <p:cNvCxnSpPr>
+            <a:cxnSpLocks/>
+            <a:stCxn id="17" idx="3"/>
+            <a:endCxn id="11" idx="1"/>
+          </p:cNvCxnSpPr>
+          <p:nvPr/>
+        </p:nvCxnSpPr>
+        <p:spPr>
+          <a:xfrm>
+            <a:off x="3262706" y="2361675"/>
+            <a:ext cx="667638" cy="349506"/>
+          </a:xfrm>
+          <a:prstGeom prst="bentConnector3">
+            <a:avLst/>
+          </a:prstGeom>
+          <a:ln w="12700">
+            <a:solidFill>
+              <a:schemeClr val="bg2">
+                <a:lumMod val="25000"/>
+              </a:schemeClr>
+            </a:solidFill>
+            <a:tailEnd type="triangle"/>
+          </a:ln>
+        </p:spPr>
+        <p:style>
+          <a:lnRef idx="1">
+            <a:schemeClr val="accent1"/>
+          </a:lnRef>
+          <a:fillRef idx="0">
+            <a:schemeClr val="accent1"/>
+          </a:fillRef>
+          <a:effectRef idx="0">
+            <a:schemeClr val="accent1"/>
+          </a:effectRef>
+          <a:fontRef idx="minor">
+            <a:schemeClr val="tx1"/>
+          </a:fontRef>
+        </p:style>
+      </p:cxnSp>
+      <p:cxnSp>
+        <p:nvCxnSpPr>
+          <p:cNvPr id="24" name="Connector: Elbow 23">
+            <a:extLst>
+              <a:ext uri="{FF2B5EF4-FFF2-40B4-BE49-F238E27FC236}">
+                <a16:creationId xmlns:a16="http://schemas.microsoft.com/office/drawing/2014/main" id="{10EA5A75-8647-4FB0-B927-BB03A4B35E3D}"/>
+              </a:ext>
+            </a:extLst>
+          </p:cNvPr>
+          <p:cNvCxnSpPr>
+            <a:cxnSpLocks/>
+            <a:stCxn id="17" idx="3"/>
+            <a:endCxn id="12" idx="1"/>
+          </p:cNvCxnSpPr>
+          <p:nvPr/>
+        </p:nvCxnSpPr>
+        <p:spPr>
+          <a:xfrm>
+            <a:off x="3262706" y="2361675"/>
+            <a:ext cx="667638" cy="699012"/>
+          </a:xfrm>
+          <a:prstGeom prst="bentConnector3">
+            <a:avLst/>
+          </a:prstGeom>
+          <a:ln w="12700">
+            <a:solidFill>
+              <a:schemeClr val="bg2">
+                <a:lumMod val="25000"/>
+              </a:schemeClr>
+            </a:solidFill>
+            <a:tailEnd type="triangle"/>
+          </a:ln>
+        </p:spPr>
+        <p:style>
+          <a:lnRef idx="1">
+            <a:schemeClr val="accent1"/>
+          </a:lnRef>
+          <a:fillRef idx="0">
+            <a:schemeClr val="accent1"/>
+          </a:fillRef>
+          <a:effectRef idx="0">
+            <a:schemeClr val="accent1"/>
+          </a:effectRef>
+          <a:fontRef idx="minor">
+            <a:schemeClr val="tx1"/>
+          </a:fontRef>
+        </p:style>
+      </p:cxnSp>
+      <p:cxnSp>
+        <p:nvCxnSpPr>
+          <p:cNvPr id="25" name="Connector: Elbow 24">
+            <a:extLst>
+              <a:ext uri="{FF2B5EF4-FFF2-40B4-BE49-F238E27FC236}">
+                <a16:creationId xmlns:a16="http://schemas.microsoft.com/office/drawing/2014/main" id="{1BB642AD-5C94-4DAB-B81B-72C91EE4B303}"/>
+              </a:ext>
+            </a:extLst>
+          </p:cNvPr>
+          <p:cNvCxnSpPr>
+            <a:cxnSpLocks/>
+            <a:stCxn id="17" idx="3"/>
+            <a:endCxn id="22" idx="1"/>
+          </p:cNvCxnSpPr>
+          <p:nvPr/>
+        </p:nvCxnSpPr>
+        <p:spPr>
+          <a:xfrm>
+            <a:off x="3262706" y="2361675"/>
+            <a:ext cx="691778" cy="1049277"/>
+          </a:xfrm>
+          <a:prstGeom prst="bentConnector3">
+            <a:avLst>
+              <a:gd name="adj1" fmla="val 48787"/>
+            </a:avLst>
+          </a:prstGeom>
+          <a:ln w="12700">
+            <a:solidFill>
+              <a:schemeClr val="bg2">
+                <a:lumMod val="25000"/>
+              </a:schemeClr>
+            </a:solidFill>
+            <a:tailEnd type="triangle"/>
+          </a:ln>
+        </p:spPr>
+        <p:style>
+          <a:lnRef idx="1">
+            <a:schemeClr val="accent1"/>
+          </a:lnRef>
+          <a:fillRef idx="0">
+            <a:schemeClr val="accent1"/>
+          </a:fillRef>
+          <a:effectRef idx="0">
+            <a:schemeClr val="accent1"/>
+          </a:effectRef>
+          <a:fontRef idx="minor">
+            <a:schemeClr val="tx1"/>
+          </a:fontRef>
+        </p:style>
+      </p:cxnSp>
+      <p:cxnSp>
+        <p:nvCxnSpPr>
+          <p:cNvPr id="26" name="Connector: Elbow 25">
+            <a:extLst>
+              <a:ext uri="{FF2B5EF4-FFF2-40B4-BE49-F238E27FC236}">
+                <a16:creationId xmlns:a16="http://schemas.microsoft.com/office/drawing/2014/main" id="{A3F670AE-09D7-4A53-A4C8-3835015C3193}"/>
+              </a:ext>
+            </a:extLst>
+          </p:cNvPr>
+          <p:cNvCxnSpPr>
+            <a:cxnSpLocks/>
+            <a:stCxn id="18" idx="3"/>
+            <a:endCxn id="20" idx="1"/>
+          </p:cNvCxnSpPr>
+          <p:nvPr/>
+        </p:nvCxnSpPr>
+        <p:spPr>
+          <a:xfrm>
+            <a:off x="3262704" y="5230497"/>
+            <a:ext cx="691779" cy="350273"/>
+          </a:xfrm>
+          <a:prstGeom prst="bentConnector3">
+            <a:avLst/>
+          </a:prstGeom>
+          <a:ln w="12700">
+            <a:solidFill>
+              <a:schemeClr val="bg2">
+                <a:lumMod val="25000"/>
+              </a:schemeClr>
+            </a:solidFill>
+            <a:tailEnd type="triangle"/>
+          </a:ln>
+        </p:spPr>
+        <p:style>
+          <a:lnRef idx="1">
+            <a:schemeClr val="accent1"/>
+          </a:lnRef>
+          <a:fillRef idx="0">
+            <a:schemeClr val="accent1"/>
+          </a:fillRef>
+          <a:effectRef idx="0">
+            <a:schemeClr val="accent1"/>
+          </a:effectRef>
+          <a:fontRef idx="minor">
+            <a:schemeClr val="tx1"/>
+          </a:fontRef>
+        </p:style>
+      </p:cxnSp>
+      <p:cxnSp>
+        <p:nvCxnSpPr>
+          <p:cNvPr id="27" name="Connector: Elbow 26">
+            <a:extLst>
+              <a:ext uri="{FF2B5EF4-FFF2-40B4-BE49-F238E27FC236}">
+                <a16:creationId xmlns:a16="http://schemas.microsoft.com/office/drawing/2014/main" id="{568EC07B-8F7F-479D-ADC3-112130C36681}"/>
+              </a:ext>
+            </a:extLst>
+          </p:cNvPr>
+          <p:cNvCxnSpPr>
+            <a:cxnSpLocks/>
+            <a:stCxn id="18" idx="3"/>
+            <a:endCxn id="21" idx="1"/>
+          </p:cNvCxnSpPr>
+          <p:nvPr/>
+        </p:nvCxnSpPr>
+        <p:spPr>
+          <a:xfrm>
+            <a:off x="3262704" y="5230497"/>
+            <a:ext cx="691779" cy="699779"/>
+          </a:xfrm>
+          <a:prstGeom prst="bentConnector3">
+            <a:avLst>
+              <a:gd name="adj1" fmla="val 50000"/>
+            </a:avLst>
+          </a:prstGeom>
+          <a:ln w="12700">
+            <a:solidFill>
+              <a:schemeClr val="bg2">
+                <a:lumMod val="25000"/>
+              </a:schemeClr>
+            </a:solidFill>
+            <a:tailEnd type="triangle"/>
+          </a:ln>
+        </p:spPr>
+        <p:style>
+          <a:lnRef idx="1">
+            <a:schemeClr val="accent1"/>
+          </a:lnRef>
+          <a:fillRef idx="0">
+            <a:schemeClr val="accent1"/>
+          </a:fillRef>
+          <a:effectRef idx="0">
+            <a:schemeClr val="accent1"/>
+          </a:effectRef>
+          <a:fontRef idx="minor">
+            <a:schemeClr val="tx1"/>
+          </a:fontRef>
+        </p:style>
+      </p:cxnSp>
+      <p:cxnSp>
+        <p:nvCxnSpPr>
+          <p:cNvPr id="28" name="Straight Arrow Connector 27">
+            <a:extLst>
+              <a:ext uri="{FF2B5EF4-FFF2-40B4-BE49-F238E27FC236}">
+                <a16:creationId xmlns:a16="http://schemas.microsoft.com/office/drawing/2014/main" id="{8CAD9EB7-E361-4E99-AB98-71EBCF4F0122}"/>
+              </a:ext>
+            </a:extLst>
+          </p:cNvPr>
+          <p:cNvCxnSpPr>
+            <a:cxnSpLocks/>
+            <a:stCxn id="17" idx="3"/>
+            <a:endCxn id="10" idx="1"/>
+          </p:cNvCxnSpPr>
+          <p:nvPr/>
+        </p:nvCxnSpPr>
+        <p:spPr>
+          <a:xfrm>
+            <a:off x="3262706" y="2361675"/>
+            <a:ext cx="667638" cy="0"/>
+          </a:xfrm>
+          <a:prstGeom prst="straightConnector1">
+            <a:avLst/>
+          </a:prstGeom>
+          <a:ln w="12700">
+            <a:solidFill>
+              <a:schemeClr val="bg2">
+                <a:lumMod val="25000"/>
+              </a:schemeClr>
+            </a:solidFill>
+            <a:tailEnd type="triangle"/>
+          </a:ln>
+        </p:spPr>
+        <p:style>
+          <a:lnRef idx="1">
+            <a:schemeClr val="accent1"/>
+          </a:lnRef>
+          <a:fillRef idx="0">
+            <a:schemeClr val="accent1"/>
+          </a:fillRef>
+          <a:effectRef idx="0">
+            <a:schemeClr val="accent1"/>
+          </a:effectRef>
+          <a:fontRef idx="minor">
+            <a:schemeClr val="tx1"/>
+          </a:fontRef>
+        </p:style>
+      </p:cxnSp>
+      <p:cxnSp>
+        <p:nvCxnSpPr>
+          <p:cNvPr id="29" name="Straight Arrow Connector 28">
+            <a:extLst>
+              <a:ext uri="{FF2B5EF4-FFF2-40B4-BE49-F238E27FC236}">
+                <a16:creationId xmlns:a16="http://schemas.microsoft.com/office/drawing/2014/main" id="{842C7D89-82BC-4BCB-88E4-2950B2D89645}"/>
+              </a:ext>
+            </a:extLst>
+          </p:cNvPr>
+          <p:cNvCxnSpPr>
+            <a:cxnSpLocks/>
+            <a:stCxn id="18" idx="3"/>
+            <a:endCxn id="19" idx="1"/>
+          </p:cNvCxnSpPr>
+          <p:nvPr/>
+        </p:nvCxnSpPr>
+        <p:spPr>
+          <a:xfrm>
+            <a:off x="3262704" y="5230497"/>
+            <a:ext cx="691779" cy="768"/>
+          </a:xfrm>
+          <a:prstGeom prst="straightConnector1">
+            <a:avLst/>
+          </a:prstGeom>
+          <a:ln w="12700">
+            <a:solidFill>
+              <a:schemeClr val="bg2">
+                <a:lumMod val="25000"/>
+              </a:schemeClr>
+            </a:solidFill>
+            <a:tailEnd type="triangle"/>
+          </a:ln>
+        </p:spPr>
+        <p:style>
+          <a:lnRef idx="1">
+            <a:schemeClr val="accent1"/>
+          </a:lnRef>
+          <a:fillRef idx="0">
+            <a:schemeClr val="accent1"/>
+          </a:fillRef>
+          <a:effectRef idx="0">
+            <a:schemeClr val="accent1"/>
+          </a:effectRef>
+          <a:fontRef idx="minor">
+            <a:schemeClr val="tx1"/>
+          </a:fontRef>
+        </p:style>
+      </p:cxnSp>
+      <p:sp>
+        <p:nvSpPr>
+          <p:cNvPr id="30" name="Rectangle 29">
+            <a:extLst>
+              <a:ext uri="{FF2B5EF4-FFF2-40B4-BE49-F238E27FC236}">
+                <a16:creationId xmlns:a16="http://schemas.microsoft.com/office/drawing/2014/main" id="{0FFCBDE8-4825-4760-BB69-4FC82F527A0F}"/>
+              </a:ext>
+            </a:extLst>
+          </p:cNvPr>
+          <p:cNvSpPr/>
+          <p:nvPr/>
+        </p:nvSpPr>
+        <p:spPr>
+          <a:xfrm>
+            <a:off x="761650" y="1909763"/>
+            <a:ext cx="1116638" cy="232728"/>
+          </a:xfrm>
+          <a:prstGeom prst="rect">
+            <a:avLst/>
+          </a:prstGeom>
+          <a:solidFill>
+            <a:schemeClr val="bg2"/>
+          </a:solidFill>
+          <a:ln>
+            <a:solidFill>
+              <a:schemeClr val="bg2">
+                <a:lumMod val="25000"/>
+              </a:schemeClr>
+            </a:solidFill>
+          </a:ln>
+        </p:spPr>
+        <p:style>
+          <a:lnRef idx="2">
+            <a:schemeClr val="accent1">
+              <a:shade val="50000"/>
+            </a:schemeClr>
+          </a:lnRef>
+          <a:fillRef idx="1">
+            <a:schemeClr val="accent1"/>
+          </a:fillRef>
+          <a:effectRef idx="0">
+            <a:schemeClr val="accent1"/>
+          </a:effectRef>
+          <a:fontRef idx="minor">
+            <a:schemeClr val="lt1"/>
+          </a:fontRef>
+        </p:style>
+        <p:txBody>
+          <a:bodyPr rtlCol="0" anchor="ctr"/>
+          <a:lstStyle/>
+          <a:p>
+            <a:pPr algn="ctr"/>
+            <a:r>
+              <a:rPr lang="en-US" sz="1200" dirty="0" err="1">
+                <a:solidFill>
+                  <a:schemeClr val="tx1"/>
+                </a:solidFill>
+              </a:rPr>
+              <a:t>tsvalidation</a:t>
+            </a:r>
+            <a:endParaRPr lang="en-US" sz="1200" dirty="0">
+              <a:solidFill>
+                <a:schemeClr val="tx1"/>
+              </a:solidFill>
+            </a:endParaRPr>
+          </a:p>
+        </p:txBody>
+      </p:sp>
+      <p:cxnSp>
+        <p:nvCxnSpPr>
+          <p:cNvPr id="31" name="Connector: Elbow 30">
+            <a:extLst>
+              <a:ext uri="{FF2B5EF4-FFF2-40B4-BE49-F238E27FC236}">
+                <a16:creationId xmlns:a16="http://schemas.microsoft.com/office/drawing/2014/main" id="{91B93EDB-11B9-401E-8E8F-B9E4691B38D2}"/>
+              </a:ext>
+            </a:extLst>
+          </p:cNvPr>
+          <p:cNvCxnSpPr>
+            <a:cxnSpLocks/>
+            <a:stCxn id="30" idx="2"/>
+          </p:cNvCxnSpPr>
+          <p:nvPr/>
+        </p:nvCxnSpPr>
+        <p:spPr>
+          <a:xfrm rot="16200000" flipH="1">
+            <a:off x="1547807" y="1914653"/>
+            <a:ext cx="219184" cy="674860"/>
+          </a:xfrm>
+          <a:prstGeom prst="bentConnector2">
+            <a:avLst/>
+          </a:prstGeom>
+          <a:ln w="12700">
+            <a:solidFill>
+              <a:schemeClr val="bg2">
+                <a:lumMod val="25000"/>
+              </a:schemeClr>
+            </a:solidFill>
+            <a:tailEnd type="triangle"/>
+          </a:ln>
+        </p:spPr>
+        <p:style>
+          <a:lnRef idx="1">
+            <a:schemeClr val="accent1"/>
+          </a:lnRef>
+          <a:fillRef idx="0">
+            <a:schemeClr val="accent1"/>
+          </a:fillRef>
+          <a:effectRef idx="0">
+            <a:schemeClr val="accent1"/>
+          </a:effectRef>
+          <a:fontRef idx="minor">
+            <a:schemeClr val="tx1"/>
+          </a:fontRef>
+        </p:style>
+      </p:cxnSp>
+      <p:cxnSp>
+        <p:nvCxnSpPr>
+          <p:cNvPr id="32" name="Connector: Elbow 31">
+            <a:extLst>
+              <a:ext uri="{FF2B5EF4-FFF2-40B4-BE49-F238E27FC236}">
+                <a16:creationId xmlns:a16="http://schemas.microsoft.com/office/drawing/2014/main" id="{FA33E843-587C-4C73-8B4B-56A069580C3D}"/>
+              </a:ext>
+            </a:extLst>
+          </p:cNvPr>
+          <p:cNvCxnSpPr>
+            <a:cxnSpLocks/>
+            <a:stCxn id="30" idx="2"/>
+          </p:cNvCxnSpPr>
+          <p:nvPr/>
+        </p:nvCxnSpPr>
+        <p:spPr>
+          <a:xfrm rot="16200000" flipH="1">
+            <a:off x="815187" y="2647273"/>
+            <a:ext cx="1684427" cy="674862"/>
+          </a:xfrm>
+          <a:prstGeom prst="bentConnector2">
+            <a:avLst/>
+          </a:prstGeom>
+          <a:ln w="12700">
+            <a:solidFill>
+              <a:schemeClr val="bg2">
+                <a:lumMod val="25000"/>
+              </a:schemeClr>
+            </a:solidFill>
+            <a:tailEnd type="triangle"/>
+          </a:ln>
+        </p:spPr>
+        <p:style>
+          <a:lnRef idx="1">
+            <a:schemeClr val="accent1"/>
+          </a:lnRef>
+          <a:fillRef idx="0">
+            <a:schemeClr val="accent1"/>
+          </a:fillRef>
+          <a:effectRef idx="0">
+            <a:schemeClr val="accent1"/>
+          </a:effectRef>
+          <a:fontRef idx="minor">
+            <a:schemeClr val="tx1"/>
+          </a:fontRef>
+        </p:style>
+      </p:cxnSp>
+      <p:cxnSp>
+        <p:nvCxnSpPr>
+          <p:cNvPr id="33" name="Connector: Elbow 32">
+            <a:extLst>
+              <a:ext uri="{FF2B5EF4-FFF2-40B4-BE49-F238E27FC236}">
+                <a16:creationId xmlns:a16="http://schemas.microsoft.com/office/drawing/2014/main" id="{EFC72967-C907-4CCF-809E-F70CC9D3A3BB}"/>
+              </a:ext>
+            </a:extLst>
+          </p:cNvPr>
+          <p:cNvCxnSpPr>
+            <a:cxnSpLocks/>
+            <a:stCxn id="30" idx="2"/>
+          </p:cNvCxnSpPr>
+          <p:nvPr/>
+        </p:nvCxnSpPr>
+        <p:spPr>
+          <a:xfrm rot="16200000" flipH="1">
+            <a:off x="640433" y="2822026"/>
+            <a:ext cx="2033933" cy="674861"/>
+          </a:xfrm>
+          <a:prstGeom prst="bentConnector2">
+            <a:avLst/>
+          </a:prstGeom>
+          <a:ln w="12700">
+            <a:solidFill>
+              <a:schemeClr val="bg2">
+                <a:lumMod val="25000"/>
+              </a:schemeClr>
+            </a:solidFill>
+            <a:tailEnd type="triangle"/>
+          </a:ln>
+        </p:spPr>
+        <p:style>
+          <a:lnRef idx="1">
+            <a:schemeClr val="accent1"/>
+          </a:lnRef>
+          <a:fillRef idx="0">
+            <a:schemeClr val="accent1"/>
+          </a:fillRef>
+          <a:effectRef idx="0">
+            <a:schemeClr val="accent1"/>
+          </a:effectRef>
+          <a:fontRef idx="minor">
+            <a:schemeClr val="tx1"/>
+          </a:fontRef>
+        </p:style>
+      </p:cxnSp>
+      <p:cxnSp>
+        <p:nvCxnSpPr>
+          <p:cNvPr id="34" name="Connector: Elbow 33">
+            <a:extLst>
+              <a:ext uri="{FF2B5EF4-FFF2-40B4-BE49-F238E27FC236}">
+                <a16:creationId xmlns:a16="http://schemas.microsoft.com/office/drawing/2014/main" id="{68C2ED1C-1BE3-4021-84A1-D86AE233EA80}"/>
+              </a:ext>
+            </a:extLst>
+          </p:cNvPr>
+          <p:cNvCxnSpPr>
+            <a:cxnSpLocks/>
+            <a:stCxn id="30" idx="2"/>
+          </p:cNvCxnSpPr>
+          <p:nvPr/>
+        </p:nvCxnSpPr>
+        <p:spPr>
+          <a:xfrm rot="16200000" flipH="1">
+            <a:off x="465680" y="2996780"/>
+            <a:ext cx="2383439" cy="674860"/>
+          </a:xfrm>
+          <a:prstGeom prst="bentConnector2">
+            <a:avLst/>
+          </a:prstGeom>
+          <a:ln w="12700">
+            <a:solidFill>
+              <a:schemeClr val="bg2">
+                <a:lumMod val="25000"/>
+              </a:schemeClr>
+            </a:solidFill>
+            <a:tailEnd type="triangle"/>
+          </a:ln>
+        </p:spPr>
+        <p:style>
+          <a:lnRef idx="1">
+            <a:schemeClr val="accent1"/>
+          </a:lnRef>
+          <a:fillRef idx="0">
+            <a:schemeClr val="accent1"/>
+          </a:fillRef>
+          <a:effectRef idx="0">
+            <a:schemeClr val="accent1"/>
+          </a:effectRef>
+          <a:fontRef idx="minor">
+            <a:schemeClr val="tx1"/>
+          </a:fontRef>
+        </p:style>
+      </p:cxnSp>
+      <p:cxnSp>
+        <p:nvCxnSpPr>
+          <p:cNvPr id="35" name="Connector: Elbow 34">
+            <a:extLst>
+              <a:ext uri="{FF2B5EF4-FFF2-40B4-BE49-F238E27FC236}">
+                <a16:creationId xmlns:a16="http://schemas.microsoft.com/office/drawing/2014/main" id="{493EFA7F-DD57-45C4-AB59-9936347AA7CC}"/>
+              </a:ext>
+            </a:extLst>
+          </p:cNvPr>
+          <p:cNvCxnSpPr>
+            <a:cxnSpLocks/>
+            <a:stCxn id="30" idx="2"/>
+          </p:cNvCxnSpPr>
+          <p:nvPr/>
+        </p:nvCxnSpPr>
+        <p:spPr>
+          <a:xfrm rot="16200000" flipH="1">
+            <a:off x="286731" y="3175729"/>
+            <a:ext cx="2741334" cy="674858"/>
+          </a:xfrm>
+          <a:prstGeom prst="bentConnector2">
+            <a:avLst/>
+          </a:prstGeom>
+          <a:ln w="12700">
+            <a:solidFill>
+              <a:schemeClr val="bg2">
+                <a:lumMod val="25000"/>
+              </a:schemeClr>
+            </a:solidFill>
+            <a:tailEnd type="triangle"/>
+          </a:ln>
+        </p:spPr>
+        <p:style>
+          <a:lnRef idx="1">
+            <a:schemeClr val="accent1"/>
+          </a:lnRef>
+          <a:fillRef idx="0">
+            <a:schemeClr val="accent1"/>
+          </a:fillRef>
+          <a:effectRef idx="0">
+            <a:schemeClr val="accent1"/>
+          </a:effectRef>
+          <a:fontRef idx="minor">
+            <a:schemeClr val="tx1"/>
+          </a:fontRef>
+        </p:style>
+      </p:cxnSp>
+      <p:cxnSp>
+        <p:nvCxnSpPr>
+          <p:cNvPr id="36" name="Connector: Elbow 35">
+            <a:extLst>
+              <a:ext uri="{FF2B5EF4-FFF2-40B4-BE49-F238E27FC236}">
+                <a16:creationId xmlns:a16="http://schemas.microsoft.com/office/drawing/2014/main" id="{2E427606-0BFE-4D96-B433-F5264B395EC6}"/>
+              </a:ext>
+            </a:extLst>
+          </p:cNvPr>
+          <p:cNvCxnSpPr>
+            <a:cxnSpLocks/>
+            <a:stCxn id="30" idx="2"/>
+          </p:cNvCxnSpPr>
+          <p:nvPr/>
+        </p:nvCxnSpPr>
+        <p:spPr>
+          <a:xfrm rot="16200000" flipH="1">
+            <a:off x="113395" y="3349065"/>
+            <a:ext cx="3088006" cy="674858"/>
+          </a:xfrm>
+          <a:prstGeom prst="bentConnector2">
+            <a:avLst/>
+          </a:prstGeom>
+          <a:ln w="12700">
+            <a:solidFill>
+              <a:schemeClr val="bg2">
+                <a:lumMod val="25000"/>
+              </a:schemeClr>
+            </a:solidFill>
+            <a:tailEnd type="triangle"/>
+          </a:ln>
+        </p:spPr>
+        <p:style>
+          <a:lnRef idx="1">
+            <a:schemeClr val="accent1"/>
+          </a:lnRef>
+          <a:fillRef idx="0">
+            <a:schemeClr val="accent1"/>
+          </a:fillRef>
+          <a:effectRef idx="0">
+            <a:schemeClr val="accent1"/>
+          </a:effectRef>
+          <a:fontRef idx="minor">
+            <a:schemeClr val="tx1"/>
+          </a:fontRef>
+        </p:style>
+      </p:cxnSp>
+      <p:sp>
+        <p:nvSpPr>
+          <p:cNvPr id="37" name="Rectangle 36">
+            <a:extLst>
+              <a:ext uri="{FF2B5EF4-FFF2-40B4-BE49-F238E27FC236}">
+                <a16:creationId xmlns:a16="http://schemas.microsoft.com/office/drawing/2014/main" id="{5D5535CD-37BA-45FF-A7B2-6AF63D1145CA}"/>
+              </a:ext>
+            </a:extLst>
+          </p:cNvPr>
+          <p:cNvSpPr/>
+          <p:nvPr/>
+        </p:nvSpPr>
+        <p:spPr>
+          <a:xfrm>
+            <a:off x="3954483" y="6163417"/>
+            <a:ext cx="2707891" cy="232728"/>
+          </a:xfrm>
+          <a:prstGeom prst="rect">
+            <a:avLst/>
+          </a:prstGeom>
+          <a:solidFill>
+            <a:schemeClr val="bg2"/>
+          </a:solidFill>
+          <a:ln>
+            <a:solidFill>
+              <a:schemeClr val="bg2">
+                <a:lumMod val="25000"/>
+              </a:schemeClr>
+            </a:solidFill>
+          </a:ln>
+        </p:spPr>
+        <p:style>
+          <a:lnRef idx="2">
+            <a:schemeClr val="accent1">
+              <a:shade val="50000"/>
+            </a:schemeClr>
+          </a:lnRef>
+          <a:fillRef idx="1">
+            <a:schemeClr val="accent1"/>
+          </a:fillRef>
+          <a:effectRef idx="0">
+            <a:schemeClr val="accent1"/>
+          </a:effectRef>
+          <a:fontRef idx="minor">
+            <a:schemeClr val="lt1"/>
+          </a:fontRef>
+        </p:style>
+        <p:txBody>
+          <a:bodyPr rtlCol="0" anchor="ctr"/>
+          <a:lstStyle/>
+          <a:p>
+            <a:pPr algn="ctr"/>
+            <a:r>
+              <a:rPr lang="en-US" sz="1200" dirty="0">
+                <a:solidFill>
+                  <a:schemeClr val="tx1"/>
+                </a:solidFill>
+              </a:rPr>
+              <a:t>datasets</a:t>
+            </a:r>
+          </a:p>
+        </p:txBody>
+      </p:sp>
+      <p:cxnSp>
+        <p:nvCxnSpPr>
+          <p:cNvPr id="38" name="Connector: Elbow 37">
+            <a:extLst>
+              <a:ext uri="{FF2B5EF4-FFF2-40B4-BE49-F238E27FC236}">
+                <a16:creationId xmlns:a16="http://schemas.microsoft.com/office/drawing/2014/main" id="{CCA489C4-D1BE-499A-97B8-DA04099321BA}"/>
+              </a:ext>
+            </a:extLst>
+          </p:cNvPr>
+          <p:cNvCxnSpPr>
+            <a:cxnSpLocks/>
+            <a:stCxn id="18" idx="3"/>
+            <a:endCxn id="37" idx="1"/>
+          </p:cNvCxnSpPr>
+          <p:nvPr/>
+        </p:nvCxnSpPr>
+        <p:spPr>
+          <a:xfrm>
+            <a:off x="3262704" y="5230497"/>
+            <a:ext cx="691779" cy="1049284"/>
+          </a:xfrm>
+          <a:prstGeom prst="bentConnector3">
+            <a:avLst>
+              <a:gd name="adj1" fmla="val 50000"/>
+            </a:avLst>
+          </a:prstGeom>
+          <a:ln w="12700">
+            <a:solidFill>
+              <a:schemeClr val="bg2">
+                <a:lumMod val="25000"/>
+              </a:schemeClr>
+            </a:solidFill>
+            <a:tailEnd type="triangle"/>
+          </a:ln>
+        </p:spPr>
+        <p:style>
+          <a:lnRef idx="1">
+            <a:schemeClr val="accent1"/>
+          </a:lnRef>
+          <a:fillRef idx="0">
+            <a:schemeClr val="accent1"/>
+          </a:fillRef>
+          <a:effectRef idx="0">
+            <a:schemeClr val="accent1"/>
+          </a:effectRef>
+          <a:fontRef idx="minor">
+            <a:schemeClr val="tx1"/>
+          </a:fontRef>
+        </p:style>
+      </p:cxnSp>
+      <p:sp>
+        <p:nvSpPr>
+          <p:cNvPr id="39" name="Rectangle 38">
+            <a:extLst>
+              <a:ext uri="{FF2B5EF4-FFF2-40B4-BE49-F238E27FC236}">
+                <a16:creationId xmlns:a16="http://schemas.microsoft.com/office/drawing/2014/main" id="{DDE3F249-EBF0-4515-84DB-12BBCF69EFF7}"/>
+              </a:ext>
+            </a:extLst>
+          </p:cNvPr>
+          <p:cNvSpPr/>
+          <p:nvPr/>
+        </p:nvSpPr>
+        <p:spPr>
+          <a:xfrm>
+            <a:off x="3954484" y="3614885"/>
+            <a:ext cx="2683752" cy="232728"/>
+          </a:xfrm>
+          <a:prstGeom prst="rect">
+            <a:avLst/>
+          </a:prstGeom>
+          <a:solidFill>
+            <a:schemeClr val="bg2"/>
+          </a:solidFill>
+          <a:ln>
+            <a:solidFill>
+              <a:schemeClr val="bg2">
+                <a:lumMod val="25000"/>
+              </a:schemeClr>
+            </a:solidFill>
+          </a:ln>
+        </p:spPr>
+        <p:style>
+          <a:lnRef idx="2">
+            <a:schemeClr val="accent1">
+              <a:shade val="50000"/>
+            </a:schemeClr>
+          </a:lnRef>
+          <a:fillRef idx="1">
+            <a:schemeClr val="accent1"/>
+          </a:fillRef>
+          <a:effectRef idx="0">
+            <a:schemeClr val="accent1"/>
+          </a:effectRef>
+          <a:fontRef idx="minor">
+            <a:schemeClr val="lt1"/>
+          </a:fontRef>
+        </p:style>
+        <p:txBody>
+          <a:bodyPr rtlCol="0" anchor="ctr"/>
+          <a:lstStyle/>
+          <a:p>
+            <a:pPr algn="ctr"/>
+            <a:r>
+              <a:rPr lang="en-US" sz="1200" dirty="0">
+                <a:solidFill>
+                  <a:schemeClr val="tx1"/>
+                </a:solidFill>
+              </a:rPr>
+              <a:t>data_characteristics.py</a:t>
+            </a:r>
+          </a:p>
+        </p:txBody>
+      </p:sp>
+      <p:cxnSp>
+        <p:nvCxnSpPr>
+          <p:cNvPr id="40" name="Connector: Elbow 39">
+            <a:extLst>
+              <a:ext uri="{FF2B5EF4-FFF2-40B4-BE49-F238E27FC236}">
+                <a16:creationId xmlns:a16="http://schemas.microsoft.com/office/drawing/2014/main" id="{8A8E5390-03B0-417A-A6CC-69EC342E4763}"/>
+              </a:ext>
+            </a:extLst>
+          </p:cNvPr>
+          <p:cNvCxnSpPr>
+            <a:cxnSpLocks/>
+            <a:stCxn id="17" idx="3"/>
+            <a:endCxn id="39" idx="1"/>
+          </p:cNvCxnSpPr>
+          <p:nvPr/>
+        </p:nvCxnSpPr>
+        <p:spPr>
+          <a:xfrm>
+            <a:off x="3262706" y="2361675"/>
+            <a:ext cx="691778" cy="1369574"/>
+          </a:xfrm>
+          <a:prstGeom prst="bentConnector3">
+            <a:avLst>
+              <a:gd name="adj1" fmla="val 48787"/>
+            </a:avLst>
+          </a:prstGeom>
+          <a:ln w="12700">
+            <a:solidFill>
+              <a:schemeClr val="bg2">
+                <a:lumMod val="25000"/>
+              </a:schemeClr>
+            </a:solidFill>
+            <a:tailEnd type="triangle"/>
+          </a:ln>
+        </p:spPr>
+        <p:style>
+          <a:lnRef idx="1">
+            <a:schemeClr val="accent1"/>
+          </a:lnRef>
+          <a:fillRef idx="0">
+            <a:schemeClr val="accent1"/>
+          </a:fillRef>
+          <a:effectRef idx="0">
+            <a:schemeClr val="accent1"/>
+          </a:effectRef>
+          <a:fontRef idx="minor">
+            <a:schemeClr val="tx1"/>
+          </a:fontRef>
+        </p:style>
+      </p:cxnSp>
+      <p:sp>
+        <p:nvSpPr>
+          <p:cNvPr id="42" name="TextBox 41">
+            <a:extLst>
+              <a:ext uri="{FF2B5EF4-FFF2-40B4-BE49-F238E27FC236}">
+                <a16:creationId xmlns:a16="http://schemas.microsoft.com/office/drawing/2014/main" id="{399B0709-337D-45BA-AFCF-2441EDE66F2E}"/>
+              </a:ext>
+            </a:extLst>
+          </p:cNvPr>
+          <p:cNvSpPr txBox="1"/>
+          <p:nvPr/>
+        </p:nvSpPr>
+        <p:spPr>
+          <a:xfrm>
+            <a:off x="3249997" y="1635119"/>
+            <a:ext cx="1360694" cy="307777"/>
+          </a:xfrm>
+          <a:prstGeom prst="rect">
+            <a:avLst/>
+          </a:prstGeom>
+          <a:noFill/>
+        </p:spPr>
+        <p:txBody>
+          <a:bodyPr wrap="none" rtlCol="0">
+            <a:spAutoFit/>
           </a:bodyPr>
           <a:lstStyle/>
           <a:p>
-            <a:r>
-              <a:rPr lang="en-US" sz="2400" u="sng" dirty="0" err="1"/>
-              <a:t>Artigo</a:t>
-            </a:r>
-            <a:r>
-              <a:rPr lang="en-US" sz="2400" dirty="0"/>
-              <a:t>: </a:t>
-            </a:r>
-            <a:r>
-              <a:rPr lang="en-US" sz="2400" dirty="0" err="1"/>
-              <a:t>igual</a:t>
-            </a:r>
-            <a:r>
-              <a:rPr lang="en-US" sz="2400" dirty="0"/>
-              <a:t> </a:t>
-            </a:r>
-            <a:r>
-              <a:rPr lang="en-US" sz="2400" dirty="0" err="1"/>
-              <a:t>ao</a:t>
-            </a:r>
-            <a:r>
-              <a:rPr lang="en-US" sz="2400" dirty="0"/>
-              <a:t> </a:t>
-            </a:r>
-            <a:r>
-              <a:rPr lang="en-US" sz="2400" dirty="0" err="1"/>
-              <a:t>estado</a:t>
-            </a:r>
-            <a:r>
-              <a:rPr lang="en-US" sz="2400" dirty="0"/>
-              <a:t> </a:t>
-            </a:r>
-            <a:r>
-              <a:rPr lang="en-US" sz="2400" dirty="0" err="1"/>
-              <a:t>em</a:t>
-            </a:r>
-            <a:r>
-              <a:rPr lang="en-US" sz="2400" dirty="0"/>
-              <a:t> que se </a:t>
-            </a:r>
-            <a:r>
-              <a:rPr lang="en-US" sz="2400" dirty="0" err="1"/>
-              <a:t>encontrava</a:t>
-            </a:r>
-            <a:r>
-              <a:rPr lang="en-US" sz="2400" dirty="0"/>
-              <a:t> </a:t>
-            </a:r>
-            <a:r>
-              <a:rPr lang="en-US" sz="2400" dirty="0" err="1"/>
-              <a:t>na</a:t>
-            </a:r>
-            <a:r>
-              <a:rPr lang="en-US" sz="2400" dirty="0"/>
-              <a:t> </a:t>
-            </a:r>
-            <a:r>
-              <a:rPr lang="en-US" sz="2400" dirty="0" err="1"/>
-              <a:t>semana</a:t>
-            </a:r>
-            <a:r>
-              <a:rPr lang="en-US" sz="2400" dirty="0"/>
-              <a:t> </a:t>
-            </a:r>
-            <a:r>
-              <a:rPr lang="en-US" sz="2400" dirty="0" err="1"/>
-              <a:t>passada</a:t>
-            </a:r>
-            <a:r>
-              <a:rPr lang="en-US" sz="2400" dirty="0"/>
-              <a:t>.</a:t>
-            </a:r>
-          </a:p>
-          <a:p>
-            <a:r>
-              <a:rPr lang="en-US" sz="2400" u="sng" dirty="0"/>
-              <a:t>Package</a:t>
-            </a:r>
-            <a:r>
-              <a:rPr lang="en-US" sz="2400" dirty="0"/>
-              <a:t>: </a:t>
-            </a:r>
-            <a:r>
-              <a:rPr lang="en-US" sz="2400" b="1" dirty="0" err="1"/>
-              <a:t>todos</a:t>
-            </a:r>
-            <a:r>
-              <a:rPr lang="en-US" sz="2400" b="1" dirty="0"/>
-              <a:t> </a:t>
-            </a:r>
-            <a:r>
-              <a:rPr lang="en-US" sz="2400" b="1" dirty="0" err="1"/>
-              <a:t>os</a:t>
-            </a:r>
-            <a:r>
-              <a:rPr lang="en-US" sz="2400" b="1" dirty="0"/>
-              <a:t> </a:t>
-            </a:r>
-            <a:r>
-              <a:rPr lang="en-US" sz="2400" b="1" dirty="0" err="1"/>
-              <a:t>métodos</a:t>
-            </a:r>
-            <a:r>
-              <a:rPr lang="en-US" sz="2400" b="1" dirty="0"/>
-              <a:t> OOS </a:t>
-            </a:r>
-            <a:r>
-              <a:rPr lang="en-US" sz="2400" b="1" dirty="0" err="1"/>
-              <a:t>implementados</a:t>
-            </a:r>
-            <a:r>
-              <a:rPr lang="en-US" sz="2400" dirty="0"/>
-              <a:t>, </a:t>
-            </a:r>
-            <a:r>
-              <a:rPr lang="en-US" sz="2400" dirty="0" err="1"/>
-              <a:t>bem</a:t>
-            </a:r>
-            <a:r>
-              <a:rPr lang="en-US" sz="2400" dirty="0"/>
-              <a:t> </a:t>
-            </a:r>
-            <a:r>
-              <a:rPr lang="en-US" sz="2400" dirty="0" err="1"/>
-              <a:t>como</a:t>
-            </a:r>
-            <a:r>
-              <a:rPr lang="en-US" sz="2400" dirty="0"/>
-              <a:t> Markov CV (6/15); </a:t>
-            </a:r>
-            <a:r>
-              <a:rPr lang="en-US" sz="2400" dirty="0" err="1"/>
-              <a:t>todo</a:t>
-            </a:r>
-            <a:r>
-              <a:rPr lang="en-US" sz="2400" dirty="0"/>
-              <a:t> o </a:t>
-            </a:r>
-            <a:r>
-              <a:rPr lang="en-US" sz="2400" dirty="0" err="1"/>
-              <a:t>código</a:t>
-            </a:r>
-            <a:r>
-              <a:rPr lang="en-US" sz="2400" dirty="0"/>
-              <a:t> </a:t>
-            </a:r>
-            <a:r>
-              <a:rPr lang="en-US" sz="2400" dirty="0" err="1"/>
-              <a:t>implementado</a:t>
-            </a:r>
-            <a:r>
-              <a:rPr lang="en-US" sz="2400" dirty="0"/>
-              <a:t> </a:t>
-            </a:r>
-            <a:r>
-              <a:rPr lang="en-US" sz="2400" dirty="0" err="1"/>
-              <a:t>já</a:t>
-            </a:r>
-            <a:r>
-              <a:rPr lang="en-US" sz="2400" dirty="0"/>
-              <a:t> </a:t>
-            </a:r>
-            <a:r>
-              <a:rPr lang="en-US" sz="2400" dirty="0" err="1"/>
-              <a:t>foi</a:t>
-            </a:r>
-            <a:r>
-              <a:rPr lang="en-US" sz="2400" dirty="0"/>
-              <a:t> </a:t>
-            </a:r>
-            <a:r>
-              <a:rPr lang="en-US" sz="2400" dirty="0" err="1"/>
-              <a:t>sujeito</a:t>
-            </a:r>
-            <a:r>
-              <a:rPr lang="en-US" sz="2400" dirty="0"/>
-              <a:t> a </a:t>
-            </a:r>
-            <a:r>
-              <a:rPr lang="en-US" sz="2400" b="1" dirty="0"/>
-              <a:t>testes </a:t>
-            </a:r>
-            <a:r>
-              <a:rPr lang="en-US" sz="2400" b="1" dirty="0" err="1"/>
-              <a:t>unitários</a:t>
-            </a:r>
-            <a:r>
-              <a:rPr lang="en-US" sz="2400" b="1" dirty="0"/>
-              <a:t> </a:t>
-            </a:r>
-            <a:r>
-              <a:rPr lang="en-US" sz="2400" dirty="0"/>
-              <a:t>(e </a:t>
-            </a:r>
-            <a:r>
-              <a:rPr lang="en-US" sz="2400" dirty="0" err="1"/>
-              <a:t>passou</a:t>
-            </a:r>
-            <a:r>
-              <a:rPr lang="en-US" sz="2400" dirty="0"/>
-              <a:t>).</a:t>
-            </a:r>
-          </a:p>
-          <a:p>
-            <a:r>
-              <a:rPr lang="en-US" sz="2400" u="sng" dirty="0" err="1"/>
-              <a:t>Próximos</a:t>
-            </a:r>
-            <a:r>
-              <a:rPr lang="en-US" sz="2400" u="sng" dirty="0"/>
-              <a:t> </a:t>
-            </a:r>
-            <a:r>
-              <a:rPr lang="en-US" sz="2400" u="sng" dirty="0" err="1"/>
-              <a:t>passos</a:t>
-            </a:r>
-            <a:r>
-              <a:rPr lang="en-US" sz="2400" dirty="0"/>
-              <a:t>: </a:t>
-            </a:r>
-          </a:p>
-          <a:p>
-            <a:pPr lvl="1"/>
-            <a:r>
-              <a:rPr lang="en-US" sz="2000" b="1" dirty="0" err="1"/>
-              <a:t>terminar</a:t>
-            </a:r>
-            <a:r>
-              <a:rPr lang="en-US" sz="2000" b="1" dirty="0"/>
-              <a:t> </a:t>
-            </a:r>
-            <a:r>
-              <a:rPr lang="en-US" sz="2000" b="1" dirty="0" err="1"/>
-              <a:t>todo</a:t>
-            </a:r>
-            <a:r>
-              <a:rPr lang="en-US" sz="2000" b="1" dirty="0"/>
-              <a:t> o </a:t>
-            </a:r>
-            <a:r>
-              <a:rPr lang="en-US" sz="2000" b="1" dirty="0" err="1"/>
-              <a:t>código</a:t>
-            </a:r>
-            <a:r>
-              <a:rPr lang="en-US" sz="2000" dirty="0"/>
-              <a:t> da package, </a:t>
-            </a:r>
-            <a:r>
-              <a:rPr lang="en-US" sz="2000" dirty="0" err="1"/>
-              <a:t>incluindo</a:t>
-            </a:r>
-            <a:r>
-              <a:rPr lang="en-US" sz="2000" dirty="0"/>
-              <a:t> </a:t>
-            </a:r>
-            <a:r>
-              <a:rPr lang="en-US" sz="2000" dirty="0" err="1"/>
-              <a:t>métodos</a:t>
-            </a:r>
-            <a:r>
-              <a:rPr lang="en-US" sz="2000" dirty="0"/>
-              <a:t> de </a:t>
-            </a:r>
-            <a:r>
-              <a:rPr lang="en-US" sz="2000" dirty="0" err="1"/>
-              <a:t>validação</a:t>
-            </a:r>
-            <a:r>
-              <a:rPr lang="en-US" sz="2000" dirty="0"/>
-              <a:t> e </a:t>
-            </a:r>
-            <a:r>
-              <a:rPr lang="en-US" sz="2000" dirty="0" err="1"/>
-              <a:t>medidas</a:t>
-            </a:r>
-            <a:r>
-              <a:rPr lang="en-US" sz="2000" dirty="0"/>
-              <a:t> de </a:t>
-            </a:r>
-            <a:r>
-              <a:rPr lang="en-US" sz="2000" dirty="0" err="1"/>
-              <a:t>desempenho</a:t>
-            </a:r>
-            <a:r>
-              <a:rPr lang="en-US" sz="2000" dirty="0"/>
-              <a:t>; </a:t>
-            </a:r>
-          </a:p>
-          <a:p>
-            <a:pPr lvl="1"/>
-            <a:r>
-              <a:rPr lang="en-US" sz="2000" dirty="0" err="1"/>
-              <a:t>fazer</a:t>
-            </a:r>
-            <a:r>
-              <a:rPr lang="en-US" sz="2000" dirty="0"/>
-              <a:t> </a:t>
-            </a:r>
-            <a:r>
-              <a:rPr lang="en-US" sz="2000" b="1" dirty="0" err="1"/>
-              <a:t>experiências</a:t>
-            </a:r>
-            <a:r>
-              <a:rPr lang="en-US" sz="2000" dirty="0"/>
-              <a:t> com dados reais e </a:t>
-            </a:r>
-            <a:r>
-              <a:rPr lang="en-US" sz="2000" dirty="0" err="1"/>
-              <a:t>sintéticos</a:t>
-            </a:r>
-            <a:r>
-              <a:rPr lang="en-US" sz="2000" dirty="0"/>
-              <a:t>; </a:t>
-            </a:r>
-          </a:p>
-          <a:p>
-            <a:pPr lvl="1"/>
-            <a:r>
-              <a:rPr lang="en-US" sz="2000" dirty="0" err="1"/>
-              <a:t>continuar</a:t>
-            </a:r>
-            <a:r>
-              <a:rPr lang="en-US" sz="2000" dirty="0"/>
-              <a:t> a </a:t>
-            </a:r>
-            <a:r>
-              <a:rPr lang="en-US" sz="2000" b="1" dirty="0" err="1"/>
-              <a:t>escrita</a:t>
-            </a:r>
-            <a:r>
-              <a:rPr lang="en-US" sz="2000" b="1" dirty="0"/>
-              <a:t> do </a:t>
-            </a:r>
-            <a:r>
-              <a:rPr lang="en-US" sz="2000" b="1" dirty="0" err="1"/>
-              <a:t>artigo</a:t>
-            </a:r>
-            <a:r>
-              <a:rPr lang="en-US" sz="2000" dirty="0"/>
-              <a:t>; </a:t>
-            </a:r>
-          </a:p>
-          <a:p>
-            <a:pPr lvl="1"/>
-            <a:r>
-              <a:rPr lang="en-US" sz="2000" dirty="0" err="1"/>
-              <a:t>adicionar</a:t>
-            </a:r>
-            <a:r>
-              <a:rPr lang="en-US" sz="2000" dirty="0"/>
-              <a:t> </a:t>
-            </a:r>
-            <a:r>
-              <a:rPr lang="en-US" sz="2000" dirty="0" err="1"/>
-              <a:t>coisas</a:t>
-            </a:r>
-            <a:r>
-              <a:rPr lang="en-US" sz="2000" dirty="0"/>
-              <a:t> à </a:t>
-            </a:r>
-            <a:r>
-              <a:rPr lang="en-US" sz="2000" b="1" dirty="0" err="1"/>
-              <a:t>configuração</a:t>
-            </a:r>
-            <a:r>
-              <a:rPr lang="en-US" sz="2000" b="1" dirty="0"/>
-              <a:t> da package </a:t>
-            </a:r>
-            <a:r>
-              <a:rPr lang="en-US" sz="2000" dirty="0"/>
-              <a:t>(</a:t>
-            </a:r>
-            <a:r>
-              <a:rPr lang="en-US" sz="2000" dirty="0" err="1"/>
-              <a:t>definir</a:t>
-            </a:r>
-            <a:r>
-              <a:rPr lang="en-US" sz="2000" dirty="0"/>
-              <a:t> </a:t>
-            </a:r>
-            <a:r>
-              <a:rPr lang="en-US" sz="2000" dirty="0" err="1"/>
-              <a:t>dependências</a:t>
-            </a:r>
-            <a:r>
-              <a:rPr lang="en-US" sz="2000" dirty="0"/>
-              <a:t> e </a:t>
-            </a:r>
-            <a:r>
-              <a:rPr lang="en-US" sz="2000" dirty="0" err="1"/>
-              <a:t>versão</a:t>
-            </a:r>
-            <a:r>
-              <a:rPr lang="en-US" sz="2000" dirty="0"/>
-              <a:t> </a:t>
-            </a:r>
-            <a:r>
-              <a:rPr lang="en-US" sz="2000" dirty="0" err="1"/>
-              <a:t>dinamicamente</a:t>
-            </a:r>
-            <a:r>
-              <a:rPr lang="en-US" sz="2000" dirty="0"/>
-              <a:t>, etc.); </a:t>
-            </a:r>
-          </a:p>
-          <a:p>
-            <a:pPr lvl="1"/>
-            <a:r>
-              <a:rPr lang="en-US" sz="2000" dirty="0" err="1"/>
-              <a:t>simular</a:t>
-            </a:r>
-            <a:r>
-              <a:rPr lang="en-US" sz="2000" dirty="0"/>
-              <a:t> a </a:t>
-            </a:r>
-            <a:r>
-              <a:rPr lang="en-US" sz="2000" b="1" dirty="0" err="1"/>
-              <a:t>publicação</a:t>
-            </a:r>
-            <a:r>
-              <a:rPr lang="en-US" sz="2000" b="1" dirty="0"/>
-              <a:t> da package </a:t>
-            </a:r>
-            <a:r>
-              <a:rPr lang="en-US" sz="2000" dirty="0"/>
-              <a:t>(</a:t>
-            </a:r>
-            <a:r>
-              <a:rPr lang="en-US" sz="2000" dirty="0" err="1"/>
-              <a:t>repositório</a:t>
-            </a:r>
-            <a:r>
-              <a:rPr lang="en-US" sz="2000" dirty="0"/>
-              <a:t> de teste).</a:t>
-            </a:r>
-            <a:endParaRPr lang="en-US" sz="2000" u="sng" dirty="0"/>
-          </a:p>
-          <a:p>
-            <a:endParaRPr lang="en-US" dirty="0"/>
+            <a:pPr algn="ctr"/>
+            <a:r>
+              <a:rPr lang="en-US" sz="1400" b="1" dirty="0"/>
+              <a:t>Python Package</a:t>
+            </a:r>
+          </a:p>
+        </p:txBody>
+      </p:sp>
+      <p:grpSp>
+        <p:nvGrpSpPr>
+          <p:cNvPr id="54" name="Group 53">
+            <a:extLst>
+              <a:ext uri="{FF2B5EF4-FFF2-40B4-BE49-F238E27FC236}">
+                <a16:creationId xmlns:a16="http://schemas.microsoft.com/office/drawing/2014/main" id="{7084E764-E769-4F32-B18A-57D91CA497AE}"/>
+              </a:ext>
+            </a:extLst>
+          </p:cNvPr>
+          <p:cNvGrpSpPr/>
+          <p:nvPr/>
+        </p:nvGrpSpPr>
+        <p:grpSpPr>
+          <a:xfrm>
+            <a:off x="10136311" y="448403"/>
+            <a:ext cx="1789232" cy="282476"/>
+            <a:chOff x="10441111" y="401764"/>
+            <a:chExt cx="1789232" cy="282476"/>
+          </a:xfrm>
+        </p:grpSpPr>
+        <p:sp>
+          <p:nvSpPr>
+            <p:cNvPr id="9" name="Oval 8">
+              <a:extLst>
+                <a:ext uri="{FF2B5EF4-FFF2-40B4-BE49-F238E27FC236}">
+                  <a16:creationId xmlns:a16="http://schemas.microsoft.com/office/drawing/2014/main" id="{79819708-2D14-47D9-A779-63CCE56E805F}"/>
+                </a:ext>
+              </a:extLst>
+            </p:cNvPr>
+            <p:cNvSpPr/>
+            <p:nvPr/>
+          </p:nvSpPr>
+          <p:spPr>
+            <a:xfrm>
+              <a:off x="10441111" y="427065"/>
+              <a:ext cx="257175" cy="257175"/>
+            </a:xfrm>
+            <a:prstGeom prst="ellipse">
+              <a:avLst/>
+            </a:prstGeom>
+            <a:solidFill>
+              <a:schemeClr val="accent4"/>
+            </a:solidFill>
+            <a:ln>
+              <a:noFill/>
+            </a:ln>
+          </p:spPr>
+          <p:style>
+            <a:lnRef idx="2">
+              <a:schemeClr val="accent1">
+                <a:shade val="50000"/>
+              </a:schemeClr>
+            </a:lnRef>
+            <a:fillRef idx="1">
+              <a:schemeClr val="accent1"/>
+            </a:fillRef>
+            <a:effectRef idx="0">
+              <a:schemeClr val="accent1"/>
+            </a:effectRef>
+            <a:fontRef idx="minor">
+              <a:schemeClr val="lt1"/>
+            </a:fontRef>
+          </p:style>
+          <p:txBody>
+            <a:bodyPr rtlCol="0" anchor="ctr"/>
+            <a:lstStyle/>
+            <a:p>
+              <a:pPr algn="ctr"/>
+              <a:endParaRPr lang="en-US" sz="1200"/>
+            </a:p>
+          </p:txBody>
+        </p:sp>
+        <p:sp>
+          <p:nvSpPr>
+            <p:cNvPr id="49" name="TextBox 48">
+              <a:extLst>
+                <a:ext uri="{FF2B5EF4-FFF2-40B4-BE49-F238E27FC236}">
+                  <a16:creationId xmlns:a16="http://schemas.microsoft.com/office/drawing/2014/main" id="{613FD2CA-5B71-4D88-8AB4-339E4B6CA645}"/>
+                </a:ext>
+              </a:extLst>
+            </p:cNvPr>
+            <p:cNvSpPr txBox="1"/>
+            <p:nvPr/>
+          </p:nvSpPr>
+          <p:spPr>
+            <a:xfrm>
+              <a:off x="10739679" y="401764"/>
+              <a:ext cx="1490664" cy="276999"/>
+            </a:xfrm>
+            <a:prstGeom prst="rect">
+              <a:avLst/>
+            </a:prstGeom>
+            <a:noFill/>
+          </p:spPr>
+          <p:txBody>
+            <a:bodyPr wrap="none" rtlCol="0">
+              <a:spAutoFit/>
+            </a:bodyPr>
+            <a:lstStyle/>
+            <a:p>
+              <a:r>
+                <a:rPr lang="en-US" sz="1200" dirty="0" err="1"/>
+                <a:t>Em</a:t>
+              </a:r>
+              <a:r>
+                <a:rPr lang="en-US" sz="1200" dirty="0"/>
+                <a:t> </a:t>
+              </a:r>
+              <a:r>
+                <a:rPr lang="en-US" sz="1200" dirty="0" err="1"/>
+                <a:t>desenvolvimento</a:t>
+              </a:r>
+              <a:endParaRPr lang="en-US" sz="1200" dirty="0"/>
+            </a:p>
+          </p:txBody>
+        </p:sp>
+      </p:grpSp>
+      <p:grpSp>
+        <p:nvGrpSpPr>
+          <p:cNvPr id="52" name="Group 51">
+            <a:extLst>
+              <a:ext uri="{FF2B5EF4-FFF2-40B4-BE49-F238E27FC236}">
+                <a16:creationId xmlns:a16="http://schemas.microsoft.com/office/drawing/2014/main" id="{886F4328-CABB-43AE-8CC3-89D0D19D7F66}"/>
+              </a:ext>
+            </a:extLst>
+          </p:cNvPr>
+          <p:cNvGrpSpPr/>
+          <p:nvPr/>
+        </p:nvGrpSpPr>
+        <p:grpSpPr>
+          <a:xfrm>
+            <a:off x="10136311" y="1093294"/>
+            <a:ext cx="1144488" cy="282476"/>
+            <a:chOff x="10445873" y="1179019"/>
+            <a:chExt cx="1144488" cy="282476"/>
+          </a:xfrm>
+        </p:grpSpPr>
+        <p:sp>
+          <p:nvSpPr>
+            <p:cNvPr id="45" name="Oval 44">
+              <a:extLst>
+                <a:ext uri="{FF2B5EF4-FFF2-40B4-BE49-F238E27FC236}">
+                  <a16:creationId xmlns:a16="http://schemas.microsoft.com/office/drawing/2014/main" id="{88C9026C-D1DC-4CCD-8366-EA92FD512CA2}"/>
+                </a:ext>
+              </a:extLst>
+            </p:cNvPr>
+            <p:cNvSpPr/>
+            <p:nvPr/>
+          </p:nvSpPr>
+          <p:spPr>
+            <a:xfrm>
+              <a:off x="10445873" y="1204320"/>
+              <a:ext cx="257175" cy="257175"/>
+            </a:xfrm>
+            <a:prstGeom prst="ellipse">
+              <a:avLst/>
+            </a:prstGeom>
+            <a:solidFill>
+              <a:srgbClr val="00682F"/>
+            </a:solidFill>
+            <a:ln>
+              <a:noFill/>
+            </a:ln>
+          </p:spPr>
+          <p:style>
+            <a:lnRef idx="2">
+              <a:schemeClr val="accent1">
+                <a:shade val="50000"/>
+              </a:schemeClr>
+            </a:lnRef>
+            <a:fillRef idx="1">
+              <a:schemeClr val="accent1"/>
+            </a:fillRef>
+            <a:effectRef idx="0">
+              <a:schemeClr val="accent1"/>
+            </a:effectRef>
+            <a:fontRef idx="minor">
+              <a:schemeClr val="lt1"/>
+            </a:fontRef>
+          </p:style>
+          <p:txBody>
+            <a:bodyPr rtlCol="0" anchor="ctr"/>
+            <a:lstStyle/>
+            <a:p>
+              <a:pPr algn="ctr"/>
+              <a:endParaRPr lang="en-US" sz="1200"/>
+            </a:p>
+          </p:txBody>
+        </p:sp>
+        <p:sp>
+          <p:nvSpPr>
+            <p:cNvPr id="50" name="TextBox 49">
+              <a:extLst>
+                <a:ext uri="{FF2B5EF4-FFF2-40B4-BE49-F238E27FC236}">
+                  <a16:creationId xmlns:a16="http://schemas.microsoft.com/office/drawing/2014/main" id="{EE5F2748-91F5-4D3E-AA14-FD5F9FFE6D70}"/>
+                </a:ext>
+              </a:extLst>
+            </p:cNvPr>
+            <p:cNvSpPr txBox="1"/>
+            <p:nvPr/>
+          </p:nvSpPr>
+          <p:spPr>
+            <a:xfrm>
+              <a:off x="10739679" y="1179019"/>
+              <a:ext cx="850682" cy="276999"/>
+            </a:xfrm>
+            <a:prstGeom prst="rect">
+              <a:avLst/>
+            </a:prstGeom>
+            <a:noFill/>
+          </p:spPr>
+          <p:txBody>
+            <a:bodyPr wrap="none" rtlCol="0">
+              <a:spAutoFit/>
+            </a:bodyPr>
+            <a:lstStyle/>
+            <a:p>
+              <a:r>
+                <a:rPr lang="en-US" sz="1200" dirty="0" err="1"/>
+                <a:t>Terminado</a:t>
+              </a:r>
+              <a:endParaRPr lang="en-US" sz="1200" dirty="0"/>
+            </a:p>
+          </p:txBody>
+        </p:sp>
+      </p:grpSp>
+      <p:grpSp>
+        <p:nvGrpSpPr>
+          <p:cNvPr id="53" name="Group 52">
+            <a:extLst>
+              <a:ext uri="{FF2B5EF4-FFF2-40B4-BE49-F238E27FC236}">
+                <a16:creationId xmlns:a16="http://schemas.microsoft.com/office/drawing/2014/main" id="{74EE4141-7B46-409C-95F1-9C5859CD4D88}"/>
+              </a:ext>
+            </a:extLst>
+          </p:cNvPr>
+          <p:cNvGrpSpPr/>
+          <p:nvPr/>
+        </p:nvGrpSpPr>
+        <p:grpSpPr>
+          <a:xfrm>
+            <a:off x="10136311" y="770849"/>
+            <a:ext cx="1568403" cy="282476"/>
+            <a:chOff x="10441111" y="778281"/>
+            <a:chExt cx="1568403" cy="282476"/>
+          </a:xfrm>
+        </p:grpSpPr>
+        <p:sp>
+          <p:nvSpPr>
+            <p:cNvPr id="47" name="Oval 46">
+              <a:extLst>
+                <a:ext uri="{FF2B5EF4-FFF2-40B4-BE49-F238E27FC236}">
+                  <a16:creationId xmlns:a16="http://schemas.microsoft.com/office/drawing/2014/main" id="{8F1628AE-4BE7-414C-9134-62844279AA84}"/>
+                </a:ext>
+              </a:extLst>
+            </p:cNvPr>
+            <p:cNvSpPr/>
+            <p:nvPr/>
+          </p:nvSpPr>
+          <p:spPr>
+            <a:xfrm>
+              <a:off x="10441111" y="803582"/>
+              <a:ext cx="257175" cy="257175"/>
+            </a:xfrm>
+            <a:prstGeom prst="ellipse">
+              <a:avLst/>
+            </a:prstGeom>
+            <a:solidFill>
+              <a:srgbClr val="92D050"/>
+            </a:solidFill>
+            <a:ln>
+              <a:noFill/>
+            </a:ln>
+          </p:spPr>
+          <p:style>
+            <a:lnRef idx="2">
+              <a:schemeClr val="accent1">
+                <a:shade val="50000"/>
+              </a:schemeClr>
+            </a:lnRef>
+            <a:fillRef idx="1">
+              <a:schemeClr val="accent1"/>
+            </a:fillRef>
+            <a:effectRef idx="0">
+              <a:schemeClr val="accent1"/>
+            </a:effectRef>
+            <a:fontRef idx="minor">
+              <a:schemeClr val="lt1"/>
+            </a:fontRef>
+          </p:style>
+          <p:txBody>
+            <a:bodyPr rtlCol="0" anchor="ctr"/>
+            <a:lstStyle/>
+            <a:p>
+              <a:pPr algn="ctr"/>
+              <a:endParaRPr lang="en-US" sz="1200"/>
+            </a:p>
+          </p:txBody>
+        </p:sp>
+        <p:sp>
+          <p:nvSpPr>
+            <p:cNvPr id="51" name="TextBox 50">
+              <a:extLst>
+                <a:ext uri="{FF2B5EF4-FFF2-40B4-BE49-F238E27FC236}">
+                  <a16:creationId xmlns:a16="http://schemas.microsoft.com/office/drawing/2014/main" id="{F7BDC931-6C52-4D26-8081-F915AB3532D6}"/>
+                </a:ext>
+              </a:extLst>
+            </p:cNvPr>
+            <p:cNvSpPr txBox="1"/>
+            <p:nvPr/>
+          </p:nvSpPr>
+          <p:spPr>
+            <a:xfrm>
+              <a:off x="10739679" y="778281"/>
+              <a:ext cx="1269835" cy="276999"/>
+            </a:xfrm>
+            <a:prstGeom prst="rect">
+              <a:avLst/>
+            </a:prstGeom>
+            <a:noFill/>
+          </p:spPr>
+          <p:txBody>
+            <a:bodyPr wrap="none" rtlCol="0">
+              <a:spAutoFit/>
+            </a:bodyPr>
+            <a:lstStyle/>
+            <a:p>
+              <a:r>
+                <a:rPr lang="en-US" sz="1200" dirty="0" err="1"/>
+                <a:t>Quase</a:t>
+              </a:r>
+              <a:r>
+                <a:rPr lang="en-US" sz="1200" dirty="0"/>
+                <a:t> </a:t>
+              </a:r>
+              <a:r>
+                <a:rPr lang="en-US" sz="1200" dirty="0" err="1"/>
+                <a:t>terminado</a:t>
+              </a:r>
+              <a:endParaRPr lang="en-US" sz="1200" dirty="0"/>
+            </a:p>
+          </p:txBody>
+        </p:sp>
+      </p:grpSp>
+      <p:sp>
+        <p:nvSpPr>
+          <p:cNvPr id="58" name="Oval 57">
+            <a:extLst>
+              <a:ext uri="{FF2B5EF4-FFF2-40B4-BE49-F238E27FC236}">
+                <a16:creationId xmlns:a16="http://schemas.microsoft.com/office/drawing/2014/main" id="{5E4DFD15-9EBC-4B2B-AAC7-92BFF4F71E46}"/>
+              </a:ext>
+            </a:extLst>
+          </p:cNvPr>
+          <p:cNvSpPr/>
+          <p:nvPr/>
+        </p:nvSpPr>
+        <p:spPr>
+          <a:xfrm>
+            <a:off x="3364763" y="3710045"/>
+            <a:ext cx="231762" cy="232728"/>
+          </a:xfrm>
+          <a:prstGeom prst="ellipse">
+            <a:avLst/>
+          </a:prstGeom>
+          <a:solidFill>
+            <a:schemeClr val="accent4"/>
+          </a:solidFill>
+          <a:ln>
+            <a:noFill/>
+          </a:ln>
+        </p:spPr>
+        <p:style>
+          <a:lnRef idx="2">
+            <a:schemeClr val="accent1">
+              <a:shade val="50000"/>
+            </a:schemeClr>
+          </a:lnRef>
+          <a:fillRef idx="1">
+            <a:schemeClr val="accent1"/>
+          </a:fillRef>
+          <a:effectRef idx="0">
+            <a:schemeClr val="accent1"/>
+          </a:effectRef>
+          <a:fontRef idx="minor">
+            <a:schemeClr val="lt1"/>
+          </a:fontRef>
+        </p:style>
+        <p:txBody>
+          <a:bodyPr rtlCol="0" anchor="ctr"/>
+          <a:lstStyle/>
+          <a:p>
+            <a:pPr algn="ctr"/>
+            <a:endParaRPr lang="en-US" sz="1200"/>
+          </a:p>
+        </p:txBody>
+      </p:sp>
+      <p:sp>
+        <p:nvSpPr>
+          <p:cNvPr id="60" name="Oval 59">
+            <a:extLst>
+              <a:ext uri="{FF2B5EF4-FFF2-40B4-BE49-F238E27FC236}">
+                <a16:creationId xmlns:a16="http://schemas.microsoft.com/office/drawing/2014/main" id="{F5B2D11B-6E6D-4F4D-9EEE-27DB0671BE1F}"/>
+              </a:ext>
+            </a:extLst>
+          </p:cNvPr>
+          <p:cNvSpPr/>
+          <p:nvPr/>
+        </p:nvSpPr>
+        <p:spPr>
+          <a:xfrm>
+            <a:off x="6746102" y="3623965"/>
+            <a:ext cx="228600" cy="228600"/>
+          </a:xfrm>
+          <a:prstGeom prst="ellipse">
+            <a:avLst/>
+          </a:prstGeom>
+          <a:solidFill>
+            <a:srgbClr val="00682F"/>
+          </a:solidFill>
+          <a:ln>
+            <a:noFill/>
+          </a:ln>
+        </p:spPr>
+        <p:style>
+          <a:lnRef idx="2">
+            <a:schemeClr val="accent1">
+              <a:shade val="50000"/>
+            </a:schemeClr>
+          </a:lnRef>
+          <a:fillRef idx="1">
+            <a:schemeClr val="accent1"/>
+          </a:fillRef>
+          <a:effectRef idx="0">
+            <a:schemeClr val="accent1"/>
+          </a:effectRef>
+          <a:fontRef idx="minor">
+            <a:schemeClr val="lt1"/>
+          </a:fontRef>
+        </p:style>
+        <p:txBody>
+          <a:bodyPr rtlCol="0" anchor="ctr"/>
+          <a:lstStyle/>
+          <a:p>
+            <a:pPr algn="ctr"/>
+            <a:endParaRPr lang="en-US" sz="1200"/>
+          </a:p>
+        </p:txBody>
+      </p:sp>
+      <p:sp>
+        <p:nvSpPr>
+          <p:cNvPr id="61" name="Oval 60">
+            <a:extLst>
+              <a:ext uri="{FF2B5EF4-FFF2-40B4-BE49-F238E27FC236}">
+                <a16:creationId xmlns:a16="http://schemas.microsoft.com/office/drawing/2014/main" id="{6CCCD25C-AE4A-4F9D-858F-CA432A0B1C34}"/>
+              </a:ext>
+            </a:extLst>
+          </p:cNvPr>
+          <p:cNvSpPr/>
+          <p:nvPr/>
+        </p:nvSpPr>
+        <p:spPr>
+          <a:xfrm>
+            <a:off x="6746102" y="3295100"/>
+            <a:ext cx="228600" cy="228600"/>
+          </a:xfrm>
+          <a:prstGeom prst="ellipse">
+            <a:avLst/>
+          </a:prstGeom>
+          <a:solidFill>
+            <a:srgbClr val="00682F"/>
+          </a:solidFill>
+          <a:ln>
+            <a:noFill/>
+          </a:ln>
+        </p:spPr>
+        <p:style>
+          <a:lnRef idx="2">
+            <a:schemeClr val="accent1">
+              <a:shade val="50000"/>
+            </a:schemeClr>
+          </a:lnRef>
+          <a:fillRef idx="1">
+            <a:schemeClr val="accent1"/>
+          </a:fillRef>
+          <a:effectRef idx="0">
+            <a:schemeClr val="accent1"/>
+          </a:effectRef>
+          <a:fontRef idx="minor">
+            <a:schemeClr val="lt1"/>
+          </a:fontRef>
+        </p:style>
+        <p:txBody>
+          <a:bodyPr rtlCol="0" anchor="ctr"/>
+          <a:lstStyle/>
+          <a:p>
+            <a:pPr algn="ctr"/>
+            <a:endParaRPr lang="en-US" sz="1200"/>
+          </a:p>
+        </p:txBody>
+      </p:sp>
+      <p:sp>
+        <p:nvSpPr>
+          <p:cNvPr id="65" name="Oval 64">
+            <a:extLst>
+              <a:ext uri="{FF2B5EF4-FFF2-40B4-BE49-F238E27FC236}">
+                <a16:creationId xmlns:a16="http://schemas.microsoft.com/office/drawing/2014/main" id="{DBF2A0A7-5DDF-4861-97EA-7F21C95CF7D8}"/>
+              </a:ext>
+            </a:extLst>
+          </p:cNvPr>
+          <p:cNvSpPr/>
+          <p:nvPr/>
+        </p:nvSpPr>
+        <p:spPr>
+          <a:xfrm>
+            <a:off x="3364763" y="4062261"/>
+            <a:ext cx="228600" cy="237744"/>
+          </a:xfrm>
+          <a:prstGeom prst="ellipse">
+            <a:avLst/>
+          </a:prstGeom>
+          <a:solidFill>
+            <a:srgbClr val="92D050"/>
+          </a:solidFill>
+          <a:ln>
+            <a:noFill/>
+          </a:ln>
+        </p:spPr>
+        <p:style>
+          <a:lnRef idx="2">
+            <a:schemeClr val="accent1">
+              <a:shade val="50000"/>
+            </a:schemeClr>
+          </a:lnRef>
+          <a:fillRef idx="1">
+            <a:schemeClr val="accent1"/>
+          </a:fillRef>
+          <a:effectRef idx="0">
+            <a:schemeClr val="accent1"/>
+          </a:effectRef>
+          <a:fontRef idx="minor">
+            <a:schemeClr val="lt1"/>
+          </a:fontRef>
+        </p:style>
+        <p:txBody>
+          <a:bodyPr rtlCol="0" anchor="ctr"/>
+          <a:lstStyle/>
+          <a:p>
+            <a:pPr algn="ctr"/>
+            <a:endParaRPr lang="en-US" sz="1200"/>
+          </a:p>
+        </p:txBody>
+      </p:sp>
+      <p:sp>
+        <p:nvSpPr>
+          <p:cNvPr id="66" name="Oval 65">
+            <a:extLst>
+              <a:ext uri="{FF2B5EF4-FFF2-40B4-BE49-F238E27FC236}">
+                <a16:creationId xmlns:a16="http://schemas.microsoft.com/office/drawing/2014/main" id="{DF0B726D-8E9E-4EBF-9D91-E9653D7BC818}"/>
+              </a:ext>
+            </a:extLst>
+          </p:cNvPr>
+          <p:cNvSpPr/>
+          <p:nvPr/>
+        </p:nvSpPr>
+        <p:spPr>
+          <a:xfrm>
+            <a:off x="3367643" y="4768755"/>
+            <a:ext cx="228600" cy="228600"/>
+          </a:xfrm>
+          <a:prstGeom prst="ellipse">
+            <a:avLst/>
+          </a:prstGeom>
+          <a:solidFill>
+            <a:srgbClr val="00682F"/>
+          </a:solidFill>
+          <a:ln>
+            <a:noFill/>
+          </a:ln>
+        </p:spPr>
+        <p:style>
+          <a:lnRef idx="2">
+            <a:schemeClr val="accent1">
+              <a:shade val="50000"/>
+            </a:schemeClr>
+          </a:lnRef>
+          <a:fillRef idx="1">
+            <a:schemeClr val="accent1"/>
+          </a:fillRef>
+          <a:effectRef idx="0">
+            <a:schemeClr val="accent1"/>
+          </a:effectRef>
+          <a:fontRef idx="minor">
+            <a:schemeClr val="lt1"/>
+          </a:fontRef>
+        </p:style>
+        <p:txBody>
+          <a:bodyPr rtlCol="0" anchor="ctr"/>
+          <a:lstStyle/>
+          <a:p>
+            <a:pPr algn="ctr"/>
+            <a:endParaRPr lang="en-US" sz="1200"/>
+          </a:p>
+        </p:txBody>
+      </p:sp>
+      <p:sp>
+        <p:nvSpPr>
+          <p:cNvPr id="67" name="Rectangle 66">
+            <a:extLst>
+              <a:ext uri="{FF2B5EF4-FFF2-40B4-BE49-F238E27FC236}">
+                <a16:creationId xmlns:a16="http://schemas.microsoft.com/office/drawing/2014/main" id="{A51A0AFD-2515-4D79-AD8D-93CDC2BAB749}"/>
+              </a:ext>
+            </a:extLst>
+          </p:cNvPr>
+          <p:cNvSpPr/>
+          <p:nvPr/>
+        </p:nvSpPr>
+        <p:spPr>
+          <a:xfrm>
+            <a:off x="7548887" y="5327348"/>
+            <a:ext cx="2707891" cy="232728"/>
+          </a:xfrm>
+          <a:prstGeom prst="rect">
+            <a:avLst/>
+          </a:prstGeom>
+          <a:solidFill>
+            <a:schemeClr val="bg2"/>
+          </a:solidFill>
+          <a:ln>
+            <a:solidFill>
+              <a:schemeClr val="bg2">
+                <a:lumMod val="25000"/>
+              </a:schemeClr>
+            </a:solidFill>
+          </a:ln>
+        </p:spPr>
+        <p:style>
+          <a:lnRef idx="2">
+            <a:schemeClr val="accent1">
+              <a:shade val="50000"/>
+            </a:schemeClr>
+          </a:lnRef>
+          <a:fillRef idx="1">
+            <a:schemeClr val="accent1"/>
+          </a:fillRef>
+          <a:effectRef idx="0">
+            <a:schemeClr val="accent1"/>
+          </a:effectRef>
+          <a:fontRef idx="minor">
+            <a:schemeClr val="lt1"/>
+          </a:fontRef>
+        </p:style>
+        <p:txBody>
+          <a:bodyPr rtlCol="0" anchor="ctr"/>
+          <a:lstStyle/>
+          <a:p>
+            <a:pPr algn="ctr"/>
+            <a:r>
+              <a:rPr lang="en-US" sz="1200" dirty="0">
+                <a:solidFill>
+                  <a:schemeClr val="tx1"/>
+                </a:solidFill>
+              </a:rPr>
+              <a:t>OOS.py</a:t>
+            </a:r>
+          </a:p>
+        </p:txBody>
+      </p:sp>
+      <p:sp>
+        <p:nvSpPr>
+          <p:cNvPr id="70" name="Rectangle 69">
+            <a:extLst>
+              <a:ext uri="{FF2B5EF4-FFF2-40B4-BE49-F238E27FC236}">
+                <a16:creationId xmlns:a16="http://schemas.microsoft.com/office/drawing/2014/main" id="{43868DF1-F766-4330-8982-8860A577E90F}"/>
+              </a:ext>
+            </a:extLst>
+          </p:cNvPr>
+          <p:cNvSpPr/>
+          <p:nvPr/>
+        </p:nvSpPr>
+        <p:spPr>
+          <a:xfrm>
+            <a:off x="7573027" y="5677613"/>
+            <a:ext cx="2683752" cy="232728"/>
+          </a:xfrm>
+          <a:prstGeom prst="rect">
+            <a:avLst/>
+          </a:prstGeom>
+          <a:solidFill>
+            <a:schemeClr val="bg2"/>
+          </a:solidFill>
+          <a:ln>
+            <a:solidFill>
+              <a:schemeClr val="bg2">
+                <a:lumMod val="25000"/>
+              </a:schemeClr>
+            </a:solidFill>
+          </a:ln>
+        </p:spPr>
+        <p:style>
+          <a:lnRef idx="2">
+            <a:schemeClr val="accent1">
+              <a:shade val="50000"/>
+            </a:schemeClr>
+          </a:lnRef>
+          <a:fillRef idx="1">
+            <a:schemeClr val="accent1"/>
+          </a:fillRef>
+          <a:effectRef idx="0">
+            <a:schemeClr val="accent1"/>
+          </a:effectRef>
+          <a:fontRef idx="minor">
+            <a:schemeClr val="lt1"/>
+          </a:fontRef>
+        </p:style>
+        <p:txBody>
+          <a:bodyPr rtlCol="0" anchor="ctr"/>
+          <a:lstStyle/>
+          <a:p>
+            <a:pPr algn="ctr"/>
+            <a:r>
+              <a:rPr lang="en-US" sz="1200" dirty="0">
+                <a:solidFill>
+                  <a:schemeClr val="tx1"/>
+                </a:solidFill>
+              </a:rPr>
+              <a:t>Prequential.py</a:t>
+            </a:r>
+          </a:p>
+        </p:txBody>
+      </p:sp>
+      <p:sp>
+        <p:nvSpPr>
+          <p:cNvPr id="71" name="Rectangle 70">
+            <a:extLst>
+              <a:ext uri="{FF2B5EF4-FFF2-40B4-BE49-F238E27FC236}">
+                <a16:creationId xmlns:a16="http://schemas.microsoft.com/office/drawing/2014/main" id="{31761C76-7AEA-4E84-BE37-3140F80F6471}"/>
+              </a:ext>
+            </a:extLst>
+          </p:cNvPr>
+          <p:cNvSpPr/>
+          <p:nvPr/>
+        </p:nvSpPr>
+        <p:spPr>
+          <a:xfrm>
+            <a:off x="7573027" y="5997910"/>
+            <a:ext cx="2683752" cy="232728"/>
+          </a:xfrm>
+          <a:prstGeom prst="rect">
+            <a:avLst/>
+          </a:prstGeom>
+          <a:solidFill>
+            <a:schemeClr val="bg2"/>
+          </a:solidFill>
+          <a:ln>
+            <a:solidFill>
+              <a:schemeClr val="bg2">
+                <a:lumMod val="25000"/>
+              </a:schemeClr>
+            </a:solidFill>
+          </a:ln>
+        </p:spPr>
+        <p:style>
+          <a:lnRef idx="2">
+            <a:schemeClr val="accent1">
+              <a:shade val="50000"/>
+            </a:schemeClr>
+          </a:lnRef>
+          <a:fillRef idx="1">
+            <a:schemeClr val="accent1"/>
+          </a:fillRef>
+          <a:effectRef idx="0">
+            <a:schemeClr val="accent1"/>
+          </a:effectRef>
+          <a:fontRef idx="minor">
+            <a:schemeClr val="lt1"/>
+          </a:fontRef>
+        </p:style>
+        <p:txBody>
+          <a:bodyPr rtlCol="0" anchor="ctr"/>
+          <a:lstStyle/>
+          <a:p>
+            <a:pPr algn="ctr"/>
+            <a:r>
+              <a:rPr lang="en-US" sz="1200" dirty="0">
+                <a:solidFill>
+                  <a:schemeClr val="tx1"/>
+                </a:solidFill>
+              </a:rPr>
+              <a:t>CV.py</a:t>
+            </a:r>
+          </a:p>
+        </p:txBody>
+      </p:sp>
+      <p:sp>
+        <p:nvSpPr>
+          <p:cNvPr id="72" name="Rectangle 71">
+            <a:extLst>
+              <a:ext uri="{FF2B5EF4-FFF2-40B4-BE49-F238E27FC236}">
+                <a16:creationId xmlns:a16="http://schemas.microsoft.com/office/drawing/2014/main" id="{11493400-8760-4313-A379-A582B63B47CF}"/>
+              </a:ext>
+            </a:extLst>
+          </p:cNvPr>
+          <p:cNvSpPr/>
+          <p:nvPr/>
+        </p:nvSpPr>
+        <p:spPr>
+          <a:xfrm>
+            <a:off x="7548887" y="4292788"/>
+            <a:ext cx="2683752" cy="232728"/>
+          </a:xfrm>
+          <a:prstGeom prst="rect">
+            <a:avLst/>
+          </a:prstGeom>
+          <a:solidFill>
+            <a:schemeClr val="bg2"/>
+          </a:solidFill>
+          <a:ln>
+            <a:solidFill>
+              <a:schemeClr val="bg2">
+                <a:lumMod val="25000"/>
+              </a:schemeClr>
+            </a:solidFill>
+          </a:ln>
+        </p:spPr>
+        <p:style>
+          <a:lnRef idx="2">
+            <a:schemeClr val="accent1">
+              <a:shade val="50000"/>
+            </a:schemeClr>
+          </a:lnRef>
+          <a:fillRef idx="1">
+            <a:schemeClr val="accent1"/>
+          </a:fillRef>
+          <a:effectRef idx="0">
+            <a:schemeClr val="accent1"/>
+          </a:effectRef>
+          <a:fontRef idx="minor">
+            <a:schemeClr val="lt1"/>
+          </a:fontRef>
+        </p:style>
+        <p:txBody>
+          <a:bodyPr rtlCol="0" anchor="ctr"/>
+          <a:lstStyle/>
+          <a:p>
+            <a:pPr algn="ctr"/>
+            <a:r>
+              <a:rPr lang="en-US" sz="1200" dirty="0">
+                <a:solidFill>
+                  <a:schemeClr val="tx1"/>
+                </a:solidFill>
+              </a:rPr>
+              <a:t>_base.py</a:t>
+            </a:r>
+          </a:p>
+        </p:txBody>
+      </p:sp>
+      <p:sp>
+        <p:nvSpPr>
+          <p:cNvPr id="73" name="Rectangle 72">
+            <a:extLst>
+              <a:ext uri="{FF2B5EF4-FFF2-40B4-BE49-F238E27FC236}">
+                <a16:creationId xmlns:a16="http://schemas.microsoft.com/office/drawing/2014/main" id="{99E81A66-88D3-4416-8D82-ACD5727A71B2}"/>
+              </a:ext>
+            </a:extLst>
+          </p:cNvPr>
+          <p:cNvSpPr/>
+          <p:nvPr/>
+        </p:nvSpPr>
+        <p:spPr>
+          <a:xfrm>
+            <a:off x="7609933" y="2438733"/>
+            <a:ext cx="2707891" cy="232728"/>
+          </a:xfrm>
+          <a:prstGeom prst="rect">
+            <a:avLst/>
+          </a:prstGeom>
+          <a:solidFill>
+            <a:schemeClr val="bg2"/>
+          </a:solidFill>
+          <a:ln>
+            <a:solidFill>
+              <a:schemeClr val="bg2">
+                <a:lumMod val="25000"/>
+              </a:schemeClr>
+            </a:solidFill>
+          </a:ln>
+        </p:spPr>
+        <p:style>
+          <a:lnRef idx="2">
+            <a:schemeClr val="accent1">
+              <a:shade val="50000"/>
+            </a:schemeClr>
+          </a:lnRef>
+          <a:fillRef idx="1">
+            <a:schemeClr val="accent1"/>
+          </a:fillRef>
+          <a:effectRef idx="0">
+            <a:schemeClr val="accent1"/>
+          </a:effectRef>
+          <a:fontRef idx="minor">
+            <a:schemeClr val="lt1"/>
+          </a:fontRef>
+        </p:style>
+        <p:txBody>
+          <a:bodyPr rtlCol="0" anchor="ctr"/>
+          <a:lstStyle/>
+          <a:p>
+            <a:pPr algn="ctr"/>
+            <a:r>
+              <a:rPr lang="en-US" sz="1200" dirty="0">
+                <a:solidFill>
+                  <a:schemeClr val="tx1"/>
+                </a:solidFill>
+              </a:rPr>
+              <a:t>Time_series_function.py</a:t>
+            </a:r>
+          </a:p>
+        </p:txBody>
+      </p:sp>
+      <p:sp>
+        <p:nvSpPr>
+          <p:cNvPr id="74" name="Rectangle 73">
+            <a:extLst>
+              <a:ext uri="{FF2B5EF4-FFF2-40B4-BE49-F238E27FC236}">
+                <a16:creationId xmlns:a16="http://schemas.microsoft.com/office/drawing/2014/main" id="{CCAE65ED-AD59-4601-BE49-9CD1C4D9639C}"/>
+              </a:ext>
+            </a:extLst>
+          </p:cNvPr>
+          <p:cNvSpPr/>
+          <p:nvPr/>
+        </p:nvSpPr>
+        <p:spPr>
+          <a:xfrm>
+            <a:off x="7609933" y="2788239"/>
+            <a:ext cx="2707891" cy="232728"/>
+          </a:xfrm>
+          <a:prstGeom prst="rect">
+            <a:avLst/>
+          </a:prstGeom>
+          <a:solidFill>
+            <a:schemeClr val="bg2"/>
+          </a:solidFill>
+          <a:ln>
+            <a:solidFill>
+              <a:schemeClr val="bg2">
+                <a:lumMod val="25000"/>
+              </a:schemeClr>
+            </a:solidFill>
+          </a:ln>
+        </p:spPr>
+        <p:style>
+          <a:lnRef idx="2">
+            <a:schemeClr val="accent1">
+              <a:shade val="50000"/>
+            </a:schemeClr>
+          </a:lnRef>
+          <a:fillRef idx="1">
+            <a:schemeClr val="accent1"/>
+          </a:fillRef>
+          <a:effectRef idx="0">
+            <a:schemeClr val="accent1"/>
+          </a:effectRef>
+          <a:fontRef idx="minor">
+            <a:schemeClr val="lt1"/>
+          </a:fontRef>
+        </p:style>
+        <p:txBody>
+          <a:bodyPr rtlCol="0" anchor="ctr"/>
+          <a:lstStyle/>
+          <a:p>
+            <a:pPr algn="ctr"/>
+            <a:r>
+              <a:rPr lang="en-US" sz="1200" dirty="0">
+                <a:solidFill>
+                  <a:schemeClr val="tx1"/>
+                </a:solidFill>
+              </a:rPr>
+              <a:t>Frequency_modulation.py</a:t>
+            </a:r>
+          </a:p>
+        </p:txBody>
+      </p:sp>
+      <p:sp>
+        <p:nvSpPr>
+          <p:cNvPr id="75" name="Rectangle 74">
+            <a:extLst>
+              <a:ext uri="{FF2B5EF4-FFF2-40B4-BE49-F238E27FC236}">
+                <a16:creationId xmlns:a16="http://schemas.microsoft.com/office/drawing/2014/main" id="{59676170-B69D-44F6-AF4F-7029A3C52A01}"/>
+              </a:ext>
+            </a:extLst>
+          </p:cNvPr>
+          <p:cNvSpPr/>
+          <p:nvPr/>
+        </p:nvSpPr>
+        <p:spPr>
+          <a:xfrm>
+            <a:off x="7609933" y="3137745"/>
+            <a:ext cx="2707891" cy="232728"/>
+          </a:xfrm>
+          <a:prstGeom prst="rect">
+            <a:avLst/>
+          </a:prstGeom>
+          <a:solidFill>
+            <a:schemeClr val="bg2"/>
+          </a:solidFill>
+          <a:ln>
+            <a:solidFill>
+              <a:schemeClr val="bg2">
+                <a:lumMod val="25000"/>
+              </a:schemeClr>
+            </a:solidFill>
+          </a:ln>
+        </p:spPr>
+        <p:style>
+          <a:lnRef idx="2">
+            <a:schemeClr val="accent1">
+              <a:shade val="50000"/>
+            </a:schemeClr>
+          </a:lnRef>
+          <a:fillRef idx="1">
+            <a:schemeClr val="accent1"/>
+          </a:fillRef>
+          <a:effectRef idx="0">
+            <a:schemeClr val="accent1"/>
+          </a:effectRef>
+          <a:fontRef idx="minor">
+            <a:schemeClr val="lt1"/>
+          </a:fontRef>
+        </p:style>
+        <p:txBody>
+          <a:bodyPr rtlCol="0" anchor="ctr"/>
+          <a:lstStyle/>
+          <a:p>
+            <a:pPr algn="ctr"/>
+            <a:r>
+              <a:rPr lang="en-US" sz="1200" dirty="0">
+                <a:solidFill>
+                  <a:schemeClr val="tx1"/>
+                </a:solidFill>
+              </a:rPr>
+              <a:t>utils.py</a:t>
+            </a:r>
+          </a:p>
+        </p:txBody>
+      </p:sp>
+      <p:sp>
+        <p:nvSpPr>
+          <p:cNvPr id="78" name="Rectangle 77">
+            <a:extLst>
+              <a:ext uri="{FF2B5EF4-FFF2-40B4-BE49-F238E27FC236}">
+                <a16:creationId xmlns:a16="http://schemas.microsoft.com/office/drawing/2014/main" id="{934686B4-9E68-41C3-A5F8-8BBE769863A5}"/>
+              </a:ext>
+            </a:extLst>
+          </p:cNvPr>
+          <p:cNvSpPr/>
+          <p:nvPr/>
+        </p:nvSpPr>
+        <p:spPr>
+          <a:xfrm>
+            <a:off x="7609933" y="2103185"/>
+            <a:ext cx="2683752" cy="232728"/>
+          </a:xfrm>
+          <a:prstGeom prst="rect">
+            <a:avLst/>
+          </a:prstGeom>
+          <a:solidFill>
+            <a:schemeClr val="bg2"/>
+          </a:solidFill>
+          <a:ln>
+            <a:solidFill>
+              <a:schemeClr val="bg2">
+                <a:lumMod val="25000"/>
+              </a:schemeClr>
+            </a:solidFill>
+          </a:ln>
+        </p:spPr>
+        <p:style>
+          <a:lnRef idx="2">
+            <a:schemeClr val="accent1">
+              <a:shade val="50000"/>
+            </a:schemeClr>
+          </a:lnRef>
+          <a:fillRef idx="1">
+            <a:schemeClr val="accent1"/>
+          </a:fillRef>
+          <a:effectRef idx="0">
+            <a:schemeClr val="accent1"/>
+          </a:effectRef>
+          <a:fontRef idx="minor">
+            <a:schemeClr val="lt1"/>
+          </a:fontRef>
+        </p:style>
+        <p:txBody>
+          <a:bodyPr rtlCol="0" anchor="ctr"/>
+          <a:lstStyle/>
+          <a:p>
+            <a:pPr algn="ctr"/>
+            <a:r>
+              <a:rPr lang="en-US" sz="1200" dirty="0">
+                <a:solidFill>
+                  <a:schemeClr val="tx1"/>
+                </a:solidFill>
+              </a:rPr>
+              <a:t>Time_series_generation.py</a:t>
+            </a:r>
+          </a:p>
+        </p:txBody>
+      </p:sp>
+      <p:cxnSp>
+        <p:nvCxnSpPr>
+          <p:cNvPr id="87" name="Connector: Elbow 86">
+            <a:extLst>
+              <a:ext uri="{FF2B5EF4-FFF2-40B4-BE49-F238E27FC236}">
+                <a16:creationId xmlns:a16="http://schemas.microsoft.com/office/drawing/2014/main" id="{4DAE6D54-1444-4615-B689-BCFAAED36BD1}"/>
+              </a:ext>
+            </a:extLst>
+          </p:cNvPr>
+          <p:cNvCxnSpPr>
+            <a:cxnSpLocks/>
+            <a:stCxn id="10" idx="3"/>
+            <a:endCxn id="6" idx="1"/>
+          </p:cNvCxnSpPr>
+          <p:nvPr/>
+        </p:nvCxnSpPr>
+        <p:spPr>
+          <a:xfrm>
+            <a:off x="6638235" y="2361675"/>
+            <a:ext cx="837868" cy="359594"/>
+          </a:xfrm>
+          <a:prstGeom prst="bentConnector3">
+            <a:avLst>
+              <a:gd name="adj1" fmla="val 50000"/>
+            </a:avLst>
+          </a:prstGeom>
+          <a:ln w="12700">
+            <a:solidFill>
+              <a:schemeClr val="bg2">
+                <a:lumMod val="25000"/>
+              </a:schemeClr>
+            </a:solidFill>
+            <a:tailEnd type="triangle"/>
+          </a:ln>
+        </p:spPr>
+        <p:style>
+          <a:lnRef idx="1">
+            <a:schemeClr val="accent1"/>
+          </a:lnRef>
+          <a:fillRef idx="0">
+            <a:schemeClr val="accent1"/>
+          </a:fillRef>
+          <a:effectRef idx="0">
+            <a:schemeClr val="accent1"/>
+          </a:effectRef>
+          <a:fontRef idx="minor">
+            <a:schemeClr val="tx1"/>
+          </a:fontRef>
+        </p:style>
+      </p:cxnSp>
+      <p:sp>
+        <p:nvSpPr>
+          <p:cNvPr id="6" name="Left Brace 5">
+            <a:extLst>
+              <a:ext uri="{FF2B5EF4-FFF2-40B4-BE49-F238E27FC236}">
+                <a16:creationId xmlns:a16="http://schemas.microsoft.com/office/drawing/2014/main" id="{EE959C65-BF51-4814-A414-083B7EB5990F}"/>
+              </a:ext>
+            </a:extLst>
+          </p:cNvPr>
+          <p:cNvSpPr/>
+          <p:nvPr/>
+        </p:nvSpPr>
+        <p:spPr>
+          <a:xfrm>
+            <a:off x="7476103" y="2029461"/>
+            <a:ext cx="133829" cy="1383616"/>
+          </a:xfrm>
+          <a:prstGeom prst="leftBrace">
+            <a:avLst/>
+          </a:prstGeom>
+          <a:ln w="12700">
+            <a:solidFill>
+              <a:schemeClr val="tx1"/>
+            </a:solidFill>
+          </a:ln>
+        </p:spPr>
+        <p:style>
+          <a:lnRef idx="1">
+            <a:schemeClr val="accent1"/>
+          </a:lnRef>
+          <a:fillRef idx="0">
+            <a:schemeClr val="accent1"/>
+          </a:fillRef>
+          <a:effectRef idx="0">
+            <a:schemeClr val="accent1"/>
+          </a:effectRef>
+          <a:fontRef idx="minor">
+            <a:schemeClr val="tx1"/>
+          </a:fontRef>
+        </p:style>
+        <p:txBody>
+          <a:bodyPr rtlCol="0" anchor="ctr"/>
+          <a:lstStyle/>
+          <a:p>
+            <a:pPr algn="ctr"/>
+            <a:endParaRPr lang="en-US"/>
+          </a:p>
+        </p:txBody>
+      </p:sp>
+      <p:cxnSp>
+        <p:nvCxnSpPr>
+          <p:cNvPr id="88" name="Connector: Elbow 87">
+            <a:extLst>
+              <a:ext uri="{FF2B5EF4-FFF2-40B4-BE49-F238E27FC236}">
+                <a16:creationId xmlns:a16="http://schemas.microsoft.com/office/drawing/2014/main" id="{7B2067E8-207A-4CAF-9869-8ABE20BF7812}"/>
+              </a:ext>
+            </a:extLst>
+          </p:cNvPr>
+          <p:cNvCxnSpPr>
+            <a:cxnSpLocks/>
+            <a:stCxn id="11" idx="3"/>
+            <a:endCxn id="89" idx="1"/>
+          </p:cNvCxnSpPr>
+          <p:nvPr/>
+        </p:nvCxnSpPr>
+        <p:spPr>
+          <a:xfrm>
+            <a:off x="6638235" y="2711181"/>
+            <a:ext cx="740707" cy="2560800"/>
+          </a:xfrm>
+          <a:prstGeom prst="bentConnector3">
+            <a:avLst>
+              <a:gd name="adj1" fmla="val 50000"/>
+            </a:avLst>
+          </a:prstGeom>
+          <a:ln w="12700">
+            <a:solidFill>
+              <a:schemeClr val="bg2">
+                <a:lumMod val="25000"/>
+              </a:schemeClr>
+            </a:solidFill>
+            <a:tailEnd type="triangle"/>
+          </a:ln>
+        </p:spPr>
+        <p:style>
+          <a:lnRef idx="1">
+            <a:schemeClr val="accent1"/>
+          </a:lnRef>
+          <a:fillRef idx="0">
+            <a:schemeClr val="accent1"/>
+          </a:fillRef>
+          <a:effectRef idx="0">
+            <a:schemeClr val="accent1"/>
+          </a:effectRef>
+          <a:fontRef idx="minor">
+            <a:schemeClr val="tx1"/>
+          </a:fontRef>
+        </p:style>
+      </p:cxnSp>
+      <p:sp>
+        <p:nvSpPr>
+          <p:cNvPr id="89" name="Left Brace 88">
+            <a:extLst>
+              <a:ext uri="{FF2B5EF4-FFF2-40B4-BE49-F238E27FC236}">
+                <a16:creationId xmlns:a16="http://schemas.microsoft.com/office/drawing/2014/main" id="{CFE2D12B-D276-47F9-8F4A-0AAFFEBAF5F2}"/>
+              </a:ext>
+            </a:extLst>
+          </p:cNvPr>
+          <p:cNvSpPr/>
+          <p:nvPr/>
+        </p:nvSpPr>
+        <p:spPr>
+          <a:xfrm>
+            <a:off x="7378942" y="4264180"/>
+            <a:ext cx="97162" cy="2015601"/>
+          </a:xfrm>
+          <a:prstGeom prst="leftBrace">
+            <a:avLst/>
+          </a:prstGeom>
+          <a:ln w="12700">
+            <a:solidFill>
+              <a:schemeClr val="tx1"/>
+            </a:solidFill>
+          </a:ln>
+        </p:spPr>
+        <p:style>
+          <a:lnRef idx="1">
+            <a:schemeClr val="accent1"/>
+          </a:lnRef>
+          <a:fillRef idx="0">
+            <a:schemeClr val="accent1"/>
+          </a:fillRef>
+          <a:effectRef idx="0">
+            <a:schemeClr val="accent1"/>
+          </a:effectRef>
+          <a:fontRef idx="minor">
+            <a:schemeClr val="tx1"/>
+          </a:fontRef>
+        </p:style>
+        <p:txBody>
+          <a:bodyPr rtlCol="0" anchor="ctr"/>
+          <a:lstStyle/>
+          <a:p>
+            <a:pPr algn="ctr"/>
+            <a:endParaRPr lang="en-US"/>
+          </a:p>
+        </p:txBody>
+      </p:sp>
+      <p:sp>
+        <p:nvSpPr>
+          <p:cNvPr id="95" name="Oval 94">
+            <a:extLst>
+              <a:ext uri="{FF2B5EF4-FFF2-40B4-BE49-F238E27FC236}">
+                <a16:creationId xmlns:a16="http://schemas.microsoft.com/office/drawing/2014/main" id="{2D8B9C4E-D676-4E4B-9551-475685210432}"/>
+              </a:ext>
+            </a:extLst>
+          </p:cNvPr>
+          <p:cNvSpPr/>
+          <p:nvPr/>
+        </p:nvSpPr>
+        <p:spPr>
+          <a:xfrm>
+            <a:off x="10419334" y="2421602"/>
+            <a:ext cx="228600" cy="228600"/>
+          </a:xfrm>
+          <a:prstGeom prst="ellipse">
+            <a:avLst/>
+          </a:prstGeom>
+          <a:solidFill>
+            <a:schemeClr val="accent6"/>
+          </a:solidFill>
+          <a:ln>
+            <a:noFill/>
+          </a:ln>
+        </p:spPr>
+        <p:style>
+          <a:lnRef idx="2">
+            <a:schemeClr val="accent1">
+              <a:shade val="50000"/>
+            </a:schemeClr>
+          </a:lnRef>
+          <a:fillRef idx="1">
+            <a:schemeClr val="accent1"/>
+          </a:fillRef>
+          <a:effectRef idx="0">
+            <a:schemeClr val="accent1"/>
+          </a:effectRef>
+          <a:fontRef idx="minor">
+            <a:schemeClr val="lt1"/>
+          </a:fontRef>
+        </p:style>
+        <p:txBody>
+          <a:bodyPr rtlCol="0" anchor="ctr"/>
+          <a:lstStyle/>
+          <a:p>
+            <a:pPr algn="ctr"/>
+            <a:endParaRPr lang="en-US" sz="1200"/>
+          </a:p>
+        </p:txBody>
+      </p:sp>
+      <p:sp>
+        <p:nvSpPr>
+          <p:cNvPr id="96" name="Oval 95">
+            <a:extLst>
+              <a:ext uri="{FF2B5EF4-FFF2-40B4-BE49-F238E27FC236}">
+                <a16:creationId xmlns:a16="http://schemas.microsoft.com/office/drawing/2014/main" id="{52EDCA2C-7C2B-4F66-96B5-D8CC9DB4975D}"/>
+              </a:ext>
+            </a:extLst>
+          </p:cNvPr>
+          <p:cNvSpPr/>
+          <p:nvPr/>
+        </p:nvSpPr>
+        <p:spPr>
+          <a:xfrm>
+            <a:off x="10419334" y="2092737"/>
+            <a:ext cx="228600" cy="228600"/>
+          </a:xfrm>
+          <a:prstGeom prst="ellipse">
+            <a:avLst/>
+          </a:prstGeom>
+          <a:solidFill>
+            <a:schemeClr val="accent6"/>
+          </a:solidFill>
+          <a:ln>
+            <a:noFill/>
+          </a:ln>
+        </p:spPr>
+        <p:style>
+          <a:lnRef idx="2">
+            <a:schemeClr val="accent1">
+              <a:shade val="50000"/>
+            </a:schemeClr>
+          </a:lnRef>
+          <a:fillRef idx="1">
+            <a:schemeClr val="accent1"/>
+          </a:fillRef>
+          <a:effectRef idx="0">
+            <a:schemeClr val="accent1"/>
+          </a:effectRef>
+          <a:fontRef idx="minor">
+            <a:schemeClr val="lt1"/>
+          </a:fontRef>
+        </p:style>
+        <p:txBody>
+          <a:bodyPr rtlCol="0" anchor="ctr"/>
+          <a:lstStyle/>
+          <a:p>
+            <a:pPr algn="ctr"/>
+            <a:endParaRPr lang="en-US" sz="1200"/>
+          </a:p>
+        </p:txBody>
+      </p:sp>
+      <p:sp>
+        <p:nvSpPr>
+          <p:cNvPr id="97" name="Oval 96">
+            <a:extLst>
+              <a:ext uri="{FF2B5EF4-FFF2-40B4-BE49-F238E27FC236}">
+                <a16:creationId xmlns:a16="http://schemas.microsoft.com/office/drawing/2014/main" id="{86F798B2-262E-4DE5-AA4D-33BE0931ECAF}"/>
+              </a:ext>
+            </a:extLst>
+          </p:cNvPr>
+          <p:cNvSpPr/>
+          <p:nvPr/>
+        </p:nvSpPr>
+        <p:spPr>
+          <a:xfrm>
+            <a:off x="10419334" y="3090642"/>
+            <a:ext cx="228600" cy="228600"/>
+          </a:xfrm>
+          <a:prstGeom prst="ellipse">
+            <a:avLst/>
+          </a:prstGeom>
+          <a:solidFill>
+            <a:schemeClr val="accent6"/>
+          </a:solidFill>
+          <a:ln>
+            <a:noFill/>
+          </a:ln>
+        </p:spPr>
+        <p:style>
+          <a:lnRef idx="2">
+            <a:schemeClr val="accent1">
+              <a:shade val="50000"/>
+            </a:schemeClr>
+          </a:lnRef>
+          <a:fillRef idx="1">
+            <a:schemeClr val="accent1"/>
+          </a:fillRef>
+          <a:effectRef idx="0">
+            <a:schemeClr val="accent1"/>
+          </a:effectRef>
+          <a:fontRef idx="minor">
+            <a:schemeClr val="lt1"/>
+          </a:fontRef>
+        </p:style>
+        <p:txBody>
+          <a:bodyPr rtlCol="0" anchor="ctr"/>
+          <a:lstStyle/>
+          <a:p>
+            <a:pPr algn="ctr"/>
+            <a:endParaRPr lang="en-US" sz="1200"/>
+          </a:p>
+        </p:txBody>
+      </p:sp>
+      <p:sp>
+        <p:nvSpPr>
+          <p:cNvPr id="98" name="Oval 97">
+            <a:extLst>
+              <a:ext uri="{FF2B5EF4-FFF2-40B4-BE49-F238E27FC236}">
+                <a16:creationId xmlns:a16="http://schemas.microsoft.com/office/drawing/2014/main" id="{84EF202E-7A51-4708-814E-4EBB2CA9E1FC}"/>
+              </a:ext>
+            </a:extLst>
+          </p:cNvPr>
+          <p:cNvSpPr/>
+          <p:nvPr/>
+        </p:nvSpPr>
+        <p:spPr>
+          <a:xfrm>
+            <a:off x="10419334" y="2761777"/>
+            <a:ext cx="228600" cy="228600"/>
+          </a:xfrm>
+          <a:prstGeom prst="ellipse">
+            <a:avLst/>
+          </a:prstGeom>
+          <a:solidFill>
+            <a:schemeClr val="accent6"/>
+          </a:solidFill>
+          <a:ln>
+            <a:noFill/>
+          </a:ln>
+        </p:spPr>
+        <p:style>
+          <a:lnRef idx="2">
+            <a:schemeClr val="accent1">
+              <a:shade val="50000"/>
+            </a:schemeClr>
+          </a:lnRef>
+          <a:fillRef idx="1">
+            <a:schemeClr val="accent1"/>
+          </a:fillRef>
+          <a:effectRef idx="0">
+            <a:schemeClr val="accent1"/>
+          </a:effectRef>
+          <a:fontRef idx="minor">
+            <a:schemeClr val="lt1"/>
+          </a:fontRef>
+        </p:style>
+        <p:txBody>
+          <a:bodyPr rtlCol="0" anchor="ctr"/>
+          <a:lstStyle/>
+          <a:p>
+            <a:pPr algn="ctr"/>
+            <a:endParaRPr lang="en-US" sz="1200"/>
+          </a:p>
+        </p:txBody>
+      </p:sp>
+      <p:sp>
+        <p:nvSpPr>
+          <p:cNvPr id="100" name="Oval 99">
+            <a:extLst>
+              <a:ext uri="{FF2B5EF4-FFF2-40B4-BE49-F238E27FC236}">
+                <a16:creationId xmlns:a16="http://schemas.microsoft.com/office/drawing/2014/main" id="{720CBE67-8EC3-4819-9CB4-B8F3E862AADF}"/>
+              </a:ext>
+            </a:extLst>
+          </p:cNvPr>
+          <p:cNvSpPr/>
+          <p:nvPr/>
+        </p:nvSpPr>
+        <p:spPr>
+          <a:xfrm>
+            <a:off x="10319194" y="4298362"/>
+            <a:ext cx="228600" cy="228600"/>
+          </a:xfrm>
+          <a:prstGeom prst="ellipse">
+            <a:avLst/>
+          </a:prstGeom>
+          <a:solidFill>
+            <a:srgbClr val="00682F"/>
+          </a:solidFill>
+          <a:ln>
+            <a:noFill/>
+          </a:ln>
+        </p:spPr>
+        <p:style>
+          <a:lnRef idx="2">
+            <a:schemeClr val="accent1">
+              <a:shade val="50000"/>
+            </a:schemeClr>
+          </a:lnRef>
+          <a:fillRef idx="1">
+            <a:schemeClr val="accent1"/>
+          </a:fillRef>
+          <a:effectRef idx="0">
+            <a:schemeClr val="accent1"/>
+          </a:effectRef>
+          <a:fontRef idx="minor">
+            <a:schemeClr val="lt1"/>
+          </a:fontRef>
+        </p:style>
+        <p:txBody>
+          <a:bodyPr rtlCol="0" anchor="ctr"/>
+          <a:lstStyle/>
+          <a:p>
+            <a:pPr algn="ctr"/>
+            <a:endParaRPr lang="en-US" sz="1200"/>
+          </a:p>
+        </p:txBody>
+      </p:sp>
+      <p:sp>
+        <p:nvSpPr>
+          <p:cNvPr id="115" name="Oval 114">
+            <a:extLst>
+              <a:ext uri="{FF2B5EF4-FFF2-40B4-BE49-F238E27FC236}">
+                <a16:creationId xmlns:a16="http://schemas.microsoft.com/office/drawing/2014/main" id="{489EED3E-B67D-4095-AFAF-20AE1B6EA7CB}"/>
+              </a:ext>
+            </a:extLst>
+          </p:cNvPr>
+          <p:cNvSpPr/>
+          <p:nvPr/>
+        </p:nvSpPr>
+        <p:spPr>
+          <a:xfrm>
+            <a:off x="10303453" y="5327348"/>
+            <a:ext cx="231762" cy="232728"/>
+          </a:xfrm>
+          <a:prstGeom prst="ellipse">
+            <a:avLst/>
+          </a:prstGeom>
+          <a:solidFill>
+            <a:schemeClr val="accent4"/>
+          </a:solidFill>
+          <a:ln>
+            <a:noFill/>
+          </a:ln>
+        </p:spPr>
+        <p:style>
+          <a:lnRef idx="2">
+            <a:schemeClr val="accent1">
+              <a:shade val="50000"/>
+            </a:schemeClr>
+          </a:lnRef>
+          <a:fillRef idx="1">
+            <a:schemeClr val="accent1"/>
+          </a:fillRef>
+          <a:effectRef idx="0">
+            <a:schemeClr val="accent1"/>
+          </a:effectRef>
+          <a:fontRef idx="minor">
+            <a:schemeClr val="lt1"/>
+          </a:fontRef>
+        </p:style>
+        <p:txBody>
+          <a:bodyPr rtlCol="0" anchor="ctr"/>
+          <a:lstStyle/>
+          <a:p>
+            <a:pPr algn="ctr"/>
+            <a:endParaRPr lang="en-US" sz="1200"/>
           </a:p>
         </p:txBody>
       </p:sp>
     </p:spTree>
     <p:extLst>
       <p:ext uri="{BB962C8B-B14F-4D97-AF65-F5344CB8AC3E}">
-        <p14:creationId xmlns:p14="http://schemas.microsoft.com/office/powerpoint/2010/main" val="3006667777"/>
+        <p14:creationId xmlns:p14="http://schemas.microsoft.com/office/powerpoint/2010/main" val="909426680"/>
       </p:ext>
     </p:extLst>
   </p:cSld>
@@ -4656,10 +7821,66 @@
       </p:grpSpPr>
       <p:sp>
         <p:nvSpPr>
+          <p:cNvPr id="69" name="Rectangle: Rounded Corners 68">
+            <a:extLst>
+              <a:ext uri="{FF2B5EF4-FFF2-40B4-BE49-F238E27FC236}">
+                <a16:creationId xmlns:a16="http://schemas.microsoft.com/office/drawing/2014/main" id="{3C67E8BA-1624-4115-94F2-D83B33DF8107}"/>
+              </a:ext>
+            </a:extLst>
+          </p:cNvPr>
+          <p:cNvSpPr/>
+          <p:nvPr/>
+        </p:nvSpPr>
+        <p:spPr>
+          <a:xfrm>
+            <a:off x="9989541" y="399697"/>
+            <a:ext cx="1936002" cy="1019301"/>
+          </a:xfrm>
+          <a:prstGeom prst="roundRect">
+            <a:avLst>
+              <a:gd name="adj" fmla="val 8763"/>
+            </a:avLst>
+          </a:prstGeom>
+          <a:solidFill>
+            <a:schemeClr val="bg1">
+              <a:lumMod val="95000"/>
+            </a:schemeClr>
+          </a:solidFill>
+          <a:ln>
+            <a:noFill/>
+          </a:ln>
+        </p:spPr>
+        <p:style>
+          <a:lnRef idx="2">
+            <a:schemeClr val="accent1">
+              <a:shade val="50000"/>
+            </a:schemeClr>
+          </a:lnRef>
+          <a:fillRef idx="1">
+            <a:schemeClr val="accent1"/>
+          </a:fillRef>
+          <a:effectRef idx="0">
+            <a:schemeClr val="accent1"/>
+          </a:effectRef>
+          <a:fontRef idx="minor">
+            <a:schemeClr val="lt1"/>
+          </a:fontRef>
+        </p:style>
+        <p:txBody>
+          <a:bodyPr rtlCol="0" anchor="ctr"/>
+          <a:lstStyle/>
+          <a:p>
+            <a:pPr algn="ctr"/>
+            <a:endParaRPr lang="en-US"/>
+          </a:p>
+        </p:txBody>
+      </p:sp>
+      <p:sp>
+        <p:nvSpPr>
           <p:cNvPr id="2" name="Title 1">
             <a:extLst>
               <a:ext uri="{FF2B5EF4-FFF2-40B4-BE49-F238E27FC236}">
-                <a16:creationId xmlns:a16="http://schemas.microsoft.com/office/drawing/2014/main" id="{D560DB55-CE28-4A6D-99D6-D467B2C039A2}"/>
+                <a16:creationId xmlns:a16="http://schemas.microsoft.com/office/drawing/2014/main" id="{36DCE9E9-EBB2-478D-9A64-65521DD63298}"/>
               </a:ext>
             </a:extLst>
           </p:cNvPr>
@@ -4676,58 +7897,3972 @@
           <a:lstStyle/>
           <a:p>
             <a:r>
+              <a:rPr lang="en-US" dirty="0"/>
+              <a:t>Ponto da </a:t>
+            </a:r>
+            <a:r>
               <a:rPr lang="en-US" dirty="0" err="1"/>
-              <a:t>Visualização</a:t>
+              <a:t>Situação</a:t>
+            </a:r>
+            <a:r>
+              <a:rPr lang="en-US" dirty="0"/>
+              <a:t> – </a:t>
+            </a:r>
+            <a:r>
+              <a:rPr lang="en-US" dirty="0" err="1"/>
+              <a:t>Esta</a:t>
+            </a:r>
+            <a:r>
+              <a:rPr lang="en-US" dirty="0"/>
+              <a:t> </a:t>
+            </a:r>
+            <a:r>
+              <a:rPr lang="en-US" dirty="0" err="1"/>
+              <a:t>semana</a:t>
             </a:r>
             <a:endParaRPr lang="en-US" dirty="0"/>
           </a:p>
         </p:txBody>
       </p:sp>
-      <p:pic>
-        <p:nvPicPr>
-          <p:cNvPr id="15" name="Content Placeholder 14">
-            <a:extLst>
-              <a:ext uri="{FF2B5EF4-FFF2-40B4-BE49-F238E27FC236}">
-                <a16:creationId xmlns:a16="http://schemas.microsoft.com/office/drawing/2014/main" id="{44E529CC-A6B4-4F23-A4F3-5F3CD2EC3F65}"/>
-              </a:ext>
-            </a:extLst>
-          </p:cNvPr>
-          <p:cNvPicPr>
-            <a:picLocks noGrp="1" noChangeAspect="1"/>
-          </p:cNvPicPr>
-          <p:nvPr>
-            <p:ph idx="1"/>
-          </p:nvPr>
-        </p:nvPicPr>
-        <p:blipFill>
-          <a:blip r:embed="rId2">
-            <a:extLst>
-              <a:ext uri="{28A0092B-C50C-407E-A947-70E740481C1C}">
-                <a14:useLocalDpi xmlns:a14="http://schemas.microsoft.com/office/drawing/2010/main" val="0"/>
-              </a:ext>
-            </a:extLst>
-          </a:blip>
-          <a:stretch>
-            <a:fillRect/>
-          </a:stretch>
-        </p:blipFill>
-        <p:spPr>
-          <a:xfrm>
-            <a:off x="2852256" y="1291577"/>
-            <a:ext cx="5478135" cy="5478135"/>
-          </a:xfrm>
-        </p:spPr>
-      </p:pic>
+      <p:sp>
+        <p:nvSpPr>
+          <p:cNvPr id="10" name="Rectangle 9">
+            <a:extLst>
+              <a:ext uri="{FF2B5EF4-FFF2-40B4-BE49-F238E27FC236}">
+                <a16:creationId xmlns:a16="http://schemas.microsoft.com/office/drawing/2014/main" id="{03D090F4-65E5-4C85-BAAE-AB9B2A753F8F}"/>
+              </a:ext>
+            </a:extLst>
+          </p:cNvPr>
+          <p:cNvSpPr/>
+          <p:nvPr/>
+        </p:nvSpPr>
+        <p:spPr>
+          <a:xfrm>
+            <a:off x="3930344" y="2245311"/>
+            <a:ext cx="2707891" cy="232728"/>
+          </a:xfrm>
+          <a:prstGeom prst="rect">
+            <a:avLst/>
+          </a:prstGeom>
+          <a:solidFill>
+            <a:schemeClr val="bg2"/>
+          </a:solidFill>
+          <a:ln>
+            <a:solidFill>
+              <a:schemeClr val="bg2">
+                <a:lumMod val="25000"/>
+              </a:schemeClr>
+            </a:solidFill>
+          </a:ln>
+        </p:spPr>
+        <p:style>
+          <a:lnRef idx="2">
+            <a:schemeClr val="accent1">
+              <a:shade val="50000"/>
+            </a:schemeClr>
+          </a:lnRef>
+          <a:fillRef idx="1">
+            <a:schemeClr val="accent1"/>
+          </a:fillRef>
+          <a:effectRef idx="0">
+            <a:schemeClr val="accent1"/>
+          </a:effectRef>
+          <a:fontRef idx="minor">
+            <a:schemeClr val="lt1"/>
+          </a:fontRef>
+        </p:style>
+        <p:txBody>
+          <a:bodyPr rtlCol="0" anchor="ctr"/>
+          <a:lstStyle/>
+          <a:p>
+            <a:pPr algn="ctr"/>
+            <a:r>
+              <a:rPr lang="en-US" sz="1200" dirty="0" err="1">
+                <a:solidFill>
+                  <a:schemeClr val="tx1"/>
+                </a:solidFill>
+              </a:rPr>
+              <a:t>data_generation</a:t>
+            </a:r>
+            <a:endParaRPr lang="en-US" sz="1200" dirty="0">
+              <a:solidFill>
+                <a:schemeClr val="tx1"/>
+              </a:solidFill>
+            </a:endParaRPr>
+          </a:p>
+        </p:txBody>
+      </p:sp>
+      <p:sp>
+        <p:nvSpPr>
+          <p:cNvPr id="11" name="Rectangle 10">
+            <a:extLst>
+              <a:ext uri="{FF2B5EF4-FFF2-40B4-BE49-F238E27FC236}">
+                <a16:creationId xmlns:a16="http://schemas.microsoft.com/office/drawing/2014/main" id="{1ABE734C-8611-40F7-9CE1-67BE7833B53F}"/>
+              </a:ext>
+            </a:extLst>
+          </p:cNvPr>
+          <p:cNvSpPr/>
+          <p:nvPr/>
+        </p:nvSpPr>
+        <p:spPr>
+          <a:xfrm>
+            <a:off x="3930344" y="2594817"/>
+            <a:ext cx="2707891" cy="232728"/>
+          </a:xfrm>
+          <a:prstGeom prst="rect">
+            <a:avLst/>
+          </a:prstGeom>
+          <a:solidFill>
+            <a:schemeClr val="bg2"/>
+          </a:solidFill>
+          <a:ln>
+            <a:solidFill>
+              <a:schemeClr val="bg2">
+                <a:lumMod val="25000"/>
+              </a:schemeClr>
+            </a:solidFill>
+          </a:ln>
+        </p:spPr>
+        <p:style>
+          <a:lnRef idx="2">
+            <a:schemeClr val="accent1">
+              <a:shade val="50000"/>
+            </a:schemeClr>
+          </a:lnRef>
+          <a:fillRef idx="1">
+            <a:schemeClr val="accent1"/>
+          </a:fillRef>
+          <a:effectRef idx="0">
+            <a:schemeClr val="accent1"/>
+          </a:effectRef>
+          <a:fontRef idx="minor">
+            <a:schemeClr val="lt1"/>
+          </a:fontRef>
+        </p:style>
+        <p:txBody>
+          <a:bodyPr rtlCol="0" anchor="ctr"/>
+          <a:lstStyle/>
+          <a:p>
+            <a:pPr algn="ctr"/>
+            <a:r>
+              <a:rPr lang="en-US" sz="1200" dirty="0" err="1">
+                <a:solidFill>
+                  <a:schemeClr val="tx1"/>
+                </a:solidFill>
+              </a:rPr>
+              <a:t>validation_methods</a:t>
+            </a:r>
+            <a:endParaRPr lang="en-US" sz="1200" dirty="0">
+              <a:solidFill>
+                <a:schemeClr val="tx1"/>
+              </a:solidFill>
+            </a:endParaRPr>
+          </a:p>
+        </p:txBody>
+      </p:sp>
+      <p:sp>
+        <p:nvSpPr>
+          <p:cNvPr id="12" name="Rectangle 11">
+            <a:extLst>
+              <a:ext uri="{FF2B5EF4-FFF2-40B4-BE49-F238E27FC236}">
+                <a16:creationId xmlns:a16="http://schemas.microsoft.com/office/drawing/2014/main" id="{FDE252C2-435E-460E-9BB1-2AF6BF66DFCA}"/>
+              </a:ext>
+            </a:extLst>
+          </p:cNvPr>
+          <p:cNvSpPr/>
+          <p:nvPr/>
+        </p:nvSpPr>
+        <p:spPr>
+          <a:xfrm>
+            <a:off x="3930344" y="2944323"/>
+            <a:ext cx="2707891" cy="232728"/>
+          </a:xfrm>
+          <a:prstGeom prst="rect">
+            <a:avLst/>
+          </a:prstGeom>
+          <a:solidFill>
+            <a:schemeClr val="bg2"/>
+          </a:solidFill>
+          <a:ln>
+            <a:solidFill>
+              <a:schemeClr val="bg2">
+                <a:lumMod val="25000"/>
+              </a:schemeClr>
+            </a:solidFill>
+          </a:ln>
+        </p:spPr>
+        <p:style>
+          <a:lnRef idx="2">
+            <a:schemeClr val="accent1">
+              <a:shade val="50000"/>
+            </a:schemeClr>
+          </a:lnRef>
+          <a:fillRef idx="1">
+            <a:schemeClr val="accent1"/>
+          </a:fillRef>
+          <a:effectRef idx="0">
+            <a:schemeClr val="accent1"/>
+          </a:effectRef>
+          <a:fontRef idx="minor">
+            <a:schemeClr val="lt1"/>
+          </a:fontRef>
+        </p:style>
+        <p:txBody>
+          <a:bodyPr rtlCol="0" anchor="ctr"/>
+          <a:lstStyle/>
+          <a:p>
+            <a:pPr algn="ctr"/>
+            <a:r>
+              <a:rPr lang="en-US" sz="1200" dirty="0">
+                <a:solidFill>
+                  <a:schemeClr val="tx1"/>
+                </a:solidFill>
+              </a:rPr>
+              <a:t>validation_comparison_metrics.py</a:t>
+            </a:r>
+          </a:p>
+        </p:txBody>
+      </p:sp>
+      <p:sp>
+        <p:nvSpPr>
+          <p:cNvPr id="13" name="Rectangle 12">
+            <a:extLst>
+              <a:ext uri="{FF2B5EF4-FFF2-40B4-BE49-F238E27FC236}">
+                <a16:creationId xmlns:a16="http://schemas.microsoft.com/office/drawing/2014/main" id="{3E7D89A6-2AD8-453D-9F05-1802D5084DE5}"/>
+              </a:ext>
+            </a:extLst>
+          </p:cNvPr>
+          <p:cNvSpPr/>
+          <p:nvPr/>
+        </p:nvSpPr>
+        <p:spPr>
+          <a:xfrm>
+            <a:off x="2004356" y="3710554"/>
+            <a:ext cx="1258352" cy="232728"/>
+          </a:xfrm>
+          <a:prstGeom prst="rect">
+            <a:avLst/>
+          </a:prstGeom>
+          <a:solidFill>
+            <a:schemeClr val="bg2"/>
+          </a:solidFill>
+          <a:ln>
+            <a:solidFill>
+              <a:schemeClr val="bg2">
+                <a:lumMod val="25000"/>
+              </a:schemeClr>
+            </a:solidFill>
+          </a:ln>
+        </p:spPr>
+        <p:style>
+          <a:lnRef idx="2">
+            <a:schemeClr val="accent1">
+              <a:shade val="50000"/>
+            </a:schemeClr>
+          </a:lnRef>
+          <a:fillRef idx="1">
+            <a:schemeClr val="accent1"/>
+          </a:fillRef>
+          <a:effectRef idx="0">
+            <a:schemeClr val="accent1"/>
+          </a:effectRef>
+          <a:fontRef idx="minor">
+            <a:schemeClr val="lt1"/>
+          </a:fontRef>
+        </p:style>
+        <p:txBody>
+          <a:bodyPr rtlCol="0" anchor="ctr"/>
+          <a:lstStyle/>
+          <a:p>
+            <a:pPr algn="ctr"/>
+            <a:r>
+              <a:rPr lang="en-US" sz="1200" dirty="0">
+                <a:solidFill>
+                  <a:schemeClr val="tx1"/>
+                </a:solidFill>
+              </a:rPr>
+              <a:t>tests.py</a:t>
+            </a:r>
+          </a:p>
+        </p:txBody>
+      </p:sp>
+      <p:sp>
+        <p:nvSpPr>
+          <p:cNvPr id="14" name="Rectangle 13">
+            <a:extLst>
+              <a:ext uri="{FF2B5EF4-FFF2-40B4-BE49-F238E27FC236}">
+                <a16:creationId xmlns:a16="http://schemas.microsoft.com/office/drawing/2014/main" id="{88C5CFE4-AFAC-4339-93F0-61E7A014671A}"/>
+              </a:ext>
+            </a:extLst>
+          </p:cNvPr>
+          <p:cNvSpPr/>
+          <p:nvPr/>
+        </p:nvSpPr>
+        <p:spPr>
+          <a:xfrm>
+            <a:off x="2004355" y="4060060"/>
+            <a:ext cx="1258352" cy="232728"/>
+          </a:xfrm>
+          <a:prstGeom prst="rect">
+            <a:avLst/>
+          </a:prstGeom>
+          <a:solidFill>
+            <a:schemeClr val="bg2"/>
+          </a:solidFill>
+          <a:ln>
+            <a:solidFill>
+              <a:schemeClr val="bg2">
+                <a:lumMod val="25000"/>
+              </a:schemeClr>
+            </a:solidFill>
+          </a:ln>
+        </p:spPr>
+        <p:style>
+          <a:lnRef idx="2">
+            <a:schemeClr val="accent1">
+              <a:shade val="50000"/>
+            </a:schemeClr>
+          </a:lnRef>
+          <a:fillRef idx="1">
+            <a:schemeClr val="accent1"/>
+          </a:fillRef>
+          <a:effectRef idx="0">
+            <a:schemeClr val="accent1"/>
+          </a:effectRef>
+          <a:fontRef idx="minor">
+            <a:schemeClr val="lt1"/>
+          </a:fontRef>
+        </p:style>
+        <p:txBody>
+          <a:bodyPr rtlCol="0" anchor="ctr"/>
+          <a:lstStyle/>
+          <a:p>
+            <a:pPr algn="ctr"/>
+            <a:r>
+              <a:rPr lang="en-US" sz="1200" dirty="0" err="1">
+                <a:solidFill>
+                  <a:schemeClr val="tx1"/>
+                </a:solidFill>
+              </a:rPr>
+              <a:t>pyproject.toml</a:t>
+            </a:r>
+            <a:endParaRPr lang="en-US" sz="1200" dirty="0">
+              <a:solidFill>
+                <a:schemeClr val="tx1"/>
+              </a:solidFill>
+            </a:endParaRPr>
+          </a:p>
+        </p:txBody>
+      </p:sp>
+      <p:sp>
+        <p:nvSpPr>
+          <p:cNvPr id="15" name="Rectangle 14">
+            <a:extLst>
+              <a:ext uri="{FF2B5EF4-FFF2-40B4-BE49-F238E27FC236}">
+                <a16:creationId xmlns:a16="http://schemas.microsoft.com/office/drawing/2014/main" id="{CFC43AB8-CFE2-4A59-9931-C6E76560B3D2}"/>
+              </a:ext>
+            </a:extLst>
+          </p:cNvPr>
+          <p:cNvSpPr/>
+          <p:nvPr/>
+        </p:nvSpPr>
+        <p:spPr>
+          <a:xfrm>
+            <a:off x="2004354" y="4409566"/>
+            <a:ext cx="1258352" cy="232728"/>
+          </a:xfrm>
+          <a:prstGeom prst="rect">
+            <a:avLst/>
+          </a:prstGeom>
+          <a:solidFill>
+            <a:schemeClr val="bg2"/>
+          </a:solidFill>
+          <a:ln>
+            <a:solidFill>
+              <a:schemeClr val="bg2">
+                <a:lumMod val="25000"/>
+              </a:schemeClr>
+            </a:solidFill>
+          </a:ln>
+        </p:spPr>
+        <p:style>
+          <a:lnRef idx="2">
+            <a:schemeClr val="accent1">
+              <a:shade val="50000"/>
+            </a:schemeClr>
+          </a:lnRef>
+          <a:fillRef idx="1">
+            <a:schemeClr val="accent1"/>
+          </a:fillRef>
+          <a:effectRef idx="0">
+            <a:schemeClr val="accent1"/>
+          </a:effectRef>
+          <a:fontRef idx="minor">
+            <a:schemeClr val="lt1"/>
+          </a:fontRef>
+        </p:style>
+        <p:txBody>
+          <a:bodyPr rtlCol="0" anchor="ctr"/>
+          <a:lstStyle/>
+          <a:p>
+            <a:pPr algn="ctr"/>
+            <a:r>
+              <a:rPr lang="en-US" sz="1200" dirty="0">
+                <a:solidFill>
+                  <a:schemeClr val="tx1"/>
+                </a:solidFill>
+              </a:rPr>
+              <a:t>README.md</a:t>
+            </a:r>
+          </a:p>
+        </p:txBody>
+      </p:sp>
+      <p:sp>
+        <p:nvSpPr>
+          <p:cNvPr id="16" name="Rectangle 15">
+            <a:extLst>
+              <a:ext uri="{FF2B5EF4-FFF2-40B4-BE49-F238E27FC236}">
+                <a16:creationId xmlns:a16="http://schemas.microsoft.com/office/drawing/2014/main" id="{71A081E6-D38A-4CAD-9664-D6695043A565}"/>
+              </a:ext>
+            </a:extLst>
+          </p:cNvPr>
+          <p:cNvSpPr/>
+          <p:nvPr/>
+        </p:nvSpPr>
+        <p:spPr>
+          <a:xfrm>
+            <a:off x="2004352" y="4767461"/>
+            <a:ext cx="1258352" cy="232728"/>
+          </a:xfrm>
+          <a:prstGeom prst="rect">
+            <a:avLst/>
+          </a:prstGeom>
+          <a:solidFill>
+            <a:schemeClr val="bg2"/>
+          </a:solidFill>
+          <a:ln>
+            <a:solidFill>
+              <a:schemeClr val="bg2">
+                <a:lumMod val="25000"/>
+              </a:schemeClr>
+            </a:solidFill>
+          </a:ln>
+        </p:spPr>
+        <p:style>
+          <a:lnRef idx="2">
+            <a:schemeClr val="accent1">
+              <a:shade val="50000"/>
+            </a:schemeClr>
+          </a:lnRef>
+          <a:fillRef idx="1">
+            <a:schemeClr val="accent1"/>
+          </a:fillRef>
+          <a:effectRef idx="0">
+            <a:schemeClr val="accent1"/>
+          </a:effectRef>
+          <a:fontRef idx="minor">
+            <a:schemeClr val="lt1"/>
+          </a:fontRef>
+        </p:style>
+        <p:txBody>
+          <a:bodyPr rtlCol="0" anchor="ctr"/>
+          <a:lstStyle/>
+          <a:p>
+            <a:pPr algn="ctr"/>
+            <a:r>
+              <a:rPr lang="en-US" sz="1200" dirty="0">
+                <a:solidFill>
+                  <a:schemeClr val="tx1"/>
+                </a:solidFill>
+              </a:rPr>
+              <a:t>LICENSE</a:t>
+            </a:r>
+          </a:p>
+        </p:txBody>
+      </p:sp>
+      <p:sp>
+        <p:nvSpPr>
+          <p:cNvPr id="17" name="Rectangle 16">
+            <a:extLst>
+              <a:ext uri="{FF2B5EF4-FFF2-40B4-BE49-F238E27FC236}">
+                <a16:creationId xmlns:a16="http://schemas.microsoft.com/office/drawing/2014/main" id="{26FE0770-0FC4-4C57-98F4-C2F15EDA9868}"/>
+              </a:ext>
+            </a:extLst>
+          </p:cNvPr>
+          <p:cNvSpPr/>
+          <p:nvPr/>
+        </p:nvSpPr>
+        <p:spPr>
+          <a:xfrm>
+            <a:off x="2004354" y="2245311"/>
+            <a:ext cx="1258352" cy="232728"/>
+          </a:xfrm>
+          <a:prstGeom prst="rect">
+            <a:avLst/>
+          </a:prstGeom>
+          <a:solidFill>
+            <a:schemeClr val="bg2"/>
+          </a:solidFill>
+          <a:ln>
+            <a:solidFill>
+              <a:schemeClr val="bg2">
+                <a:lumMod val="25000"/>
+              </a:schemeClr>
+            </a:solidFill>
+          </a:ln>
+        </p:spPr>
+        <p:style>
+          <a:lnRef idx="2">
+            <a:schemeClr val="accent1">
+              <a:shade val="50000"/>
+            </a:schemeClr>
+          </a:lnRef>
+          <a:fillRef idx="1">
+            <a:schemeClr val="accent1"/>
+          </a:fillRef>
+          <a:effectRef idx="0">
+            <a:schemeClr val="accent1"/>
+          </a:effectRef>
+          <a:fontRef idx="minor">
+            <a:schemeClr val="lt1"/>
+          </a:fontRef>
+        </p:style>
+        <p:txBody>
+          <a:bodyPr rtlCol="0" anchor="ctr"/>
+          <a:lstStyle/>
+          <a:p>
+            <a:pPr algn="ctr"/>
+            <a:r>
+              <a:rPr lang="en-US" sz="1200" dirty="0" err="1">
+                <a:solidFill>
+                  <a:schemeClr val="tx1"/>
+                </a:solidFill>
+              </a:rPr>
+              <a:t>tsvalidation</a:t>
+            </a:r>
+            <a:endParaRPr lang="en-US" sz="1200" dirty="0">
+              <a:solidFill>
+                <a:schemeClr val="tx1"/>
+              </a:solidFill>
+            </a:endParaRPr>
+          </a:p>
+        </p:txBody>
+      </p:sp>
+      <p:sp>
+        <p:nvSpPr>
+          <p:cNvPr id="18" name="Rectangle 17">
+            <a:extLst>
+              <a:ext uri="{FF2B5EF4-FFF2-40B4-BE49-F238E27FC236}">
+                <a16:creationId xmlns:a16="http://schemas.microsoft.com/office/drawing/2014/main" id="{2CF45887-8361-4474-A490-42D6A62748D2}"/>
+              </a:ext>
+            </a:extLst>
+          </p:cNvPr>
+          <p:cNvSpPr/>
+          <p:nvPr/>
+        </p:nvSpPr>
+        <p:spPr>
+          <a:xfrm>
+            <a:off x="2004352" y="5114133"/>
+            <a:ext cx="1258352" cy="232728"/>
+          </a:xfrm>
+          <a:prstGeom prst="rect">
+            <a:avLst/>
+          </a:prstGeom>
+          <a:solidFill>
+            <a:schemeClr val="bg2"/>
+          </a:solidFill>
+          <a:ln>
+            <a:solidFill>
+              <a:schemeClr val="bg2">
+                <a:lumMod val="25000"/>
+              </a:schemeClr>
+            </a:solidFill>
+          </a:ln>
+        </p:spPr>
+        <p:style>
+          <a:lnRef idx="2">
+            <a:schemeClr val="accent1">
+              <a:shade val="50000"/>
+            </a:schemeClr>
+          </a:lnRef>
+          <a:fillRef idx="1">
+            <a:schemeClr val="accent1"/>
+          </a:fillRef>
+          <a:effectRef idx="0">
+            <a:schemeClr val="accent1"/>
+          </a:effectRef>
+          <a:fontRef idx="minor">
+            <a:schemeClr val="lt1"/>
+          </a:fontRef>
+        </p:style>
+        <p:txBody>
+          <a:bodyPr rtlCol="0" anchor="ctr"/>
+          <a:lstStyle/>
+          <a:p>
+            <a:pPr algn="ctr"/>
+            <a:r>
+              <a:rPr lang="en-US" sz="1200" dirty="0">
+                <a:solidFill>
+                  <a:schemeClr val="tx1"/>
+                </a:solidFill>
+              </a:rPr>
+              <a:t>experiments</a:t>
+            </a:r>
+          </a:p>
+        </p:txBody>
+      </p:sp>
+      <p:sp>
+        <p:nvSpPr>
+          <p:cNvPr id="19" name="Rectangle 18">
+            <a:extLst>
+              <a:ext uri="{FF2B5EF4-FFF2-40B4-BE49-F238E27FC236}">
+                <a16:creationId xmlns:a16="http://schemas.microsoft.com/office/drawing/2014/main" id="{D69C083C-89C3-435C-B801-6F19330AE81A}"/>
+              </a:ext>
+            </a:extLst>
+          </p:cNvPr>
+          <p:cNvSpPr/>
+          <p:nvPr/>
+        </p:nvSpPr>
+        <p:spPr>
+          <a:xfrm>
+            <a:off x="3954483" y="5114901"/>
+            <a:ext cx="2707891" cy="232728"/>
+          </a:xfrm>
+          <a:prstGeom prst="rect">
+            <a:avLst/>
+          </a:prstGeom>
+          <a:solidFill>
+            <a:schemeClr val="bg2"/>
+          </a:solidFill>
+          <a:ln>
+            <a:solidFill>
+              <a:schemeClr val="bg2">
+                <a:lumMod val="25000"/>
+              </a:schemeClr>
+            </a:solidFill>
+          </a:ln>
+        </p:spPr>
+        <p:style>
+          <a:lnRef idx="2">
+            <a:schemeClr val="accent1">
+              <a:shade val="50000"/>
+            </a:schemeClr>
+          </a:lnRef>
+          <a:fillRef idx="1">
+            <a:schemeClr val="accent1"/>
+          </a:fillRef>
+          <a:effectRef idx="0">
+            <a:schemeClr val="accent1"/>
+          </a:effectRef>
+          <a:fontRef idx="minor">
+            <a:schemeClr val="lt1"/>
+          </a:fontRef>
+        </p:style>
+        <p:txBody>
+          <a:bodyPr rtlCol="0" anchor="ctr"/>
+          <a:lstStyle/>
+          <a:p>
+            <a:pPr algn="ctr"/>
+            <a:r>
+              <a:rPr lang="en-US" sz="1200" dirty="0">
+                <a:solidFill>
+                  <a:schemeClr val="tx1"/>
+                </a:solidFill>
+              </a:rPr>
+              <a:t>data_preprocessing.py</a:t>
+            </a:r>
+          </a:p>
+        </p:txBody>
+      </p:sp>
+      <p:sp>
+        <p:nvSpPr>
+          <p:cNvPr id="20" name="Rectangle 19">
+            <a:extLst>
+              <a:ext uri="{FF2B5EF4-FFF2-40B4-BE49-F238E27FC236}">
+                <a16:creationId xmlns:a16="http://schemas.microsoft.com/office/drawing/2014/main" id="{65BF6230-E922-4A69-9314-ABD9957F3499}"/>
+              </a:ext>
+            </a:extLst>
+          </p:cNvPr>
+          <p:cNvSpPr/>
+          <p:nvPr/>
+        </p:nvSpPr>
+        <p:spPr>
+          <a:xfrm>
+            <a:off x="3954483" y="5464406"/>
+            <a:ext cx="2707891" cy="232728"/>
+          </a:xfrm>
+          <a:prstGeom prst="rect">
+            <a:avLst/>
+          </a:prstGeom>
+          <a:solidFill>
+            <a:schemeClr val="bg2"/>
+          </a:solidFill>
+          <a:ln>
+            <a:solidFill>
+              <a:schemeClr val="bg2">
+                <a:lumMod val="25000"/>
+              </a:schemeClr>
+            </a:solidFill>
+          </a:ln>
+        </p:spPr>
+        <p:style>
+          <a:lnRef idx="2">
+            <a:schemeClr val="accent1">
+              <a:shade val="50000"/>
+            </a:schemeClr>
+          </a:lnRef>
+          <a:fillRef idx="1">
+            <a:schemeClr val="accent1"/>
+          </a:fillRef>
+          <a:effectRef idx="0">
+            <a:schemeClr val="accent1"/>
+          </a:effectRef>
+          <a:fontRef idx="minor">
+            <a:schemeClr val="lt1"/>
+          </a:fontRef>
+        </p:style>
+        <p:txBody>
+          <a:bodyPr rtlCol="0" anchor="ctr"/>
+          <a:lstStyle/>
+          <a:p>
+            <a:pPr algn="ctr"/>
+            <a:r>
+              <a:rPr lang="en-US" sz="1200" dirty="0">
+                <a:solidFill>
+                  <a:schemeClr val="tx1"/>
+                </a:solidFill>
+              </a:rPr>
+              <a:t>models.py</a:t>
+            </a:r>
+          </a:p>
+        </p:txBody>
+      </p:sp>
+      <p:sp>
+        <p:nvSpPr>
+          <p:cNvPr id="21" name="Rectangle 20">
+            <a:extLst>
+              <a:ext uri="{FF2B5EF4-FFF2-40B4-BE49-F238E27FC236}">
+                <a16:creationId xmlns:a16="http://schemas.microsoft.com/office/drawing/2014/main" id="{CC61A5AC-6F9E-4893-9ADD-D865C722CD22}"/>
+              </a:ext>
+            </a:extLst>
+          </p:cNvPr>
+          <p:cNvSpPr/>
+          <p:nvPr/>
+        </p:nvSpPr>
+        <p:spPr>
+          <a:xfrm>
+            <a:off x="3954483" y="5813912"/>
+            <a:ext cx="2707891" cy="232728"/>
+          </a:xfrm>
+          <a:prstGeom prst="rect">
+            <a:avLst/>
+          </a:prstGeom>
+          <a:solidFill>
+            <a:schemeClr val="bg2"/>
+          </a:solidFill>
+          <a:ln>
+            <a:solidFill>
+              <a:schemeClr val="bg2">
+                <a:lumMod val="25000"/>
+              </a:schemeClr>
+            </a:solidFill>
+          </a:ln>
+        </p:spPr>
+        <p:style>
+          <a:lnRef idx="2">
+            <a:schemeClr val="accent1">
+              <a:shade val="50000"/>
+            </a:schemeClr>
+          </a:lnRef>
+          <a:fillRef idx="1">
+            <a:schemeClr val="accent1"/>
+          </a:fillRef>
+          <a:effectRef idx="0">
+            <a:schemeClr val="accent1"/>
+          </a:effectRef>
+          <a:fontRef idx="minor">
+            <a:schemeClr val="lt1"/>
+          </a:fontRef>
+        </p:style>
+        <p:txBody>
+          <a:bodyPr rtlCol="0" anchor="ctr"/>
+          <a:lstStyle/>
+          <a:p>
+            <a:pPr algn="ctr"/>
+            <a:r>
+              <a:rPr lang="en-US" sz="1200" dirty="0" err="1">
+                <a:solidFill>
+                  <a:schemeClr val="tx1"/>
+                </a:solidFill>
+              </a:rPr>
+              <a:t>experiments.ipynb</a:t>
+            </a:r>
+            <a:endParaRPr lang="en-US" sz="1200" dirty="0">
+              <a:solidFill>
+                <a:schemeClr val="tx1"/>
+              </a:solidFill>
+            </a:endParaRPr>
+          </a:p>
+        </p:txBody>
+      </p:sp>
+      <p:sp>
+        <p:nvSpPr>
+          <p:cNvPr id="22" name="Rectangle 21">
+            <a:extLst>
+              <a:ext uri="{FF2B5EF4-FFF2-40B4-BE49-F238E27FC236}">
+                <a16:creationId xmlns:a16="http://schemas.microsoft.com/office/drawing/2014/main" id="{317B0116-4B2A-43A7-A663-D90894445C65}"/>
+              </a:ext>
+            </a:extLst>
+          </p:cNvPr>
+          <p:cNvSpPr/>
+          <p:nvPr/>
+        </p:nvSpPr>
+        <p:spPr>
+          <a:xfrm>
+            <a:off x="3954484" y="3294588"/>
+            <a:ext cx="2683752" cy="232728"/>
+          </a:xfrm>
+          <a:prstGeom prst="rect">
+            <a:avLst/>
+          </a:prstGeom>
+          <a:solidFill>
+            <a:schemeClr val="bg2"/>
+          </a:solidFill>
+          <a:ln>
+            <a:solidFill>
+              <a:schemeClr val="bg2">
+                <a:lumMod val="25000"/>
+              </a:schemeClr>
+            </a:solidFill>
+          </a:ln>
+        </p:spPr>
+        <p:style>
+          <a:lnRef idx="2">
+            <a:schemeClr val="accent1">
+              <a:shade val="50000"/>
+            </a:schemeClr>
+          </a:lnRef>
+          <a:fillRef idx="1">
+            <a:schemeClr val="accent1"/>
+          </a:fillRef>
+          <a:effectRef idx="0">
+            <a:schemeClr val="accent1"/>
+          </a:effectRef>
+          <a:fontRef idx="minor">
+            <a:schemeClr val="lt1"/>
+          </a:fontRef>
+        </p:style>
+        <p:txBody>
+          <a:bodyPr rtlCol="0" anchor="ctr"/>
+          <a:lstStyle/>
+          <a:p>
+            <a:pPr algn="ctr"/>
+            <a:r>
+              <a:rPr lang="en-US" sz="1200" dirty="0">
+                <a:solidFill>
+                  <a:schemeClr val="tx1"/>
+                </a:solidFill>
+              </a:rPr>
+              <a:t>utils.py</a:t>
+            </a:r>
+          </a:p>
+        </p:txBody>
+      </p:sp>
+      <p:cxnSp>
+        <p:nvCxnSpPr>
+          <p:cNvPr id="23" name="Connector: Elbow 22">
+            <a:extLst>
+              <a:ext uri="{FF2B5EF4-FFF2-40B4-BE49-F238E27FC236}">
+                <a16:creationId xmlns:a16="http://schemas.microsoft.com/office/drawing/2014/main" id="{49C3FB25-83D8-4E95-BD84-5541CFEC5645}"/>
+              </a:ext>
+            </a:extLst>
+          </p:cNvPr>
+          <p:cNvCxnSpPr>
+            <a:cxnSpLocks/>
+            <a:stCxn id="17" idx="3"/>
+            <a:endCxn id="11" idx="1"/>
+          </p:cNvCxnSpPr>
+          <p:nvPr/>
+        </p:nvCxnSpPr>
+        <p:spPr>
+          <a:xfrm>
+            <a:off x="3262706" y="2361675"/>
+            <a:ext cx="667638" cy="349506"/>
+          </a:xfrm>
+          <a:prstGeom prst="bentConnector3">
+            <a:avLst/>
+          </a:prstGeom>
+          <a:ln w="12700">
+            <a:solidFill>
+              <a:schemeClr val="bg2">
+                <a:lumMod val="25000"/>
+              </a:schemeClr>
+            </a:solidFill>
+            <a:tailEnd type="triangle"/>
+          </a:ln>
+        </p:spPr>
+        <p:style>
+          <a:lnRef idx="1">
+            <a:schemeClr val="accent1"/>
+          </a:lnRef>
+          <a:fillRef idx="0">
+            <a:schemeClr val="accent1"/>
+          </a:fillRef>
+          <a:effectRef idx="0">
+            <a:schemeClr val="accent1"/>
+          </a:effectRef>
+          <a:fontRef idx="minor">
+            <a:schemeClr val="tx1"/>
+          </a:fontRef>
+        </p:style>
+      </p:cxnSp>
+      <p:cxnSp>
+        <p:nvCxnSpPr>
+          <p:cNvPr id="24" name="Connector: Elbow 23">
+            <a:extLst>
+              <a:ext uri="{FF2B5EF4-FFF2-40B4-BE49-F238E27FC236}">
+                <a16:creationId xmlns:a16="http://schemas.microsoft.com/office/drawing/2014/main" id="{10EA5A75-8647-4FB0-B927-BB03A4B35E3D}"/>
+              </a:ext>
+            </a:extLst>
+          </p:cNvPr>
+          <p:cNvCxnSpPr>
+            <a:cxnSpLocks/>
+            <a:stCxn id="17" idx="3"/>
+            <a:endCxn id="12" idx="1"/>
+          </p:cNvCxnSpPr>
+          <p:nvPr/>
+        </p:nvCxnSpPr>
+        <p:spPr>
+          <a:xfrm>
+            <a:off x="3262706" y="2361675"/>
+            <a:ext cx="667638" cy="699012"/>
+          </a:xfrm>
+          <a:prstGeom prst="bentConnector3">
+            <a:avLst/>
+          </a:prstGeom>
+          <a:ln w="12700">
+            <a:solidFill>
+              <a:schemeClr val="bg2">
+                <a:lumMod val="25000"/>
+              </a:schemeClr>
+            </a:solidFill>
+            <a:tailEnd type="triangle"/>
+          </a:ln>
+        </p:spPr>
+        <p:style>
+          <a:lnRef idx="1">
+            <a:schemeClr val="accent1"/>
+          </a:lnRef>
+          <a:fillRef idx="0">
+            <a:schemeClr val="accent1"/>
+          </a:fillRef>
+          <a:effectRef idx="0">
+            <a:schemeClr val="accent1"/>
+          </a:effectRef>
+          <a:fontRef idx="minor">
+            <a:schemeClr val="tx1"/>
+          </a:fontRef>
+        </p:style>
+      </p:cxnSp>
+      <p:cxnSp>
+        <p:nvCxnSpPr>
+          <p:cNvPr id="25" name="Connector: Elbow 24">
+            <a:extLst>
+              <a:ext uri="{FF2B5EF4-FFF2-40B4-BE49-F238E27FC236}">
+                <a16:creationId xmlns:a16="http://schemas.microsoft.com/office/drawing/2014/main" id="{1BB642AD-5C94-4DAB-B81B-72C91EE4B303}"/>
+              </a:ext>
+            </a:extLst>
+          </p:cNvPr>
+          <p:cNvCxnSpPr>
+            <a:cxnSpLocks/>
+            <a:stCxn id="17" idx="3"/>
+            <a:endCxn id="22" idx="1"/>
+          </p:cNvCxnSpPr>
+          <p:nvPr/>
+        </p:nvCxnSpPr>
+        <p:spPr>
+          <a:xfrm>
+            <a:off x="3262706" y="2361675"/>
+            <a:ext cx="691778" cy="1049277"/>
+          </a:xfrm>
+          <a:prstGeom prst="bentConnector3">
+            <a:avLst>
+              <a:gd name="adj1" fmla="val 48787"/>
+            </a:avLst>
+          </a:prstGeom>
+          <a:ln w="12700">
+            <a:solidFill>
+              <a:schemeClr val="bg2">
+                <a:lumMod val="25000"/>
+              </a:schemeClr>
+            </a:solidFill>
+            <a:tailEnd type="triangle"/>
+          </a:ln>
+        </p:spPr>
+        <p:style>
+          <a:lnRef idx="1">
+            <a:schemeClr val="accent1"/>
+          </a:lnRef>
+          <a:fillRef idx="0">
+            <a:schemeClr val="accent1"/>
+          </a:fillRef>
+          <a:effectRef idx="0">
+            <a:schemeClr val="accent1"/>
+          </a:effectRef>
+          <a:fontRef idx="minor">
+            <a:schemeClr val="tx1"/>
+          </a:fontRef>
+        </p:style>
+      </p:cxnSp>
+      <p:cxnSp>
+        <p:nvCxnSpPr>
+          <p:cNvPr id="26" name="Connector: Elbow 25">
+            <a:extLst>
+              <a:ext uri="{FF2B5EF4-FFF2-40B4-BE49-F238E27FC236}">
+                <a16:creationId xmlns:a16="http://schemas.microsoft.com/office/drawing/2014/main" id="{A3F670AE-09D7-4A53-A4C8-3835015C3193}"/>
+              </a:ext>
+            </a:extLst>
+          </p:cNvPr>
+          <p:cNvCxnSpPr>
+            <a:cxnSpLocks/>
+            <a:stCxn id="18" idx="3"/>
+            <a:endCxn id="20" idx="1"/>
+          </p:cNvCxnSpPr>
+          <p:nvPr/>
+        </p:nvCxnSpPr>
+        <p:spPr>
+          <a:xfrm>
+            <a:off x="3262704" y="5230497"/>
+            <a:ext cx="691779" cy="350273"/>
+          </a:xfrm>
+          <a:prstGeom prst="bentConnector3">
+            <a:avLst/>
+          </a:prstGeom>
+          <a:ln w="12700">
+            <a:solidFill>
+              <a:schemeClr val="bg2">
+                <a:lumMod val="25000"/>
+              </a:schemeClr>
+            </a:solidFill>
+            <a:tailEnd type="triangle"/>
+          </a:ln>
+        </p:spPr>
+        <p:style>
+          <a:lnRef idx="1">
+            <a:schemeClr val="accent1"/>
+          </a:lnRef>
+          <a:fillRef idx="0">
+            <a:schemeClr val="accent1"/>
+          </a:fillRef>
+          <a:effectRef idx="0">
+            <a:schemeClr val="accent1"/>
+          </a:effectRef>
+          <a:fontRef idx="minor">
+            <a:schemeClr val="tx1"/>
+          </a:fontRef>
+        </p:style>
+      </p:cxnSp>
+      <p:cxnSp>
+        <p:nvCxnSpPr>
+          <p:cNvPr id="27" name="Connector: Elbow 26">
+            <a:extLst>
+              <a:ext uri="{FF2B5EF4-FFF2-40B4-BE49-F238E27FC236}">
+                <a16:creationId xmlns:a16="http://schemas.microsoft.com/office/drawing/2014/main" id="{568EC07B-8F7F-479D-ADC3-112130C36681}"/>
+              </a:ext>
+            </a:extLst>
+          </p:cNvPr>
+          <p:cNvCxnSpPr>
+            <a:cxnSpLocks/>
+            <a:stCxn id="18" idx="3"/>
+            <a:endCxn id="21" idx="1"/>
+          </p:cNvCxnSpPr>
+          <p:nvPr/>
+        </p:nvCxnSpPr>
+        <p:spPr>
+          <a:xfrm>
+            <a:off x="3262704" y="5230497"/>
+            <a:ext cx="691779" cy="699779"/>
+          </a:xfrm>
+          <a:prstGeom prst="bentConnector3">
+            <a:avLst>
+              <a:gd name="adj1" fmla="val 50000"/>
+            </a:avLst>
+          </a:prstGeom>
+          <a:ln w="12700">
+            <a:solidFill>
+              <a:schemeClr val="bg2">
+                <a:lumMod val="25000"/>
+              </a:schemeClr>
+            </a:solidFill>
+            <a:tailEnd type="triangle"/>
+          </a:ln>
+        </p:spPr>
+        <p:style>
+          <a:lnRef idx="1">
+            <a:schemeClr val="accent1"/>
+          </a:lnRef>
+          <a:fillRef idx="0">
+            <a:schemeClr val="accent1"/>
+          </a:fillRef>
+          <a:effectRef idx="0">
+            <a:schemeClr val="accent1"/>
+          </a:effectRef>
+          <a:fontRef idx="minor">
+            <a:schemeClr val="tx1"/>
+          </a:fontRef>
+        </p:style>
+      </p:cxnSp>
+      <p:cxnSp>
+        <p:nvCxnSpPr>
+          <p:cNvPr id="28" name="Straight Arrow Connector 27">
+            <a:extLst>
+              <a:ext uri="{FF2B5EF4-FFF2-40B4-BE49-F238E27FC236}">
+                <a16:creationId xmlns:a16="http://schemas.microsoft.com/office/drawing/2014/main" id="{8CAD9EB7-E361-4E99-AB98-71EBCF4F0122}"/>
+              </a:ext>
+            </a:extLst>
+          </p:cNvPr>
+          <p:cNvCxnSpPr>
+            <a:cxnSpLocks/>
+            <a:stCxn id="17" idx="3"/>
+            <a:endCxn id="10" idx="1"/>
+          </p:cNvCxnSpPr>
+          <p:nvPr/>
+        </p:nvCxnSpPr>
+        <p:spPr>
+          <a:xfrm>
+            <a:off x="3262706" y="2361675"/>
+            <a:ext cx="667638" cy="0"/>
+          </a:xfrm>
+          <a:prstGeom prst="straightConnector1">
+            <a:avLst/>
+          </a:prstGeom>
+          <a:ln w="12700">
+            <a:solidFill>
+              <a:schemeClr val="bg2">
+                <a:lumMod val="25000"/>
+              </a:schemeClr>
+            </a:solidFill>
+            <a:tailEnd type="triangle"/>
+          </a:ln>
+        </p:spPr>
+        <p:style>
+          <a:lnRef idx="1">
+            <a:schemeClr val="accent1"/>
+          </a:lnRef>
+          <a:fillRef idx="0">
+            <a:schemeClr val="accent1"/>
+          </a:fillRef>
+          <a:effectRef idx="0">
+            <a:schemeClr val="accent1"/>
+          </a:effectRef>
+          <a:fontRef idx="minor">
+            <a:schemeClr val="tx1"/>
+          </a:fontRef>
+        </p:style>
+      </p:cxnSp>
+      <p:cxnSp>
+        <p:nvCxnSpPr>
+          <p:cNvPr id="29" name="Straight Arrow Connector 28">
+            <a:extLst>
+              <a:ext uri="{FF2B5EF4-FFF2-40B4-BE49-F238E27FC236}">
+                <a16:creationId xmlns:a16="http://schemas.microsoft.com/office/drawing/2014/main" id="{842C7D89-82BC-4BCB-88E4-2950B2D89645}"/>
+              </a:ext>
+            </a:extLst>
+          </p:cNvPr>
+          <p:cNvCxnSpPr>
+            <a:cxnSpLocks/>
+            <a:stCxn id="18" idx="3"/>
+            <a:endCxn id="19" idx="1"/>
+          </p:cNvCxnSpPr>
+          <p:nvPr/>
+        </p:nvCxnSpPr>
+        <p:spPr>
+          <a:xfrm>
+            <a:off x="3262704" y="5230497"/>
+            <a:ext cx="691779" cy="768"/>
+          </a:xfrm>
+          <a:prstGeom prst="straightConnector1">
+            <a:avLst/>
+          </a:prstGeom>
+          <a:ln w="12700">
+            <a:solidFill>
+              <a:schemeClr val="bg2">
+                <a:lumMod val="25000"/>
+              </a:schemeClr>
+            </a:solidFill>
+            <a:tailEnd type="triangle"/>
+          </a:ln>
+        </p:spPr>
+        <p:style>
+          <a:lnRef idx="1">
+            <a:schemeClr val="accent1"/>
+          </a:lnRef>
+          <a:fillRef idx="0">
+            <a:schemeClr val="accent1"/>
+          </a:fillRef>
+          <a:effectRef idx="0">
+            <a:schemeClr val="accent1"/>
+          </a:effectRef>
+          <a:fontRef idx="minor">
+            <a:schemeClr val="tx1"/>
+          </a:fontRef>
+        </p:style>
+      </p:cxnSp>
+      <p:sp>
+        <p:nvSpPr>
+          <p:cNvPr id="30" name="Rectangle 29">
+            <a:extLst>
+              <a:ext uri="{FF2B5EF4-FFF2-40B4-BE49-F238E27FC236}">
+                <a16:creationId xmlns:a16="http://schemas.microsoft.com/office/drawing/2014/main" id="{0FFCBDE8-4825-4760-BB69-4FC82F527A0F}"/>
+              </a:ext>
+            </a:extLst>
+          </p:cNvPr>
+          <p:cNvSpPr/>
+          <p:nvPr/>
+        </p:nvSpPr>
+        <p:spPr>
+          <a:xfrm>
+            <a:off x="761650" y="1909763"/>
+            <a:ext cx="1116638" cy="232728"/>
+          </a:xfrm>
+          <a:prstGeom prst="rect">
+            <a:avLst/>
+          </a:prstGeom>
+          <a:solidFill>
+            <a:schemeClr val="bg2"/>
+          </a:solidFill>
+          <a:ln>
+            <a:solidFill>
+              <a:schemeClr val="bg2">
+                <a:lumMod val="25000"/>
+              </a:schemeClr>
+            </a:solidFill>
+          </a:ln>
+        </p:spPr>
+        <p:style>
+          <a:lnRef idx="2">
+            <a:schemeClr val="accent1">
+              <a:shade val="50000"/>
+            </a:schemeClr>
+          </a:lnRef>
+          <a:fillRef idx="1">
+            <a:schemeClr val="accent1"/>
+          </a:fillRef>
+          <a:effectRef idx="0">
+            <a:schemeClr val="accent1"/>
+          </a:effectRef>
+          <a:fontRef idx="minor">
+            <a:schemeClr val="lt1"/>
+          </a:fontRef>
+        </p:style>
+        <p:txBody>
+          <a:bodyPr rtlCol="0" anchor="ctr"/>
+          <a:lstStyle/>
+          <a:p>
+            <a:pPr algn="ctr"/>
+            <a:r>
+              <a:rPr lang="en-US" sz="1200" dirty="0" err="1">
+                <a:solidFill>
+                  <a:schemeClr val="tx1"/>
+                </a:solidFill>
+              </a:rPr>
+              <a:t>tsvalidation</a:t>
+            </a:r>
+            <a:endParaRPr lang="en-US" sz="1200" dirty="0">
+              <a:solidFill>
+                <a:schemeClr val="tx1"/>
+              </a:solidFill>
+            </a:endParaRPr>
+          </a:p>
+        </p:txBody>
+      </p:sp>
+      <p:cxnSp>
+        <p:nvCxnSpPr>
+          <p:cNvPr id="31" name="Connector: Elbow 30">
+            <a:extLst>
+              <a:ext uri="{FF2B5EF4-FFF2-40B4-BE49-F238E27FC236}">
+                <a16:creationId xmlns:a16="http://schemas.microsoft.com/office/drawing/2014/main" id="{91B93EDB-11B9-401E-8E8F-B9E4691B38D2}"/>
+              </a:ext>
+            </a:extLst>
+          </p:cNvPr>
+          <p:cNvCxnSpPr>
+            <a:cxnSpLocks/>
+            <a:stCxn id="30" idx="2"/>
+          </p:cNvCxnSpPr>
+          <p:nvPr/>
+        </p:nvCxnSpPr>
+        <p:spPr>
+          <a:xfrm rot="16200000" flipH="1">
+            <a:off x="1547807" y="1914653"/>
+            <a:ext cx="219184" cy="674860"/>
+          </a:xfrm>
+          <a:prstGeom prst="bentConnector2">
+            <a:avLst/>
+          </a:prstGeom>
+          <a:ln w="12700">
+            <a:solidFill>
+              <a:schemeClr val="bg2">
+                <a:lumMod val="25000"/>
+              </a:schemeClr>
+            </a:solidFill>
+            <a:tailEnd type="triangle"/>
+          </a:ln>
+        </p:spPr>
+        <p:style>
+          <a:lnRef idx="1">
+            <a:schemeClr val="accent1"/>
+          </a:lnRef>
+          <a:fillRef idx="0">
+            <a:schemeClr val="accent1"/>
+          </a:fillRef>
+          <a:effectRef idx="0">
+            <a:schemeClr val="accent1"/>
+          </a:effectRef>
+          <a:fontRef idx="minor">
+            <a:schemeClr val="tx1"/>
+          </a:fontRef>
+        </p:style>
+      </p:cxnSp>
+      <p:cxnSp>
+        <p:nvCxnSpPr>
+          <p:cNvPr id="32" name="Connector: Elbow 31">
+            <a:extLst>
+              <a:ext uri="{FF2B5EF4-FFF2-40B4-BE49-F238E27FC236}">
+                <a16:creationId xmlns:a16="http://schemas.microsoft.com/office/drawing/2014/main" id="{FA33E843-587C-4C73-8B4B-56A069580C3D}"/>
+              </a:ext>
+            </a:extLst>
+          </p:cNvPr>
+          <p:cNvCxnSpPr>
+            <a:cxnSpLocks/>
+            <a:stCxn id="30" idx="2"/>
+          </p:cNvCxnSpPr>
+          <p:nvPr/>
+        </p:nvCxnSpPr>
+        <p:spPr>
+          <a:xfrm rot="16200000" flipH="1">
+            <a:off x="815187" y="2647273"/>
+            <a:ext cx="1684427" cy="674862"/>
+          </a:xfrm>
+          <a:prstGeom prst="bentConnector2">
+            <a:avLst/>
+          </a:prstGeom>
+          <a:ln w="12700">
+            <a:solidFill>
+              <a:schemeClr val="bg2">
+                <a:lumMod val="25000"/>
+              </a:schemeClr>
+            </a:solidFill>
+            <a:tailEnd type="triangle"/>
+          </a:ln>
+        </p:spPr>
+        <p:style>
+          <a:lnRef idx="1">
+            <a:schemeClr val="accent1"/>
+          </a:lnRef>
+          <a:fillRef idx="0">
+            <a:schemeClr val="accent1"/>
+          </a:fillRef>
+          <a:effectRef idx="0">
+            <a:schemeClr val="accent1"/>
+          </a:effectRef>
+          <a:fontRef idx="minor">
+            <a:schemeClr val="tx1"/>
+          </a:fontRef>
+        </p:style>
+      </p:cxnSp>
+      <p:cxnSp>
+        <p:nvCxnSpPr>
+          <p:cNvPr id="33" name="Connector: Elbow 32">
+            <a:extLst>
+              <a:ext uri="{FF2B5EF4-FFF2-40B4-BE49-F238E27FC236}">
+                <a16:creationId xmlns:a16="http://schemas.microsoft.com/office/drawing/2014/main" id="{EFC72967-C907-4CCF-809E-F70CC9D3A3BB}"/>
+              </a:ext>
+            </a:extLst>
+          </p:cNvPr>
+          <p:cNvCxnSpPr>
+            <a:cxnSpLocks/>
+            <a:stCxn id="30" idx="2"/>
+          </p:cNvCxnSpPr>
+          <p:nvPr/>
+        </p:nvCxnSpPr>
+        <p:spPr>
+          <a:xfrm rot="16200000" flipH="1">
+            <a:off x="640433" y="2822026"/>
+            <a:ext cx="2033933" cy="674861"/>
+          </a:xfrm>
+          <a:prstGeom prst="bentConnector2">
+            <a:avLst/>
+          </a:prstGeom>
+          <a:ln w="12700">
+            <a:solidFill>
+              <a:schemeClr val="bg2">
+                <a:lumMod val="25000"/>
+              </a:schemeClr>
+            </a:solidFill>
+            <a:tailEnd type="triangle"/>
+          </a:ln>
+        </p:spPr>
+        <p:style>
+          <a:lnRef idx="1">
+            <a:schemeClr val="accent1"/>
+          </a:lnRef>
+          <a:fillRef idx="0">
+            <a:schemeClr val="accent1"/>
+          </a:fillRef>
+          <a:effectRef idx="0">
+            <a:schemeClr val="accent1"/>
+          </a:effectRef>
+          <a:fontRef idx="minor">
+            <a:schemeClr val="tx1"/>
+          </a:fontRef>
+        </p:style>
+      </p:cxnSp>
+      <p:cxnSp>
+        <p:nvCxnSpPr>
+          <p:cNvPr id="34" name="Connector: Elbow 33">
+            <a:extLst>
+              <a:ext uri="{FF2B5EF4-FFF2-40B4-BE49-F238E27FC236}">
+                <a16:creationId xmlns:a16="http://schemas.microsoft.com/office/drawing/2014/main" id="{68C2ED1C-1BE3-4021-84A1-D86AE233EA80}"/>
+              </a:ext>
+            </a:extLst>
+          </p:cNvPr>
+          <p:cNvCxnSpPr>
+            <a:cxnSpLocks/>
+            <a:stCxn id="30" idx="2"/>
+          </p:cNvCxnSpPr>
+          <p:nvPr/>
+        </p:nvCxnSpPr>
+        <p:spPr>
+          <a:xfrm rot="16200000" flipH="1">
+            <a:off x="465680" y="2996780"/>
+            <a:ext cx="2383439" cy="674860"/>
+          </a:xfrm>
+          <a:prstGeom prst="bentConnector2">
+            <a:avLst/>
+          </a:prstGeom>
+          <a:ln w="12700">
+            <a:solidFill>
+              <a:schemeClr val="bg2">
+                <a:lumMod val="25000"/>
+              </a:schemeClr>
+            </a:solidFill>
+            <a:tailEnd type="triangle"/>
+          </a:ln>
+        </p:spPr>
+        <p:style>
+          <a:lnRef idx="1">
+            <a:schemeClr val="accent1"/>
+          </a:lnRef>
+          <a:fillRef idx="0">
+            <a:schemeClr val="accent1"/>
+          </a:fillRef>
+          <a:effectRef idx="0">
+            <a:schemeClr val="accent1"/>
+          </a:effectRef>
+          <a:fontRef idx="minor">
+            <a:schemeClr val="tx1"/>
+          </a:fontRef>
+        </p:style>
+      </p:cxnSp>
+      <p:cxnSp>
+        <p:nvCxnSpPr>
+          <p:cNvPr id="35" name="Connector: Elbow 34">
+            <a:extLst>
+              <a:ext uri="{FF2B5EF4-FFF2-40B4-BE49-F238E27FC236}">
+                <a16:creationId xmlns:a16="http://schemas.microsoft.com/office/drawing/2014/main" id="{493EFA7F-DD57-45C4-AB59-9936347AA7CC}"/>
+              </a:ext>
+            </a:extLst>
+          </p:cNvPr>
+          <p:cNvCxnSpPr>
+            <a:cxnSpLocks/>
+            <a:stCxn id="30" idx="2"/>
+          </p:cNvCxnSpPr>
+          <p:nvPr/>
+        </p:nvCxnSpPr>
+        <p:spPr>
+          <a:xfrm rot="16200000" flipH="1">
+            <a:off x="286731" y="3175729"/>
+            <a:ext cx="2741334" cy="674858"/>
+          </a:xfrm>
+          <a:prstGeom prst="bentConnector2">
+            <a:avLst/>
+          </a:prstGeom>
+          <a:ln w="12700">
+            <a:solidFill>
+              <a:schemeClr val="bg2">
+                <a:lumMod val="25000"/>
+              </a:schemeClr>
+            </a:solidFill>
+            <a:tailEnd type="triangle"/>
+          </a:ln>
+        </p:spPr>
+        <p:style>
+          <a:lnRef idx="1">
+            <a:schemeClr val="accent1"/>
+          </a:lnRef>
+          <a:fillRef idx="0">
+            <a:schemeClr val="accent1"/>
+          </a:fillRef>
+          <a:effectRef idx="0">
+            <a:schemeClr val="accent1"/>
+          </a:effectRef>
+          <a:fontRef idx="minor">
+            <a:schemeClr val="tx1"/>
+          </a:fontRef>
+        </p:style>
+      </p:cxnSp>
+      <p:cxnSp>
+        <p:nvCxnSpPr>
+          <p:cNvPr id="36" name="Connector: Elbow 35">
+            <a:extLst>
+              <a:ext uri="{FF2B5EF4-FFF2-40B4-BE49-F238E27FC236}">
+                <a16:creationId xmlns:a16="http://schemas.microsoft.com/office/drawing/2014/main" id="{2E427606-0BFE-4D96-B433-F5264B395EC6}"/>
+              </a:ext>
+            </a:extLst>
+          </p:cNvPr>
+          <p:cNvCxnSpPr>
+            <a:cxnSpLocks/>
+            <a:stCxn id="30" idx="2"/>
+          </p:cNvCxnSpPr>
+          <p:nvPr/>
+        </p:nvCxnSpPr>
+        <p:spPr>
+          <a:xfrm rot="16200000" flipH="1">
+            <a:off x="113395" y="3349065"/>
+            <a:ext cx="3088006" cy="674858"/>
+          </a:xfrm>
+          <a:prstGeom prst="bentConnector2">
+            <a:avLst/>
+          </a:prstGeom>
+          <a:ln w="12700">
+            <a:solidFill>
+              <a:schemeClr val="bg2">
+                <a:lumMod val="25000"/>
+              </a:schemeClr>
+            </a:solidFill>
+            <a:tailEnd type="triangle"/>
+          </a:ln>
+        </p:spPr>
+        <p:style>
+          <a:lnRef idx="1">
+            <a:schemeClr val="accent1"/>
+          </a:lnRef>
+          <a:fillRef idx="0">
+            <a:schemeClr val="accent1"/>
+          </a:fillRef>
+          <a:effectRef idx="0">
+            <a:schemeClr val="accent1"/>
+          </a:effectRef>
+          <a:fontRef idx="minor">
+            <a:schemeClr val="tx1"/>
+          </a:fontRef>
+        </p:style>
+      </p:cxnSp>
+      <p:sp>
+        <p:nvSpPr>
+          <p:cNvPr id="37" name="Rectangle 36">
+            <a:extLst>
+              <a:ext uri="{FF2B5EF4-FFF2-40B4-BE49-F238E27FC236}">
+                <a16:creationId xmlns:a16="http://schemas.microsoft.com/office/drawing/2014/main" id="{5D5535CD-37BA-45FF-A7B2-6AF63D1145CA}"/>
+              </a:ext>
+            </a:extLst>
+          </p:cNvPr>
+          <p:cNvSpPr/>
+          <p:nvPr/>
+        </p:nvSpPr>
+        <p:spPr>
+          <a:xfrm>
+            <a:off x="3954483" y="6163417"/>
+            <a:ext cx="2707891" cy="232728"/>
+          </a:xfrm>
+          <a:prstGeom prst="rect">
+            <a:avLst/>
+          </a:prstGeom>
+          <a:solidFill>
+            <a:schemeClr val="bg2"/>
+          </a:solidFill>
+          <a:ln>
+            <a:solidFill>
+              <a:schemeClr val="bg2">
+                <a:lumMod val="25000"/>
+              </a:schemeClr>
+            </a:solidFill>
+          </a:ln>
+        </p:spPr>
+        <p:style>
+          <a:lnRef idx="2">
+            <a:schemeClr val="accent1">
+              <a:shade val="50000"/>
+            </a:schemeClr>
+          </a:lnRef>
+          <a:fillRef idx="1">
+            <a:schemeClr val="accent1"/>
+          </a:fillRef>
+          <a:effectRef idx="0">
+            <a:schemeClr val="accent1"/>
+          </a:effectRef>
+          <a:fontRef idx="minor">
+            <a:schemeClr val="lt1"/>
+          </a:fontRef>
+        </p:style>
+        <p:txBody>
+          <a:bodyPr rtlCol="0" anchor="ctr"/>
+          <a:lstStyle/>
+          <a:p>
+            <a:pPr algn="ctr"/>
+            <a:r>
+              <a:rPr lang="en-US" sz="1200" dirty="0">
+                <a:solidFill>
+                  <a:schemeClr val="tx1"/>
+                </a:solidFill>
+              </a:rPr>
+              <a:t>datasets</a:t>
+            </a:r>
+          </a:p>
+        </p:txBody>
+      </p:sp>
+      <p:cxnSp>
+        <p:nvCxnSpPr>
+          <p:cNvPr id="38" name="Connector: Elbow 37">
+            <a:extLst>
+              <a:ext uri="{FF2B5EF4-FFF2-40B4-BE49-F238E27FC236}">
+                <a16:creationId xmlns:a16="http://schemas.microsoft.com/office/drawing/2014/main" id="{CCA489C4-D1BE-499A-97B8-DA04099321BA}"/>
+              </a:ext>
+            </a:extLst>
+          </p:cNvPr>
+          <p:cNvCxnSpPr>
+            <a:cxnSpLocks/>
+            <a:stCxn id="18" idx="3"/>
+            <a:endCxn id="37" idx="1"/>
+          </p:cNvCxnSpPr>
+          <p:nvPr/>
+        </p:nvCxnSpPr>
+        <p:spPr>
+          <a:xfrm>
+            <a:off x="3262704" y="5230497"/>
+            <a:ext cx="691779" cy="1049284"/>
+          </a:xfrm>
+          <a:prstGeom prst="bentConnector3">
+            <a:avLst>
+              <a:gd name="adj1" fmla="val 50000"/>
+            </a:avLst>
+          </a:prstGeom>
+          <a:ln w="12700">
+            <a:solidFill>
+              <a:schemeClr val="bg2">
+                <a:lumMod val="25000"/>
+              </a:schemeClr>
+            </a:solidFill>
+            <a:tailEnd type="triangle"/>
+          </a:ln>
+        </p:spPr>
+        <p:style>
+          <a:lnRef idx="1">
+            <a:schemeClr val="accent1"/>
+          </a:lnRef>
+          <a:fillRef idx="0">
+            <a:schemeClr val="accent1"/>
+          </a:fillRef>
+          <a:effectRef idx="0">
+            <a:schemeClr val="accent1"/>
+          </a:effectRef>
+          <a:fontRef idx="minor">
+            <a:schemeClr val="tx1"/>
+          </a:fontRef>
+        </p:style>
+      </p:cxnSp>
+      <p:sp>
+        <p:nvSpPr>
+          <p:cNvPr id="39" name="Rectangle 38">
+            <a:extLst>
+              <a:ext uri="{FF2B5EF4-FFF2-40B4-BE49-F238E27FC236}">
+                <a16:creationId xmlns:a16="http://schemas.microsoft.com/office/drawing/2014/main" id="{DDE3F249-EBF0-4515-84DB-12BBCF69EFF7}"/>
+              </a:ext>
+            </a:extLst>
+          </p:cNvPr>
+          <p:cNvSpPr/>
+          <p:nvPr/>
+        </p:nvSpPr>
+        <p:spPr>
+          <a:xfrm>
+            <a:off x="3954484" y="3614885"/>
+            <a:ext cx="2683752" cy="232728"/>
+          </a:xfrm>
+          <a:prstGeom prst="rect">
+            <a:avLst/>
+          </a:prstGeom>
+          <a:solidFill>
+            <a:schemeClr val="bg2"/>
+          </a:solidFill>
+          <a:ln>
+            <a:solidFill>
+              <a:schemeClr val="bg2">
+                <a:lumMod val="25000"/>
+              </a:schemeClr>
+            </a:solidFill>
+          </a:ln>
+        </p:spPr>
+        <p:style>
+          <a:lnRef idx="2">
+            <a:schemeClr val="accent1">
+              <a:shade val="50000"/>
+            </a:schemeClr>
+          </a:lnRef>
+          <a:fillRef idx="1">
+            <a:schemeClr val="accent1"/>
+          </a:fillRef>
+          <a:effectRef idx="0">
+            <a:schemeClr val="accent1"/>
+          </a:effectRef>
+          <a:fontRef idx="minor">
+            <a:schemeClr val="lt1"/>
+          </a:fontRef>
+        </p:style>
+        <p:txBody>
+          <a:bodyPr rtlCol="0" anchor="ctr"/>
+          <a:lstStyle/>
+          <a:p>
+            <a:pPr algn="ctr"/>
+            <a:r>
+              <a:rPr lang="en-US" sz="1200" dirty="0">
+                <a:solidFill>
+                  <a:schemeClr val="tx1"/>
+                </a:solidFill>
+              </a:rPr>
+              <a:t>data_characteristics.py</a:t>
+            </a:r>
+          </a:p>
+        </p:txBody>
+      </p:sp>
+      <p:cxnSp>
+        <p:nvCxnSpPr>
+          <p:cNvPr id="40" name="Connector: Elbow 39">
+            <a:extLst>
+              <a:ext uri="{FF2B5EF4-FFF2-40B4-BE49-F238E27FC236}">
+                <a16:creationId xmlns:a16="http://schemas.microsoft.com/office/drawing/2014/main" id="{8A8E5390-03B0-417A-A6CC-69EC342E4763}"/>
+              </a:ext>
+            </a:extLst>
+          </p:cNvPr>
+          <p:cNvCxnSpPr>
+            <a:cxnSpLocks/>
+            <a:stCxn id="17" idx="3"/>
+            <a:endCxn id="39" idx="1"/>
+          </p:cNvCxnSpPr>
+          <p:nvPr/>
+        </p:nvCxnSpPr>
+        <p:spPr>
+          <a:xfrm>
+            <a:off x="3262706" y="2361675"/>
+            <a:ext cx="691778" cy="1369574"/>
+          </a:xfrm>
+          <a:prstGeom prst="bentConnector3">
+            <a:avLst>
+              <a:gd name="adj1" fmla="val 48787"/>
+            </a:avLst>
+          </a:prstGeom>
+          <a:ln w="12700">
+            <a:solidFill>
+              <a:schemeClr val="bg2">
+                <a:lumMod val="25000"/>
+              </a:schemeClr>
+            </a:solidFill>
+            <a:tailEnd type="triangle"/>
+          </a:ln>
+        </p:spPr>
+        <p:style>
+          <a:lnRef idx="1">
+            <a:schemeClr val="accent1"/>
+          </a:lnRef>
+          <a:fillRef idx="0">
+            <a:schemeClr val="accent1"/>
+          </a:fillRef>
+          <a:effectRef idx="0">
+            <a:schemeClr val="accent1"/>
+          </a:effectRef>
+          <a:fontRef idx="minor">
+            <a:schemeClr val="tx1"/>
+          </a:fontRef>
+        </p:style>
+      </p:cxnSp>
+      <p:sp>
+        <p:nvSpPr>
+          <p:cNvPr id="42" name="TextBox 41">
+            <a:extLst>
+              <a:ext uri="{FF2B5EF4-FFF2-40B4-BE49-F238E27FC236}">
+                <a16:creationId xmlns:a16="http://schemas.microsoft.com/office/drawing/2014/main" id="{399B0709-337D-45BA-AFCF-2441EDE66F2E}"/>
+              </a:ext>
+            </a:extLst>
+          </p:cNvPr>
+          <p:cNvSpPr txBox="1"/>
+          <p:nvPr/>
+        </p:nvSpPr>
+        <p:spPr>
+          <a:xfrm>
+            <a:off x="3249997" y="1635119"/>
+            <a:ext cx="1360694" cy="307777"/>
+          </a:xfrm>
+          <a:prstGeom prst="rect">
+            <a:avLst/>
+          </a:prstGeom>
+          <a:noFill/>
+        </p:spPr>
+        <p:txBody>
+          <a:bodyPr wrap="none" rtlCol="0">
+            <a:spAutoFit/>
+          </a:bodyPr>
+          <a:lstStyle/>
+          <a:p>
+            <a:pPr algn="ctr"/>
+            <a:r>
+              <a:rPr lang="en-US" sz="1400" b="1" dirty="0"/>
+              <a:t>Python Package</a:t>
+            </a:r>
+          </a:p>
+        </p:txBody>
+      </p:sp>
+      <p:grpSp>
+        <p:nvGrpSpPr>
+          <p:cNvPr id="54" name="Group 53">
+            <a:extLst>
+              <a:ext uri="{FF2B5EF4-FFF2-40B4-BE49-F238E27FC236}">
+                <a16:creationId xmlns:a16="http://schemas.microsoft.com/office/drawing/2014/main" id="{7084E764-E769-4F32-B18A-57D91CA497AE}"/>
+              </a:ext>
+            </a:extLst>
+          </p:cNvPr>
+          <p:cNvGrpSpPr/>
+          <p:nvPr/>
+        </p:nvGrpSpPr>
+        <p:grpSpPr>
+          <a:xfrm>
+            <a:off x="10136311" y="448403"/>
+            <a:ext cx="1789232" cy="282476"/>
+            <a:chOff x="10441111" y="401764"/>
+            <a:chExt cx="1789232" cy="282476"/>
+          </a:xfrm>
+        </p:grpSpPr>
+        <p:sp>
+          <p:nvSpPr>
+            <p:cNvPr id="9" name="Oval 8">
+              <a:extLst>
+                <a:ext uri="{FF2B5EF4-FFF2-40B4-BE49-F238E27FC236}">
+                  <a16:creationId xmlns:a16="http://schemas.microsoft.com/office/drawing/2014/main" id="{79819708-2D14-47D9-A779-63CCE56E805F}"/>
+                </a:ext>
+              </a:extLst>
+            </p:cNvPr>
+            <p:cNvSpPr/>
+            <p:nvPr/>
+          </p:nvSpPr>
+          <p:spPr>
+            <a:xfrm>
+              <a:off x="10441111" y="427065"/>
+              <a:ext cx="257175" cy="257175"/>
+            </a:xfrm>
+            <a:prstGeom prst="ellipse">
+              <a:avLst/>
+            </a:prstGeom>
+            <a:solidFill>
+              <a:schemeClr val="accent4"/>
+            </a:solidFill>
+            <a:ln>
+              <a:noFill/>
+            </a:ln>
+          </p:spPr>
+          <p:style>
+            <a:lnRef idx="2">
+              <a:schemeClr val="accent1">
+                <a:shade val="50000"/>
+              </a:schemeClr>
+            </a:lnRef>
+            <a:fillRef idx="1">
+              <a:schemeClr val="accent1"/>
+            </a:fillRef>
+            <a:effectRef idx="0">
+              <a:schemeClr val="accent1"/>
+            </a:effectRef>
+            <a:fontRef idx="minor">
+              <a:schemeClr val="lt1"/>
+            </a:fontRef>
+          </p:style>
+          <p:txBody>
+            <a:bodyPr rtlCol="0" anchor="ctr"/>
+            <a:lstStyle/>
+            <a:p>
+              <a:pPr algn="ctr"/>
+              <a:endParaRPr lang="en-US" sz="1200"/>
+            </a:p>
+          </p:txBody>
+        </p:sp>
+        <p:sp>
+          <p:nvSpPr>
+            <p:cNvPr id="49" name="TextBox 48">
+              <a:extLst>
+                <a:ext uri="{FF2B5EF4-FFF2-40B4-BE49-F238E27FC236}">
+                  <a16:creationId xmlns:a16="http://schemas.microsoft.com/office/drawing/2014/main" id="{613FD2CA-5B71-4D88-8AB4-339E4B6CA645}"/>
+                </a:ext>
+              </a:extLst>
+            </p:cNvPr>
+            <p:cNvSpPr txBox="1"/>
+            <p:nvPr/>
+          </p:nvSpPr>
+          <p:spPr>
+            <a:xfrm>
+              <a:off x="10739679" y="401764"/>
+              <a:ext cx="1490664" cy="276999"/>
+            </a:xfrm>
+            <a:prstGeom prst="rect">
+              <a:avLst/>
+            </a:prstGeom>
+            <a:noFill/>
+          </p:spPr>
+          <p:txBody>
+            <a:bodyPr wrap="none" rtlCol="0">
+              <a:spAutoFit/>
+            </a:bodyPr>
+            <a:lstStyle/>
+            <a:p>
+              <a:r>
+                <a:rPr lang="en-US" sz="1200" dirty="0" err="1"/>
+                <a:t>Em</a:t>
+              </a:r>
+              <a:r>
+                <a:rPr lang="en-US" sz="1200" dirty="0"/>
+                <a:t> </a:t>
+              </a:r>
+              <a:r>
+                <a:rPr lang="en-US" sz="1200" dirty="0" err="1"/>
+                <a:t>desenvolvimento</a:t>
+              </a:r>
+              <a:endParaRPr lang="en-US" sz="1200" dirty="0"/>
+            </a:p>
+          </p:txBody>
+        </p:sp>
+      </p:grpSp>
+      <p:grpSp>
+        <p:nvGrpSpPr>
+          <p:cNvPr id="52" name="Group 51">
+            <a:extLst>
+              <a:ext uri="{FF2B5EF4-FFF2-40B4-BE49-F238E27FC236}">
+                <a16:creationId xmlns:a16="http://schemas.microsoft.com/office/drawing/2014/main" id="{886F4328-CABB-43AE-8CC3-89D0D19D7F66}"/>
+              </a:ext>
+            </a:extLst>
+          </p:cNvPr>
+          <p:cNvGrpSpPr/>
+          <p:nvPr/>
+        </p:nvGrpSpPr>
+        <p:grpSpPr>
+          <a:xfrm>
+            <a:off x="10136311" y="1093294"/>
+            <a:ext cx="1144488" cy="282476"/>
+            <a:chOff x="10445873" y="1179019"/>
+            <a:chExt cx="1144488" cy="282476"/>
+          </a:xfrm>
+        </p:grpSpPr>
+        <p:sp>
+          <p:nvSpPr>
+            <p:cNvPr id="45" name="Oval 44">
+              <a:extLst>
+                <a:ext uri="{FF2B5EF4-FFF2-40B4-BE49-F238E27FC236}">
+                  <a16:creationId xmlns:a16="http://schemas.microsoft.com/office/drawing/2014/main" id="{88C9026C-D1DC-4CCD-8366-EA92FD512CA2}"/>
+                </a:ext>
+              </a:extLst>
+            </p:cNvPr>
+            <p:cNvSpPr/>
+            <p:nvPr/>
+          </p:nvSpPr>
+          <p:spPr>
+            <a:xfrm>
+              <a:off x="10445873" y="1204320"/>
+              <a:ext cx="257175" cy="257175"/>
+            </a:xfrm>
+            <a:prstGeom prst="ellipse">
+              <a:avLst/>
+            </a:prstGeom>
+            <a:solidFill>
+              <a:srgbClr val="00682F"/>
+            </a:solidFill>
+            <a:ln>
+              <a:noFill/>
+            </a:ln>
+          </p:spPr>
+          <p:style>
+            <a:lnRef idx="2">
+              <a:schemeClr val="accent1">
+                <a:shade val="50000"/>
+              </a:schemeClr>
+            </a:lnRef>
+            <a:fillRef idx="1">
+              <a:schemeClr val="accent1"/>
+            </a:fillRef>
+            <a:effectRef idx="0">
+              <a:schemeClr val="accent1"/>
+            </a:effectRef>
+            <a:fontRef idx="minor">
+              <a:schemeClr val="lt1"/>
+            </a:fontRef>
+          </p:style>
+          <p:txBody>
+            <a:bodyPr rtlCol="0" anchor="ctr"/>
+            <a:lstStyle/>
+            <a:p>
+              <a:pPr algn="ctr"/>
+              <a:endParaRPr lang="en-US" sz="1200"/>
+            </a:p>
+          </p:txBody>
+        </p:sp>
+        <p:sp>
+          <p:nvSpPr>
+            <p:cNvPr id="50" name="TextBox 49">
+              <a:extLst>
+                <a:ext uri="{FF2B5EF4-FFF2-40B4-BE49-F238E27FC236}">
+                  <a16:creationId xmlns:a16="http://schemas.microsoft.com/office/drawing/2014/main" id="{EE5F2748-91F5-4D3E-AA14-FD5F9FFE6D70}"/>
+                </a:ext>
+              </a:extLst>
+            </p:cNvPr>
+            <p:cNvSpPr txBox="1"/>
+            <p:nvPr/>
+          </p:nvSpPr>
+          <p:spPr>
+            <a:xfrm>
+              <a:off x="10739679" y="1179019"/>
+              <a:ext cx="850682" cy="276999"/>
+            </a:xfrm>
+            <a:prstGeom prst="rect">
+              <a:avLst/>
+            </a:prstGeom>
+            <a:noFill/>
+          </p:spPr>
+          <p:txBody>
+            <a:bodyPr wrap="none" rtlCol="0">
+              <a:spAutoFit/>
+            </a:bodyPr>
+            <a:lstStyle/>
+            <a:p>
+              <a:r>
+                <a:rPr lang="en-US" sz="1200" dirty="0" err="1"/>
+                <a:t>Terminado</a:t>
+              </a:r>
+              <a:endParaRPr lang="en-US" sz="1200" dirty="0"/>
+            </a:p>
+          </p:txBody>
+        </p:sp>
+      </p:grpSp>
+      <p:grpSp>
+        <p:nvGrpSpPr>
+          <p:cNvPr id="53" name="Group 52">
+            <a:extLst>
+              <a:ext uri="{FF2B5EF4-FFF2-40B4-BE49-F238E27FC236}">
+                <a16:creationId xmlns:a16="http://schemas.microsoft.com/office/drawing/2014/main" id="{74EE4141-7B46-409C-95F1-9C5859CD4D88}"/>
+              </a:ext>
+            </a:extLst>
+          </p:cNvPr>
+          <p:cNvGrpSpPr/>
+          <p:nvPr/>
+        </p:nvGrpSpPr>
+        <p:grpSpPr>
+          <a:xfrm>
+            <a:off x="10136311" y="770849"/>
+            <a:ext cx="1568403" cy="282476"/>
+            <a:chOff x="10441111" y="778281"/>
+            <a:chExt cx="1568403" cy="282476"/>
+          </a:xfrm>
+        </p:grpSpPr>
+        <p:sp>
+          <p:nvSpPr>
+            <p:cNvPr id="47" name="Oval 46">
+              <a:extLst>
+                <a:ext uri="{FF2B5EF4-FFF2-40B4-BE49-F238E27FC236}">
+                  <a16:creationId xmlns:a16="http://schemas.microsoft.com/office/drawing/2014/main" id="{8F1628AE-4BE7-414C-9134-62844279AA84}"/>
+                </a:ext>
+              </a:extLst>
+            </p:cNvPr>
+            <p:cNvSpPr/>
+            <p:nvPr/>
+          </p:nvSpPr>
+          <p:spPr>
+            <a:xfrm>
+              <a:off x="10441111" y="803582"/>
+              <a:ext cx="257175" cy="257175"/>
+            </a:xfrm>
+            <a:prstGeom prst="ellipse">
+              <a:avLst/>
+            </a:prstGeom>
+            <a:solidFill>
+              <a:srgbClr val="92D050"/>
+            </a:solidFill>
+            <a:ln>
+              <a:noFill/>
+            </a:ln>
+          </p:spPr>
+          <p:style>
+            <a:lnRef idx="2">
+              <a:schemeClr val="accent1">
+                <a:shade val="50000"/>
+              </a:schemeClr>
+            </a:lnRef>
+            <a:fillRef idx="1">
+              <a:schemeClr val="accent1"/>
+            </a:fillRef>
+            <a:effectRef idx="0">
+              <a:schemeClr val="accent1"/>
+            </a:effectRef>
+            <a:fontRef idx="minor">
+              <a:schemeClr val="lt1"/>
+            </a:fontRef>
+          </p:style>
+          <p:txBody>
+            <a:bodyPr rtlCol="0" anchor="ctr"/>
+            <a:lstStyle/>
+            <a:p>
+              <a:pPr algn="ctr"/>
+              <a:endParaRPr lang="en-US" sz="1200"/>
+            </a:p>
+          </p:txBody>
+        </p:sp>
+        <p:sp>
+          <p:nvSpPr>
+            <p:cNvPr id="51" name="TextBox 50">
+              <a:extLst>
+                <a:ext uri="{FF2B5EF4-FFF2-40B4-BE49-F238E27FC236}">
+                  <a16:creationId xmlns:a16="http://schemas.microsoft.com/office/drawing/2014/main" id="{F7BDC931-6C52-4D26-8081-F915AB3532D6}"/>
+                </a:ext>
+              </a:extLst>
+            </p:cNvPr>
+            <p:cNvSpPr txBox="1"/>
+            <p:nvPr/>
+          </p:nvSpPr>
+          <p:spPr>
+            <a:xfrm>
+              <a:off x="10739679" y="778281"/>
+              <a:ext cx="1269835" cy="276999"/>
+            </a:xfrm>
+            <a:prstGeom prst="rect">
+              <a:avLst/>
+            </a:prstGeom>
+            <a:noFill/>
+          </p:spPr>
+          <p:txBody>
+            <a:bodyPr wrap="none" rtlCol="0">
+              <a:spAutoFit/>
+            </a:bodyPr>
+            <a:lstStyle/>
+            <a:p>
+              <a:r>
+                <a:rPr lang="en-US" sz="1200" dirty="0" err="1"/>
+                <a:t>Quase</a:t>
+              </a:r>
+              <a:r>
+                <a:rPr lang="en-US" sz="1200" dirty="0"/>
+                <a:t> </a:t>
+              </a:r>
+              <a:r>
+                <a:rPr lang="en-US" sz="1200" dirty="0" err="1"/>
+                <a:t>terminado</a:t>
+              </a:r>
+              <a:endParaRPr lang="en-US" sz="1200" dirty="0"/>
+            </a:p>
+          </p:txBody>
+        </p:sp>
+      </p:grpSp>
+      <p:sp>
+        <p:nvSpPr>
+          <p:cNvPr id="58" name="Oval 57">
+            <a:extLst>
+              <a:ext uri="{FF2B5EF4-FFF2-40B4-BE49-F238E27FC236}">
+                <a16:creationId xmlns:a16="http://schemas.microsoft.com/office/drawing/2014/main" id="{5E4DFD15-9EBC-4B2B-AAC7-92BFF4F71E46}"/>
+              </a:ext>
+            </a:extLst>
+          </p:cNvPr>
+          <p:cNvSpPr/>
+          <p:nvPr/>
+        </p:nvSpPr>
+        <p:spPr>
+          <a:xfrm>
+            <a:off x="3364763" y="3710045"/>
+            <a:ext cx="231762" cy="232728"/>
+          </a:xfrm>
+          <a:prstGeom prst="ellipse">
+            <a:avLst/>
+          </a:prstGeom>
+          <a:solidFill>
+            <a:schemeClr val="accent4"/>
+          </a:solidFill>
+          <a:ln>
+            <a:noFill/>
+          </a:ln>
+        </p:spPr>
+        <p:style>
+          <a:lnRef idx="2">
+            <a:schemeClr val="accent1">
+              <a:shade val="50000"/>
+            </a:schemeClr>
+          </a:lnRef>
+          <a:fillRef idx="1">
+            <a:schemeClr val="accent1"/>
+          </a:fillRef>
+          <a:effectRef idx="0">
+            <a:schemeClr val="accent1"/>
+          </a:effectRef>
+          <a:fontRef idx="minor">
+            <a:schemeClr val="lt1"/>
+          </a:fontRef>
+        </p:style>
+        <p:txBody>
+          <a:bodyPr rtlCol="0" anchor="ctr"/>
+          <a:lstStyle/>
+          <a:p>
+            <a:pPr algn="ctr"/>
+            <a:endParaRPr lang="en-US" sz="1200"/>
+          </a:p>
+        </p:txBody>
+      </p:sp>
+      <p:sp>
+        <p:nvSpPr>
+          <p:cNvPr id="60" name="Oval 59">
+            <a:extLst>
+              <a:ext uri="{FF2B5EF4-FFF2-40B4-BE49-F238E27FC236}">
+                <a16:creationId xmlns:a16="http://schemas.microsoft.com/office/drawing/2014/main" id="{F5B2D11B-6E6D-4F4D-9EEE-27DB0671BE1F}"/>
+              </a:ext>
+            </a:extLst>
+          </p:cNvPr>
+          <p:cNvSpPr/>
+          <p:nvPr/>
+        </p:nvSpPr>
+        <p:spPr>
+          <a:xfrm>
+            <a:off x="6746102" y="3623965"/>
+            <a:ext cx="228600" cy="228600"/>
+          </a:xfrm>
+          <a:prstGeom prst="ellipse">
+            <a:avLst/>
+          </a:prstGeom>
+          <a:solidFill>
+            <a:srgbClr val="00682F"/>
+          </a:solidFill>
+          <a:ln>
+            <a:noFill/>
+          </a:ln>
+        </p:spPr>
+        <p:style>
+          <a:lnRef idx="2">
+            <a:schemeClr val="accent1">
+              <a:shade val="50000"/>
+            </a:schemeClr>
+          </a:lnRef>
+          <a:fillRef idx="1">
+            <a:schemeClr val="accent1"/>
+          </a:fillRef>
+          <a:effectRef idx="0">
+            <a:schemeClr val="accent1"/>
+          </a:effectRef>
+          <a:fontRef idx="minor">
+            <a:schemeClr val="lt1"/>
+          </a:fontRef>
+        </p:style>
+        <p:txBody>
+          <a:bodyPr rtlCol="0" anchor="ctr"/>
+          <a:lstStyle/>
+          <a:p>
+            <a:pPr algn="ctr"/>
+            <a:endParaRPr lang="en-US" sz="1200"/>
+          </a:p>
+        </p:txBody>
+      </p:sp>
+      <p:sp>
+        <p:nvSpPr>
+          <p:cNvPr id="61" name="Oval 60">
+            <a:extLst>
+              <a:ext uri="{FF2B5EF4-FFF2-40B4-BE49-F238E27FC236}">
+                <a16:creationId xmlns:a16="http://schemas.microsoft.com/office/drawing/2014/main" id="{6CCCD25C-AE4A-4F9D-858F-CA432A0B1C34}"/>
+              </a:ext>
+            </a:extLst>
+          </p:cNvPr>
+          <p:cNvSpPr/>
+          <p:nvPr/>
+        </p:nvSpPr>
+        <p:spPr>
+          <a:xfrm>
+            <a:off x="6746102" y="3295100"/>
+            <a:ext cx="228600" cy="228600"/>
+          </a:xfrm>
+          <a:prstGeom prst="ellipse">
+            <a:avLst/>
+          </a:prstGeom>
+          <a:solidFill>
+            <a:srgbClr val="00682F"/>
+          </a:solidFill>
+          <a:ln>
+            <a:noFill/>
+          </a:ln>
+        </p:spPr>
+        <p:style>
+          <a:lnRef idx="2">
+            <a:schemeClr val="accent1">
+              <a:shade val="50000"/>
+            </a:schemeClr>
+          </a:lnRef>
+          <a:fillRef idx="1">
+            <a:schemeClr val="accent1"/>
+          </a:fillRef>
+          <a:effectRef idx="0">
+            <a:schemeClr val="accent1"/>
+          </a:effectRef>
+          <a:fontRef idx="minor">
+            <a:schemeClr val="lt1"/>
+          </a:fontRef>
+        </p:style>
+        <p:txBody>
+          <a:bodyPr rtlCol="0" anchor="ctr"/>
+          <a:lstStyle/>
+          <a:p>
+            <a:pPr algn="ctr"/>
+            <a:endParaRPr lang="en-US" sz="1200"/>
+          </a:p>
+        </p:txBody>
+      </p:sp>
+      <p:sp>
+        <p:nvSpPr>
+          <p:cNvPr id="65" name="Oval 64">
+            <a:extLst>
+              <a:ext uri="{FF2B5EF4-FFF2-40B4-BE49-F238E27FC236}">
+                <a16:creationId xmlns:a16="http://schemas.microsoft.com/office/drawing/2014/main" id="{DBF2A0A7-5DDF-4861-97EA-7F21C95CF7D8}"/>
+              </a:ext>
+            </a:extLst>
+          </p:cNvPr>
+          <p:cNvSpPr/>
+          <p:nvPr/>
+        </p:nvSpPr>
+        <p:spPr>
+          <a:xfrm>
+            <a:off x="3364763" y="4062261"/>
+            <a:ext cx="228600" cy="237744"/>
+          </a:xfrm>
+          <a:prstGeom prst="ellipse">
+            <a:avLst/>
+          </a:prstGeom>
+          <a:solidFill>
+            <a:srgbClr val="92D050"/>
+          </a:solidFill>
+          <a:ln>
+            <a:noFill/>
+          </a:ln>
+        </p:spPr>
+        <p:style>
+          <a:lnRef idx="2">
+            <a:schemeClr val="accent1">
+              <a:shade val="50000"/>
+            </a:schemeClr>
+          </a:lnRef>
+          <a:fillRef idx="1">
+            <a:schemeClr val="accent1"/>
+          </a:fillRef>
+          <a:effectRef idx="0">
+            <a:schemeClr val="accent1"/>
+          </a:effectRef>
+          <a:fontRef idx="minor">
+            <a:schemeClr val="lt1"/>
+          </a:fontRef>
+        </p:style>
+        <p:txBody>
+          <a:bodyPr rtlCol="0" anchor="ctr"/>
+          <a:lstStyle/>
+          <a:p>
+            <a:pPr algn="ctr"/>
+            <a:endParaRPr lang="en-US" sz="1200"/>
+          </a:p>
+        </p:txBody>
+      </p:sp>
+      <p:sp>
+        <p:nvSpPr>
+          <p:cNvPr id="66" name="Oval 65">
+            <a:extLst>
+              <a:ext uri="{FF2B5EF4-FFF2-40B4-BE49-F238E27FC236}">
+                <a16:creationId xmlns:a16="http://schemas.microsoft.com/office/drawing/2014/main" id="{DF0B726D-8E9E-4EBF-9D91-E9653D7BC818}"/>
+              </a:ext>
+            </a:extLst>
+          </p:cNvPr>
+          <p:cNvSpPr/>
+          <p:nvPr/>
+        </p:nvSpPr>
+        <p:spPr>
+          <a:xfrm>
+            <a:off x="3367643" y="4768755"/>
+            <a:ext cx="228600" cy="228600"/>
+          </a:xfrm>
+          <a:prstGeom prst="ellipse">
+            <a:avLst/>
+          </a:prstGeom>
+          <a:solidFill>
+            <a:srgbClr val="00682F"/>
+          </a:solidFill>
+          <a:ln>
+            <a:noFill/>
+          </a:ln>
+        </p:spPr>
+        <p:style>
+          <a:lnRef idx="2">
+            <a:schemeClr val="accent1">
+              <a:shade val="50000"/>
+            </a:schemeClr>
+          </a:lnRef>
+          <a:fillRef idx="1">
+            <a:schemeClr val="accent1"/>
+          </a:fillRef>
+          <a:effectRef idx="0">
+            <a:schemeClr val="accent1"/>
+          </a:effectRef>
+          <a:fontRef idx="minor">
+            <a:schemeClr val="lt1"/>
+          </a:fontRef>
+        </p:style>
+        <p:txBody>
+          <a:bodyPr rtlCol="0" anchor="ctr"/>
+          <a:lstStyle/>
+          <a:p>
+            <a:pPr algn="ctr"/>
+            <a:endParaRPr lang="en-US" sz="1200"/>
+          </a:p>
+        </p:txBody>
+      </p:sp>
+      <p:sp>
+        <p:nvSpPr>
+          <p:cNvPr id="59" name="Rectangle 58">
+            <a:extLst>
+              <a:ext uri="{FF2B5EF4-FFF2-40B4-BE49-F238E27FC236}">
+                <a16:creationId xmlns:a16="http://schemas.microsoft.com/office/drawing/2014/main" id="{109E6007-8D58-42D9-BA74-AAA1DB23E439}"/>
+              </a:ext>
+            </a:extLst>
+          </p:cNvPr>
+          <p:cNvSpPr/>
+          <p:nvPr/>
+        </p:nvSpPr>
+        <p:spPr>
+          <a:xfrm>
+            <a:off x="7548887" y="4628336"/>
+            <a:ext cx="2707891" cy="232728"/>
+          </a:xfrm>
+          <a:prstGeom prst="rect">
+            <a:avLst/>
+          </a:prstGeom>
+          <a:solidFill>
+            <a:schemeClr val="bg2"/>
+          </a:solidFill>
+          <a:ln>
+            <a:solidFill>
+              <a:schemeClr val="bg2">
+                <a:lumMod val="25000"/>
+              </a:schemeClr>
+            </a:solidFill>
+          </a:ln>
+        </p:spPr>
+        <p:style>
+          <a:lnRef idx="2">
+            <a:schemeClr val="accent1">
+              <a:shade val="50000"/>
+            </a:schemeClr>
+          </a:lnRef>
+          <a:fillRef idx="1">
+            <a:schemeClr val="accent1"/>
+          </a:fillRef>
+          <a:effectRef idx="0">
+            <a:schemeClr val="accent1"/>
+          </a:effectRef>
+          <a:fontRef idx="minor">
+            <a:schemeClr val="lt1"/>
+          </a:fontRef>
+        </p:style>
+        <p:txBody>
+          <a:bodyPr rtlCol="0" anchor="ctr"/>
+          <a:lstStyle/>
+          <a:p>
+            <a:pPr algn="ctr"/>
+            <a:r>
+              <a:rPr lang="en-US" sz="1200" dirty="0">
+                <a:solidFill>
+                  <a:schemeClr val="tx1"/>
+                </a:solidFill>
+              </a:rPr>
+              <a:t>Weights.py</a:t>
+            </a:r>
+          </a:p>
+        </p:txBody>
+      </p:sp>
+      <p:sp>
+        <p:nvSpPr>
+          <p:cNvPr id="64" name="Rectangle 63">
+            <a:extLst>
+              <a:ext uri="{FF2B5EF4-FFF2-40B4-BE49-F238E27FC236}">
+                <a16:creationId xmlns:a16="http://schemas.microsoft.com/office/drawing/2014/main" id="{7FF11339-EB11-48FD-BE93-879DEF15B632}"/>
+              </a:ext>
+            </a:extLst>
+          </p:cNvPr>
+          <p:cNvSpPr/>
+          <p:nvPr/>
+        </p:nvSpPr>
+        <p:spPr>
+          <a:xfrm>
+            <a:off x="7548887" y="4977842"/>
+            <a:ext cx="2707891" cy="232728"/>
+          </a:xfrm>
+          <a:prstGeom prst="rect">
+            <a:avLst/>
+          </a:prstGeom>
+          <a:solidFill>
+            <a:schemeClr val="bg2"/>
+          </a:solidFill>
+          <a:ln>
+            <a:solidFill>
+              <a:schemeClr val="bg2">
+                <a:lumMod val="25000"/>
+              </a:schemeClr>
+            </a:solidFill>
+          </a:ln>
+        </p:spPr>
+        <p:style>
+          <a:lnRef idx="2">
+            <a:schemeClr val="accent1">
+              <a:shade val="50000"/>
+            </a:schemeClr>
+          </a:lnRef>
+          <a:fillRef idx="1">
+            <a:schemeClr val="accent1"/>
+          </a:fillRef>
+          <a:effectRef idx="0">
+            <a:schemeClr val="accent1"/>
+          </a:effectRef>
+          <a:fontRef idx="minor">
+            <a:schemeClr val="lt1"/>
+          </a:fontRef>
+        </p:style>
+        <p:txBody>
+          <a:bodyPr rtlCol="0" anchor="ctr"/>
+          <a:lstStyle/>
+          <a:p>
+            <a:pPr algn="ctr"/>
+            <a:r>
+              <a:rPr lang="en-US" sz="1200" dirty="0">
+                <a:solidFill>
+                  <a:schemeClr val="tx1"/>
+                </a:solidFill>
+              </a:rPr>
+              <a:t>Markov.py</a:t>
+            </a:r>
+          </a:p>
+        </p:txBody>
+      </p:sp>
+      <p:sp>
+        <p:nvSpPr>
+          <p:cNvPr id="67" name="Rectangle 66">
+            <a:extLst>
+              <a:ext uri="{FF2B5EF4-FFF2-40B4-BE49-F238E27FC236}">
+                <a16:creationId xmlns:a16="http://schemas.microsoft.com/office/drawing/2014/main" id="{A51A0AFD-2515-4D79-AD8D-93CDC2BAB749}"/>
+              </a:ext>
+            </a:extLst>
+          </p:cNvPr>
+          <p:cNvSpPr/>
+          <p:nvPr/>
+        </p:nvSpPr>
+        <p:spPr>
+          <a:xfrm>
+            <a:off x="7548887" y="5327348"/>
+            <a:ext cx="2707891" cy="232728"/>
+          </a:xfrm>
+          <a:prstGeom prst="rect">
+            <a:avLst/>
+          </a:prstGeom>
+          <a:solidFill>
+            <a:schemeClr val="bg2"/>
+          </a:solidFill>
+          <a:ln>
+            <a:solidFill>
+              <a:schemeClr val="bg2">
+                <a:lumMod val="25000"/>
+              </a:schemeClr>
+            </a:solidFill>
+          </a:ln>
+        </p:spPr>
+        <p:style>
+          <a:lnRef idx="2">
+            <a:schemeClr val="accent1">
+              <a:shade val="50000"/>
+            </a:schemeClr>
+          </a:lnRef>
+          <a:fillRef idx="1">
+            <a:schemeClr val="accent1"/>
+          </a:fillRef>
+          <a:effectRef idx="0">
+            <a:schemeClr val="accent1"/>
+          </a:effectRef>
+          <a:fontRef idx="minor">
+            <a:schemeClr val="lt1"/>
+          </a:fontRef>
+        </p:style>
+        <p:txBody>
+          <a:bodyPr rtlCol="0" anchor="ctr"/>
+          <a:lstStyle/>
+          <a:p>
+            <a:pPr algn="ctr"/>
+            <a:r>
+              <a:rPr lang="en-US" sz="1200" dirty="0">
+                <a:solidFill>
+                  <a:schemeClr val="tx1"/>
+                </a:solidFill>
+              </a:rPr>
+              <a:t>OOS.py</a:t>
+            </a:r>
+          </a:p>
+        </p:txBody>
+      </p:sp>
+      <p:sp>
+        <p:nvSpPr>
+          <p:cNvPr id="70" name="Rectangle 69">
+            <a:extLst>
+              <a:ext uri="{FF2B5EF4-FFF2-40B4-BE49-F238E27FC236}">
+                <a16:creationId xmlns:a16="http://schemas.microsoft.com/office/drawing/2014/main" id="{43868DF1-F766-4330-8982-8860A577E90F}"/>
+              </a:ext>
+            </a:extLst>
+          </p:cNvPr>
+          <p:cNvSpPr/>
+          <p:nvPr/>
+        </p:nvSpPr>
+        <p:spPr>
+          <a:xfrm>
+            <a:off x="7573027" y="5677613"/>
+            <a:ext cx="2683752" cy="232728"/>
+          </a:xfrm>
+          <a:prstGeom prst="rect">
+            <a:avLst/>
+          </a:prstGeom>
+          <a:solidFill>
+            <a:schemeClr val="bg2"/>
+          </a:solidFill>
+          <a:ln>
+            <a:solidFill>
+              <a:schemeClr val="bg2">
+                <a:lumMod val="25000"/>
+              </a:schemeClr>
+            </a:solidFill>
+          </a:ln>
+        </p:spPr>
+        <p:style>
+          <a:lnRef idx="2">
+            <a:schemeClr val="accent1">
+              <a:shade val="50000"/>
+            </a:schemeClr>
+          </a:lnRef>
+          <a:fillRef idx="1">
+            <a:schemeClr val="accent1"/>
+          </a:fillRef>
+          <a:effectRef idx="0">
+            <a:schemeClr val="accent1"/>
+          </a:effectRef>
+          <a:fontRef idx="minor">
+            <a:schemeClr val="lt1"/>
+          </a:fontRef>
+        </p:style>
+        <p:txBody>
+          <a:bodyPr rtlCol="0" anchor="ctr"/>
+          <a:lstStyle/>
+          <a:p>
+            <a:pPr algn="ctr"/>
+            <a:r>
+              <a:rPr lang="en-US" sz="1200" dirty="0">
+                <a:solidFill>
+                  <a:schemeClr val="tx1"/>
+                </a:solidFill>
+              </a:rPr>
+              <a:t>Prequential.py</a:t>
+            </a:r>
+          </a:p>
+        </p:txBody>
+      </p:sp>
+      <p:sp>
+        <p:nvSpPr>
+          <p:cNvPr id="71" name="Rectangle 70">
+            <a:extLst>
+              <a:ext uri="{FF2B5EF4-FFF2-40B4-BE49-F238E27FC236}">
+                <a16:creationId xmlns:a16="http://schemas.microsoft.com/office/drawing/2014/main" id="{31761C76-7AEA-4E84-BE37-3140F80F6471}"/>
+              </a:ext>
+            </a:extLst>
+          </p:cNvPr>
+          <p:cNvSpPr/>
+          <p:nvPr/>
+        </p:nvSpPr>
+        <p:spPr>
+          <a:xfrm>
+            <a:off x="7573027" y="5997910"/>
+            <a:ext cx="2683752" cy="232728"/>
+          </a:xfrm>
+          <a:prstGeom prst="rect">
+            <a:avLst/>
+          </a:prstGeom>
+          <a:solidFill>
+            <a:schemeClr val="bg2"/>
+          </a:solidFill>
+          <a:ln>
+            <a:solidFill>
+              <a:schemeClr val="bg2">
+                <a:lumMod val="25000"/>
+              </a:schemeClr>
+            </a:solidFill>
+          </a:ln>
+        </p:spPr>
+        <p:style>
+          <a:lnRef idx="2">
+            <a:schemeClr val="accent1">
+              <a:shade val="50000"/>
+            </a:schemeClr>
+          </a:lnRef>
+          <a:fillRef idx="1">
+            <a:schemeClr val="accent1"/>
+          </a:fillRef>
+          <a:effectRef idx="0">
+            <a:schemeClr val="accent1"/>
+          </a:effectRef>
+          <a:fontRef idx="minor">
+            <a:schemeClr val="lt1"/>
+          </a:fontRef>
+        </p:style>
+        <p:txBody>
+          <a:bodyPr rtlCol="0" anchor="ctr"/>
+          <a:lstStyle/>
+          <a:p>
+            <a:pPr algn="ctr"/>
+            <a:r>
+              <a:rPr lang="en-US" sz="1200" dirty="0">
+                <a:solidFill>
+                  <a:schemeClr val="tx1"/>
+                </a:solidFill>
+              </a:rPr>
+              <a:t>CV.py</a:t>
+            </a:r>
+          </a:p>
+        </p:txBody>
+      </p:sp>
+      <p:sp>
+        <p:nvSpPr>
+          <p:cNvPr id="72" name="Rectangle 71">
+            <a:extLst>
+              <a:ext uri="{FF2B5EF4-FFF2-40B4-BE49-F238E27FC236}">
+                <a16:creationId xmlns:a16="http://schemas.microsoft.com/office/drawing/2014/main" id="{11493400-8760-4313-A379-A582B63B47CF}"/>
+              </a:ext>
+            </a:extLst>
+          </p:cNvPr>
+          <p:cNvSpPr/>
+          <p:nvPr/>
+        </p:nvSpPr>
+        <p:spPr>
+          <a:xfrm>
+            <a:off x="7548887" y="4292788"/>
+            <a:ext cx="2683752" cy="232728"/>
+          </a:xfrm>
+          <a:prstGeom prst="rect">
+            <a:avLst/>
+          </a:prstGeom>
+          <a:solidFill>
+            <a:schemeClr val="bg2"/>
+          </a:solidFill>
+          <a:ln>
+            <a:solidFill>
+              <a:schemeClr val="bg2">
+                <a:lumMod val="25000"/>
+              </a:schemeClr>
+            </a:solidFill>
+          </a:ln>
+        </p:spPr>
+        <p:style>
+          <a:lnRef idx="2">
+            <a:schemeClr val="accent1">
+              <a:shade val="50000"/>
+            </a:schemeClr>
+          </a:lnRef>
+          <a:fillRef idx="1">
+            <a:schemeClr val="accent1"/>
+          </a:fillRef>
+          <a:effectRef idx="0">
+            <a:schemeClr val="accent1"/>
+          </a:effectRef>
+          <a:fontRef idx="minor">
+            <a:schemeClr val="lt1"/>
+          </a:fontRef>
+        </p:style>
+        <p:txBody>
+          <a:bodyPr rtlCol="0" anchor="ctr"/>
+          <a:lstStyle/>
+          <a:p>
+            <a:pPr algn="ctr"/>
+            <a:r>
+              <a:rPr lang="en-US" sz="1200" dirty="0">
+                <a:solidFill>
+                  <a:schemeClr val="tx1"/>
+                </a:solidFill>
+              </a:rPr>
+              <a:t>_base.py</a:t>
+            </a:r>
+          </a:p>
+        </p:txBody>
+      </p:sp>
+      <p:sp>
+        <p:nvSpPr>
+          <p:cNvPr id="73" name="Rectangle 72">
+            <a:extLst>
+              <a:ext uri="{FF2B5EF4-FFF2-40B4-BE49-F238E27FC236}">
+                <a16:creationId xmlns:a16="http://schemas.microsoft.com/office/drawing/2014/main" id="{99E81A66-88D3-4416-8D82-ACD5727A71B2}"/>
+              </a:ext>
+            </a:extLst>
+          </p:cNvPr>
+          <p:cNvSpPr/>
+          <p:nvPr/>
+        </p:nvSpPr>
+        <p:spPr>
+          <a:xfrm>
+            <a:off x="7609933" y="2438733"/>
+            <a:ext cx="2707891" cy="232728"/>
+          </a:xfrm>
+          <a:prstGeom prst="rect">
+            <a:avLst/>
+          </a:prstGeom>
+          <a:solidFill>
+            <a:schemeClr val="bg2"/>
+          </a:solidFill>
+          <a:ln>
+            <a:solidFill>
+              <a:schemeClr val="bg2">
+                <a:lumMod val="25000"/>
+              </a:schemeClr>
+            </a:solidFill>
+          </a:ln>
+        </p:spPr>
+        <p:style>
+          <a:lnRef idx="2">
+            <a:schemeClr val="accent1">
+              <a:shade val="50000"/>
+            </a:schemeClr>
+          </a:lnRef>
+          <a:fillRef idx="1">
+            <a:schemeClr val="accent1"/>
+          </a:fillRef>
+          <a:effectRef idx="0">
+            <a:schemeClr val="accent1"/>
+          </a:effectRef>
+          <a:fontRef idx="minor">
+            <a:schemeClr val="lt1"/>
+          </a:fontRef>
+        </p:style>
+        <p:txBody>
+          <a:bodyPr rtlCol="0" anchor="ctr"/>
+          <a:lstStyle/>
+          <a:p>
+            <a:pPr algn="ctr"/>
+            <a:r>
+              <a:rPr lang="en-US" sz="1200" dirty="0">
+                <a:solidFill>
+                  <a:schemeClr val="tx1"/>
+                </a:solidFill>
+              </a:rPr>
+              <a:t>Time_series_function.py</a:t>
+            </a:r>
+          </a:p>
+        </p:txBody>
+      </p:sp>
+      <p:sp>
+        <p:nvSpPr>
+          <p:cNvPr id="74" name="Rectangle 73">
+            <a:extLst>
+              <a:ext uri="{FF2B5EF4-FFF2-40B4-BE49-F238E27FC236}">
+                <a16:creationId xmlns:a16="http://schemas.microsoft.com/office/drawing/2014/main" id="{CCAE65ED-AD59-4601-BE49-9CD1C4D9639C}"/>
+              </a:ext>
+            </a:extLst>
+          </p:cNvPr>
+          <p:cNvSpPr/>
+          <p:nvPr/>
+        </p:nvSpPr>
+        <p:spPr>
+          <a:xfrm>
+            <a:off x="7609933" y="2788239"/>
+            <a:ext cx="2707891" cy="232728"/>
+          </a:xfrm>
+          <a:prstGeom prst="rect">
+            <a:avLst/>
+          </a:prstGeom>
+          <a:solidFill>
+            <a:schemeClr val="bg2"/>
+          </a:solidFill>
+          <a:ln>
+            <a:solidFill>
+              <a:schemeClr val="bg2">
+                <a:lumMod val="25000"/>
+              </a:schemeClr>
+            </a:solidFill>
+          </a:ln>
+        </p:spPr>
+        <p:style>
+          <a:lnRef idx="2">
+            <a:schemeClr val="accent1">
+              <a:shade val="50000"/>
+            </a:schemeClr>
+          </a:lnRef>
+          <a:fillRef idx="1">
+            <a:schemeClr val="accent1"/>
+          </a:fillRef>
+          <a:effectRef idx="0">
+            <a:schemeClr val="accent1"/>
+          </a:effectRef>
+          <a:fontRef idx="minor">
+            <a:schemeClr val="lt1"/>
+          </a:fontRef>
+        </p:style>
+        <p:txBody>
+          <a:bodyPr rtlCol="0" anchor="ctr"/>
+          <a:lstStyle/>
+          <a:p>
+            <a:pPr algn="ctr"/>
+            <a:r>
+              <a:rPr lang="en-US" sz="1200" dirty="0">
+                <a:solidFill>
+                  <a:schemeClr val="tx1"/>
+                </a:solidFill>
+              </a:rPr>
+              <a:t>Frequency_modulation.py</a:t>
+            </a:r>
+          </a:p>
+        </p:txBody>
+      </p:sp>
+      <p:sp>
+        <p:nvSpPr>
+          <p:cNvPr id="75" name="Rectangle 74">
+            <a:extLst>
+              <a:ext uri="{FF2B5EF4-FFF2-40B4-BE49-F238E27FC236}">
+                <a16:creationId xmlns:a16="http://schemas.microsoft.com/office/drawing/2014/main" id="{59676170-B69D-44F6-AF4F-7029A3C52A01}"/>
+              </a:ext>
+            </a:extLst>
+          </p:cNvPr>
+          <p:cNvSpPr/>
+          <p:nvPr/>
+        </p:nvSpPr>
+        <p:spPr>
+          <a:xfrm>
+            <a:off x="7609933" y="3137745"/>
+            <a:ext cx="2707891" cy="232728"/>
+          </a:xfrm>
+          <a:prstGeom prst="rect">
+            <a:avLst/>
+          </a:prstGeom>
+          <a:solidFill>
+            <a:schemeClr val="bg2"/>
+          </a:solidFill>
+          <a:ln>
+            <a:solidFill>
+              <a:schemeClr val="bg2">
+                <a:lumMod val="25000"/>
+              </a:schemeClr>
+            </a:solidFill>
+          </a:ln>
+        </p:spPr>
+        <p:style>
+          <a:lnRef idx="2">
+            <a:schemeClr val="accent1">
+              <a:shade val="50000"/>
+            </a:schemeClr>
+          </a:lnRef>
+          <a:fillRef idx="1">
+            <a:schemeClr val="accent1"/>
+          </a:fillRef>
+          <a:effectRef idx="0">
+            <a:schemeClr val="accent1"/>
+          </a:effectRef>
+          <a:fontRef idx="minor">
+            <a:schemeClr val="lt1"/>
+          </a:fontRef>
+        </p:style>
+        <p:txBody>
+          <a:bodyPr rtlCol="0" anchor="ctr"/>
+          <a:lstStyle/>
+          <a:p>
+            <a:pPr algn="ctr"/>
+            <a:r>
+              <a:rPr lang="en-US" sz="1200" dirty="0">
+                <a:solidFill>
+                  <a:schemeClr val="tx1"/>
+                </a:solidFill>
+              </a:rPr>
+              <a:t>utils.py</a:t>
+            </a:r>
+          </a:p>
+        </p:txBody>
+      </p:sp>
+      <p:sp>
+        <p:nvSpPr>
+          <p:cNvPr id="78" name="Rectangle 77">
+            <a:extLst>
+              <a:ext uri="{FF2B5EF4-FFF2-40B4-BE49-F238E27FC236}">
+                <a16:creationId xmlns:a16="http://schemas.microsoft.com/office/drawing/2014/main" id="{934686B4-9E68-41C3-A5F8-8BBE769863A5}"/>
+              </a:ext>
+            </a:extLst>
+          </p:cNvPr>
+          <p:cNvSpPr/>
+          <p:nvPr/>
+        </p:nvSpPr>
+        <p:spPr>
+          <a:xfrm>
+            <a:off x="7609933" y="2103185"/>
+            <a:ext cx="2683752" cy="232728"/>
+          </a:xfrm>
+          <a:prstGeom prst="rect">
+            <a:avLst/>
+          </a:prstGeom>
+          <a:solidFill>
+            <a:schemeClr val="bg2"/>
+          </a:solidFill>
+          <a:ln>
+            <a:solidFill>
+              <a:schemeClr val="bg2">
+                <a:lumMod val="25000"/>
+              </a:schemeClr>
+            </a:solidFill>
+          </a:ln>
+        </p:spPr>
+        <p:style>
+          <a:lnRef idx="2">
+            <a:schemeClr val="accent1">
+              <a:shade val="50000"/>
+            </a:schemeClr>
+          </a:lnRef>
+          <a:fillRef idx="1">
+            <a:schemeClr val="accent1"/>
+          </a:fillRef>
+          <a:effectRef idx="0">
+            <a:schemeClr val="accent1"/>
+          </a:effectRef>
+          <a:fontRef idx="minor">
+            <a:schemeClr val="lt1"/>
+          </a:fontRef>
+        </p:style>
+        <p:txBody>
+          <a:bodyPr rtlCol="0" anchor="ctr"/>
+          <a:lstStyle/>
+          <a:p>
+            <a:pPr algn="ctr"/>
+            <a:r>
+              <a:rPr lang="en-US" sz="1200" dirty="0">
+                <a:solidFill>
+                  <a:schemeClr val="tx1"/>
+                </a:solidFill>
+              </a:rPr>
+              <a:t>Time_series_generation.py</a:t>
+            </a:r>
+          </a:p>
+        </p:txBody>
+      </p:sp>
+      <p:cxnSp>
+        <p:nvCxnSpPr>
+          <p:cNvPr id="87" name="Connector: Elbow 86">
+            <a:extLst>
+              <a:ext uri="{FF2B5EF4-FFF2-40B4-BE49-F238E27FC236}">
+                <a16:creationId xmlns:a16="http://schemas.microsoft.com/office/drawing/2014/main" id="{4DAE6D54-1444-4615-B689-BCFAAED36BD1}"/>
+              </a:ext>
+            </a:extLst>
+          </p:cNvPr>
+          <p:cNvCxnSpPr>
+            <a:cxnSpLocks/>
+            <a:stCxn id="10" idx="3"/>
+            <a:endCxn id="6" idx="1"/>
+          </p:cNvCxnSpPr>
+          <p:nvPr/>
+        </p:nvCxnSpPr>
+        <p:spPr>
+          <a:xfrm>
+            <a:off x="6638235" y="2361675"/>
+            <a:ext cx="837868" cy="359594"/>
+          </a:xfrm>
+          <a:prstGeom prst="bentConnector3">
+            <a:avLst>
+              <a:gd name="adj1" fmla="val 50000"/>
+            </a:avLst>
+          </a:prstGeom>
+          <a:ln w="12700">
+            <a:solidFill>
+              <a:schemeClr val="bg2">
+                <a:lumMod val="25000"/>
+              </a:schemeClr>
+            </a:solidFill>
+            <a:tailEnd type="triangle"/>
+          </a:ln>
+        </p:spPr>
+        <p:style>
+          <a:lnRef idx="1">
+            <a:schemeClr val="accent1"/>
+          </a:lnRef>
+          <a:fillRef idx="0">
+            <a:schemeClr val="accent1"/>
+          </a:fillRef>
+          <a:effectRef idx="0">
+            <a:schemeClr val="accent1"/>
+          </a:effectRef>
+          <a:fontRef idx="minor">
+            <a:schemeClr val="tx1"/>
+          </a:fontRef>
+        </p:style>
+      </p:cxnSp>
+      <p:sp>
+        <p:nvSpPr>
+          <p:cNvPr id="6" name="Left Brace 5">
+            <a:extLst>
+              <a:ext uri="{FF2B5EF4-FFF2-40B4-BE49-F238E27FC236}">
+                <a16:creationId xmlns:a16="http://schemas.microsoft.com/office/drawing/2014/main" id="{EE959C65-BF51-4814-A414-083B7EB5990F}"/>
+              </a:ext>
+            </a:extLst>
+          </p:cNvPr>
+          <p:cNvSpPr/>
+          <p:nvPr/>
+        </p:nvSpPr>
+        <p:spPr>
+          <a:xfrm>
+            <a:off x="7476103" y="2029461"/>
+            <a:ext cx="133829" cy="1383616"/>
+          </a:xfrm>
+          <a:prstGeom prst="leftBrace">
+            <a:avLst/>
+          </a:prstGeom>
+          <a:ln w="12700">
+            <a:solidFill>
+              <a:schemeClr val="tx1"/>
+            </a:solidFill>
+          </a:ln>
+        </p:spPr>
+        <p:style>
+          <a:lnRef idx="1">
+            <a:schemeClr val="accent1"/>
+          </a:lnRef>
+          <a:fillRef idx="0">
+            <a:schemeClr val="accent1"/>
+          </a:fillRef>
+          <a:effectRef idx="0">
+            <a:schemeClr val="accent1"/>
+          </a:effectRef>
+          <a:fontRef idx="minor">
+            <a:schemeClr val="tx1"/>
+          </a:fontRef>
+        </p:style>
+        <p:txBody>
+          <a:bodyPr rtlCol="0" anchor="ctr"/>
+          <a:lstStyle/>
+          <a:p>
+            <a:pPr algn="ctr"/>
+            <a:endParaRPr lang="en-US"/>
+          </a:p>
+        </p:txBody>
+      </p:sp>
+      <p:cxnSp>
+        <p:nvCxnSpPr>
+          <p:cNvPr id="88" name="Connector: Elbow 87">
+            <a:extLst>
+              <a:ext uri="{FF2B5EF4-FFF2-40B4-BE49-F238E27FC236}">
+                <a16:creationId xmlns:a16="http://schemas.microsoft.com/office/drawing/2014/main" id="{7B2067E8-207A-4CAF-9869-8ABE20BF7812}"/>
+              </a:ext>
+            </a:extLst>
+          </p:cNvPr>
+          <p:cNvCxnSpPr>
+            <a:cxnSpLocks/>
+            <a:stCxn id="11" idx="3"/>
+            <a:endCxn id="89" idx="1"/>
+          </p:cNvCxnSpPr>
+          <p:nvPr/>
+        </p:nvCxnSpPr>
+        <p:spPr>
+          <a:xfrm>
+            <a:off x="6638235" y="2711181"/>
+            <a:ext cx="740707" cy="2560800"/>
+          </a:xfrm>
+          <a:prstGeom prst="bentConnector3">
+            <a:avLst>
+              <a:gd name="adj1" fmla="val 50000"/>
+            </a:avLst>
+          </a:prstGeom>
+          <a:ln w="12700">
+            <a:solidFill>
+              <a:schemeClr val="bg2">
+                <a:lumMod val="25000"/>
+              </a:schemeClr>
+            </a:solidFill>
+            <a:tailEnd type="triangle"/>
+          </a:ln>
+        </p:spPr>
+        <p:style>
+          <a:lnRef idx="1">
+            <a:schemeClr val="accent1"/>
+          </a:lnRef>
+          <a:fillRef idx="0">
+            <a:schemeClr val="accent1"/>
+          </a:fillRef>
+          <a:effectRef idx="0">
+            <a:schemeClr val="accent1"/>
+          </a:effectRef>
+          <a:fontRef idx="minor">
+            <a:schemeClr val="tx1"/>
+          </a:fontRef>
+        </p:style>
+      </p:cxnSp>
+      <p:sp>
+        <p:nvSpPr>
+          <p:cNvPr id="89" name="Left Brace 88">
+            <a:extLst>
+              <a:ext uri="{FF2B5EF4-FFF2-40B4-BE49-F238E27FC236}">
+                <a16:creationId xmlns:a16="http://schemas.microsoft.com/office/drawing/2014/main" id="{CFE2D12B-D276-47F9-8F4A-0AAFFEBAF5F2}"/>
+              </a:ext>
+            </a:extLst>
+          </p:cNvPr>
+          <p:cNvSpPr/>
+          <p:nvPr/>
+        </p:nvSpPr>
+        <p:spPr>
+          <a:xfrm>
+            <a:off x="7378942" y="4264180"/>
+            <a:ext cx="97162" cy="2015601"/>
+          </a:xfrm>
+          <a:prstGeom prst="leftBrace">
+            <a:avLst/>
+          </a:prstGeom>
+          <a:ln w="12700">
+            <a:solidFill>
+              <a:schemeClr val="tx1"/>
+            </a:solidFill>
+          </a:ln>
+        </p:spPr>
+        <p:style>
+          <a:lnRef idx="1">
+            <a:schemeClr val="accent1"/>
+          </a:lnRef>
+          <a:fillRef idx="0">
+            <a:schemeClr val="accent1"/>
+          </a:fillRef>
+          <a:effectRef idx="0">
+            <a:schemeClr val="accent1"/>
+          </a:effectRef>
+          <a:fontRef idx="minor">
+            <a:schemeClr val="tx1"/>
+          </a:fontRef>
+        </p:style>
+        <p:txBody>
+          <a:bodyPr rtlCol="0" anchor="ctr"/>
+          <a:lstStyle/>
+          <a:p>
+            <a:pPr algn="ctr"/>
+            <a:endParaRPr lang="en-US"/>
+          </a:p>
+        </p:txBody>
+      </p:sp>
+      <p:sp>
+        <p:nvSpPr>
+          <p:cNvPr id="95" name="Oval 94">
+            <a:extLst>
+              <a:ext uri="{FF2B5EF4-FFF2-40B4-BE49-F238E27FC236}">
+                <a16:creationId xmlns:a16="http://schemas.microsoft.com/office/drawing/2014/main" id="{2D8B9C4E-D676-4E4B-9551-475685210432}"/>
+              </a:ext>
+            </a:extLst>
+          </p:cNvPr>
+          <p:cNvSpPr/>
+          <p:nvPr/>
+        </p:nvSpPr>
+        <p:spPr>
+          <a:xfrm>
+            <a:off x="10419334" y="2421602"/>
+            <a:ext cx="228600" cy="228600"/>
+          </a:xfrm>
+          <a:prstGeom prst="ellipse">
+            <a:avLst/>
+          </a:prstGeom>
+          <a:solidFill>
+            <a:srgbClr val="00682F"/>
+          </a:solidFill>
+          <a:ln>
+            <a:noFill/>
+          </a:ln>
+        </p:spPr>
+        <p:style>
+          <a:lnRef idx="2">
+            <a:schemeClr val="accent1">
+              <a:shade val="50000"/>
+            </a:schemeClr>
+          </a:lnRef>
+          <a:fillRef idx="1">
+            <a:schemeClr val="accent1"/>
+          </a:fillRef>
+          <a:effectRef idx="0">
+            <a:schemeClr val="accent1"/>
+          </a:effectRef>
+          <a:fontRef idx="minor">
+            <a:schemeClr val="lt1"/>
+          </a:fontRef>
+        </p:style>
+        <p:txBody>
+          <a:bodyPr rtlCol="0" anchor="ctr"/>
+          <a:lstStyle/>
+          <a:p>
+            <a:pPr algn="ctr"/>
+            <a:endParaRPr lang="en-US" sz="1200"/>
+          </a:p>
+        </p:txBody>
+      </p:sp>
+      <p:sp>
+        <p:nvSpPr>
+          <p:cNvPr id="96" name="Oval 95">
+            <a:extLst>
+              <a:ext uri="{FF2B5EF4-FFF2-40B4-BE49-F238E27FC236}">
+                <a16:creationId xmlns:a16="http://schemas.microsoft.com/office/drawing/2014/main" id="{52EDCA2C-7C2B-4F66-96B5-D8CC9DB4975D}"/>
+              </a:ext>
+            </a:extLst>
+          </p:cNvPr>
+          <p:cNvSpPr/>
+          <p:nvPr/>
+        </p:nvSpPr>
+        <p:spPr>
+          <a:xfrm>
+            <a:off x="10419334" y="2092737"/>
+            <a:ext cx="228600" cy="228600"/>
+          </a:xfrm>
+          <a:prstGeom prst="ellipse">
+            <a:avLst/>
+          </a:prstGeom>
+          <a:solidFill>
+            <a:srgbClr val="00682F"/>
+          </a:solidFill>
+          <a:ln>
+            <a:noFill/>
+          </a:ln>
+        </p:spPr>
+        <p:style>
+          <a:lnRef idx="2">
+            <a:schemeClr val="accent1">
+              <a:shade val="50000"/>
+            </a:schemeClr>
+          </a:lnRef>
+          <a:fillRef idx="1">
+            <a:schemeClr val="accent1"/>
+          </a:fillRef>
+          <a:effectRef idx="0">
+            <a:schemeClr val="accent1"/>
+          </a:effectRef>
+          <a:fontRef idx="minor">
+            <a:schemeClr val="lt1"/>
+          </a:fontRef>
+        </p:style>
+        <p:txBody>
+          <a:bodyPr rtlCol="0" anchor="ctr"/>
+          <a:lstStyle/>
+          <a:p>
+            <a:pPr algn="ctr"/>
+            <a:endParaRPr lang="en-US" sz="1200"/>
+          </a:p>
+        </p:txBody>
+      </p:sp>
+      <p:sp>
+        <p:nvSpPr>
+          <p:cNvPr id="97" name="Oval 96">
+            <a:extLst>
+              <a:ext uri="{FF2B5EF4-FFF2-40B4-BE49-F238E27FC236}">
+                <a16:creationId xmlns:a16="http://schemas.microsoft.com/office/drawing/2014/main" id="{86F798B2-262E-4DE5-AA4D-33BE0931ECAF}"/>
+              </a:ext>
+            </a:extLst>
+          </p:cNvPr>
+          <p:cNvSpPr/>
+          <p:nvPr/>
+        </p:nvSpPr>
+        <p:spPr>
+          <a:xfrm>
+            <a:off x="10419334" y="3090642"/>
+            <a:ext cx="228600" cy="228600"/>
+          </a:xfrm>
+          <a:prstGeom prst="ellipse">
+            <a:avLst/>
+          </a:prstGeom>
+          <a:solidFill>
+            <a:srgbClr val="00682F"/>
+          </a:solidFill>
+          <a:ln>
+            <a:noFill/>
+          </a:ln>
+        </p:spPr>
+        <p:style>
+          <a:lnRef idx="2">
+            <a:schemeClr val="accent1">
+              <a:shade val="50000"/>
+            </a:schemeClr>
+          </a:lnRef>
+          <a:fillRef idx="1">
+            <a:schemeClr val="accent1"/>
+          </a:fillRef>
+          <a:effectRef idx="0">
+            <a:schemeClr val="accent1"/>
+          </a:effectRef>
+          <a:fontRef idx="minor">
+            <a:schemeClr val="lt1"/>
+          </a:fontRef>
+        </p:style>
+        <p:txBody>
+          <a:bodyPr rtlCol="0" anchor="ctr"/>
+          <a:lstStyle/>
+          <a:p>
+            <a:pPr algn="ctr"/>
+            <a:endParaRPr lang="en-US" sz="1200"/>
+          </a:p>
+        </p:txBody>
+      </p:sp>
+      <p:sp>
+        <p:nvSpPr>
+          <p:cNvPr id="98" name="Oval 97">
+            <a:extLst>
+              <a:ext uri="{FF2B5EF4-FFF2-40B4-BE49-F238E27FC236}">
+                <a16:creationId xmlns:a16="http://schemas.microsoft.com/office/drawing/2014/main" id="{84EF202E-7A51-4708-814E-4EBB2CA9E1FC}"/>
+              </a:ext>
+            </a:extLst>
+          </p:cNvPr>
+          <p:cNvSpPr/>
+          <p:nvPr/>
+        </p:nvSpPr>
+        <p:spPr>
+          <a:xfrm>
+            <a:off x="10419334" y="2761777"/>
+            <a:ext cx="228600" cy="228600"/>
+          </a:xfrm>
+          <a:prstGeom prst="ellipse">
+            <a:avLst/>
+          </a:prstGeom>
+          <a:solidFill>
+            <a:srgbClr val="00682F"/>
+          </a:solidFill>
+          <a:ln>
+            <a:noFill/>
+          </a:ln>
+        </p:spPr>
+        <p:style>
+          <a:lnRef idx="2">
+            <a:schemeClr val="accent1">
+              <a:shade val="50000"/>
+            </a:schemeClr>
+          </a:lnRef>
+          <a:fillRef idx="1">
+            <a:schemeClr val="accent1"/>
+          </a:fillRef>
+          <a:effectRef idx="0">
+            <a:schemeClr val="accent1"/>
+          </a:effectRef>
+          <a:fontRef idx="minor">
+            <a:schemeClr val="lt1"/>
+          </a:fontRef>
+        </p:style>
+        <p:txBody>
+          <a:bodyPr rtlCol="0" anchor="ctr"/>
+          <a:lstStyle/>
+          <a:p>
+            <a:pPr algn="ctr"/>
+            <a:endParaRPr lang="en-US" sz="1200"/>
+          </a:p>
+        </p:txBody>
+      </p:sp>
+      <p:sp>
+        <p:nvSpPr>
+          <p:cNvPr id="100" name="Oval 99">
+            <a:extLst>
+              <a:ext uri="{FF2B5EF4-FFF2-40B4-BE49-F238E27FC236}">
+                <a16:creationId xmlns:a16="http://schemas.microsoft.com/office/drawing/2014/main" id="{720CBE67-8EC3-4819-9CB4-B8F3E862AADF}"/>
+              </a:ext>
+            </a:extLst>
+          </p:cNvPr>
+          <p:cNvSpPr/>
+          <p:nvPr/>
+        </p:nvSpPr>
+        <p:spPr>
+          <a:xfrm>
+            <a:off x="10319194" y="4298362"/>
+            <a:ext cx="228600" cy="228600"/>
+          </a:xfrm>
+          <a:prstGeom prst="ellipse">
+            <a:avLst/>
+          </a:prstGeom>
+          <a:solidFill>
+            <a:srgbClr val="00682F"/>
+          </a:solidFill>
+          <a:ln>
+            <a:noFill/>
+          </a:ln>
+        </p:spPr>
+        <p:style>
+          <a:lnRef idx="2">
+            <a:schemeClr val="accent1">
+              <a:shade val="50000"/>
+            </a:schemeClr>
+          </a:lnRef>
+          <a:fillRef idx="1">
+            <a:schemeClr val="accent1"/>
+          </a:fillRef>
+          <a:effectRef idx="0">
+            <a:schemeClr val="accent1"/>
+          </a:effectRef>
+          <a:fontRef idx="minor">
+            <a:schemeClr val="lt1"/>
+          </a:fontRef>
+        </p:style>
+        <p:txBody>
+          <a:bodyPr rtlCol="0" anchor="ctr"/>
+          <a:lstStyle/>
+          <a:p>
+            <a:pPr algn="ctr"/>
+            <a:endParaRPr lang="en-US" sz="1200"/>
+          </a:p>
+        </p:txBody>
+      </p:sp>
+      <p:sp>
+        <p:nvSpPr>
+          <p:cNvPr id="101" name="Oval 100">
+            <a:extLst>
+              <a:ext uri="{FF2B5EF4-FFF2-40B4-BE49-F238E27FC236}">
+                <a16:creationId xmlns:a16="http://schemas.microsoft.com/office/drawing/2014/main" id="{FF505580-7BCD-444A-9664-556D037E75BD}"/>
+              </a:ext>
+            </a:extLst>
+          </p:cNvPr>
+          <p:cNvSpPr/>
+          <p:nvPr/>
+        </p:nvSpPr>
+        <p:spPr>
+          <a:xfrm>
+            <a:off x="10319194" y="5296267"/>
+            <a:ext cx="228600" cy="228600"/>
+          </a:xfrm>
+          <a:prstGeom prst="ellipse">
+            <a:avLst/>
+          </a:prstGeom>
+          <a:solidFill>
+            <a:srgbClr val="00682F"/>
+          </a:solidFill>
+          <a:ln>
+            <a:noFill/>
+          </a:ln>
+        </p:spPr>
+        <p:style>
+          <a:lnRef idx="2">
+            <a:schemeClr val="accent1">
+              <a:shade val="50000"/>
+            </a:schemeClr>
+          </a:lnRef>
+          <a:fillRef idx="1">
+            <a:schemeClr val="accent1"/>
+          </a:fillRef>
+          <a:effectRef idx="0">
+            <a:schemeClr val="accent1"/>
+          </a:effectRef>
+          <a:fontRef idx="minor">
+            <a:schemeClr val="lt1"/>
+          </a:fontRef>
+        </p:style>
+        <p:txBody>
+          <a:bodyPr rtlCol="0" anchor="ctr"/>
+          <a:lstStyle/>
+          <a:p>
+            <a:pPr algn="ctr"/>
+            <a:endParaRPr lang="en-US" sz="1200"/>
+          </a:p>
+        </p:txBody>
+      </p:sp>
+      <p:sp>
+        <p:nvSpPr>
+          <p:cNvPr id="108" name="Oval 107">
+            <a:extLst>
+              <a:ext uri="{FF2B5EF4-FFF2-40B4-BE49-F238E27FC236}">
+                <a16:creationId xmlns:a16="http://schemas.microsoft.com/office/drawing/2014/main" id="{D1BEFF96-1947-45F9-B8E0-7F6CC60DB2D2}"/>
+              </a:ext>
+            </a:extLst>
+          </p:cNvPr>
+          <p:cNvSpPr/>
+          <p:nvPr/>
+        </p:nvSpPr>
+        <p:spPr>
+          <a:xfrm>
+            <a:off x="10319194" y="5644641"/>
+            <a:ext cx="228600" cy="228600"/>
+          </a:xfrm>
+          <a:prstGeom prst="ellipse">
+            <a:avLst/>
+          </a:prstGeom>
+          <a:solidFill>
+            <a:srgbClr val="00682F"/>
+          </a:solidFill>
+          <a:ln>
+            <a:noFill/>
+          </a:ln>
+        </p:spPr>
+        <p:style>
+          <a:lnRef idx="2">
+            <a:schemeClr val="accent1">
+              <a:shade val="50000"/>
+            </a:schemeClr>
+          </a:lnRef>
+          <a:fillRef idx="1">
+            <a:schemeClr val="accent1"/>
+          </a:fillRef>
+          <a:effectRef idx="0">
+            <a:schemeClr val="accent1"/>
+          </a:effectRef>
+          <a:fontRef idx="minor">
+            <a:schemeClr val="lt1"/>
+          </a:fontRef>
+        </p:style>
+        <p:txBody>
+          <a:bodyPr rtlCol="0" anchor="ctr"/>
+          <a:lstStyle/>
+          <a:p>
+            <a:pPr algn="ctr"/>
+            <a:endParaRPr lang="en-US" sz="1200"/>
+          </a:p>
+        </p:txBody>
+      </p:sp>
+      <p:sp>
+        <p:nvSpPr>
+          <p:cNvPr id="109" name="Oval 108">
+            <a:extLst>
+              <a:ext uri="{FF2B5EF4-FFF2-40B4-BE49-F238E27FC236}">
+                <a16:creationId xmlns:a16="http://schemas.microsoft.com/office/drawing/2014/main" id="{705860C0-047D-4F35-B7F9-7C5C02D3278D}"/>
+              </a:ext>
+            </a:extLst>
+          </p:cNvPr>
+          <p:cNvSpPr/>
+          <p:nvPr/>
+        </p:nvSpPr>
+        <p:spPr>
+          <a:xfrm>
+            <a:off x="10319194" y="5995402"/>
+            <a:ext cx="228600" cy="237744"/>
+          </a:xfrm>
+          <a:prstGeom prst="ellipse">
+            <a:avLst/>
+          </a:prstGeom>
+          <a:solidFill>
+            <a:srgbClr val="92D050"/>
+          </a:solidFill>
+          <a:ln>
+            <a:noFill/>
+          </a:ln>
+        </p:spPr>
+        <p:style>
+          <a:lnRef idx="2">
+            <a:schemeClr val="accent1">
+              <a:shade val="50000"/>
+            </a:schemeClr>
+          </a:lnRef>
+          <a:fillRef idx="1">
+            <a:schemeClr val="accent1"/>
+          </a:fillRef>
+          <a:effectRef idx="0">
+            <a:schemeClr val="accent1"/>
+          </a:effectRef>
+          <a:fontRef idx="minor">
+            <a:schemeClr val="lt1"/>
+          </a:fontRef>
+        </p:style>
+        <p:txBody>
+          <a:bodyPr rtlCol="0" anchor="ctr"/>
+          <a:lstStyle/>
+          <a:p>
+            <a:pPr algn="ctr"/>
+            <a:endParaRPr lang="en-US" sz="1200"/>
+          </a:p>
+        </p:txBody>
+      </p:sp>
+      <p:sp>
+        <p:nvSpPr>
+          <p:cNvPr id="111" name="Oval 110">
+            <a:extLst>
+              <a:ext uri="{FF2B5EF4-FFF2-40B4-BE49-F238E27FC236}">
+                <a16:creationId xmlns:a16="http://schemas.microsoft.com/office/drawing/2014/main" id="{67590FD4-6270-4E81-AE67-922028110727}"/>
+              </a:ext>
+            </a:extLst>
+          </p:cNvPr>
+          <p:cNvSpPr/>
+          <p:nvPr/>
+        </p:nvSpPr>
+        <p:spPr>
+          <a:xfrm>
+            <a:off x="10317613" y="4617278"/>
+            <a:ext cx="231762" cy="232728"/>
+          </a:xfrm>
+          <a:prstGeom prst="ellipse">
+            <a:avLst/>
+          </a:prstGeom>
+          <a:solidFill>
+            <a:schemeClr val="accent4"/>
+          </a:solidFill>
+          <a:ln>
+            <a:noFill/>
+          </a:ln>
+        </p:spPr>
+        <p:style>
+          <a:lnRef idx="2">
+            <a:schemeClr val="accent1">
+              <a:shade val="50000"/>
+            </a:schemeClr>
+          </a:lnRef>
+          <a:fillRef idx="1">
+            <a:schemeClr val="accent1"/>
+          </a:fillRef>
+          <a:effectRef idx="0">
+            <a:schemeClr val="accent1"/>
+          </a:effectRef>
+          <a:fontRef idx="minor">
+            <a:schemeClr val="lt1"/>
+          </a:fontRef>
+        </p:style>
+        <p:txBody>
+          <a:bodyPr rtlCol="0" anchor="ctr"/>
+          <a:lstStyle/>
+          <a:p>
+            <a:pPr algn="ctr"/>
+            <a:endParaRPr lang="en-US" sz="1200"/>
+          </a:p>
+        </p:txBody>
+      </p:sp>
+      <p:sp>
+        <p:nvSpPr>
+          <p:cNvPr id="112" name="Oval 111">
+            <a:extLst>
+              <a:ext uri="{FF2B5EF4-FFF2-40B4-BE49-F238E27FC236}">
+                <a16:creationId xmlns:a16="http://schemas.microsoft.com/office/drawing/2014/main" id="{A68EDD16-61FF-4558-A4C3-4F7AED1CD898}"/>
+              </a:ext>
+            </a:extLst>
+          </p:cNvPr>
+          <p:cNvSpPr/>
+          <p:nvPr/>
+        </p:nvSpPr>
+        <p:spPr>
+          <a:xfrm>
+            <a:off x="10317613" y="4967273"/>
+            <a:ext cx="231762" cy="232728"/>
+          </a:xfrm>
+          <a:prstGeom prst="ellipse">
+            <a:avLst/>
+          </a:prstGeom>
+          <a:solidFill>
+            <a:schemeClr val="accent4"/>
+          </a:solidFill>
+          <a:ln>
+            <a:noFill/>
+          </a:ln>
+        </p:spPr>
+        <p:style>
+          <a:lnRef idx="2">
+            <a:schemeClr val="accent1">
+              <a:shade val="50000"/>
+            </a:schemeClr>
+          </a:lnRef>
+          <a:fillRef idx="1">
+            <a:schemeClr val="accent1"/>
+          </a:fillRef>
+          <a:effectRef idx="0">
+            <a:schemeClr val="accent1"/>
+          </a:effectRef>
+          <a:fontRef idx="minor">
+            <a:schemeClr val="lt1"/>
+          </a:fontRef>
+        </p:style>
+        <p:txBody>
+          <a:bodyPr rtlCol="0" anchor="ctr"/>
+          <a:lstStyle/>
+          <a:p>
+            <a:pPr algn="ctr"/>
+            <a:endParaRPr lang="en-US" sz="1200"/>
+          </a:p>
+        </p:txBody>
+      </p:sp>
+      <p:sp>
+        <p:nvSpPr>
+          <p:cNvPr id="114" name="Oval 113">
+            <a:extLst>
+              <a:ext uri="{FF2B5EF4-FFF2-40B4-BE49-F238E27FC236}">
+                <a16:creationId xmlns:a16="http://schemas.microsoft.com/office/drawing/2014/main" id="{230E48B3-EBA7-4BFF-B72D-59D974EE8FFE}"/>
+              </a:ext>
+            </a:extLst>
+          </p:cNvPr>
+          <p:cNvSpPr/>
+          <p:nvPr/>
+        </p:nvSpPr>
+        <p:spPr>
+          <a:xfrm>
+            <a:off x="6746102" y="2956475"/>
+            <a:ext cx="228600" cy="228600"/>
+          </a:xfrm>
+          <a:prstGeom prst="ellipse">
+            <a:avLst/>
+          </a:prstGeom>
+          <a:solidFill>
+            <a:srgbClr val="00682F"/>
+          </a:solidFill>
+          <a:ln>
+            <a:noFill/>
+          </a:ln>
+        </p:spPr>
+        <p:style>
+          <a:lnRef idx="2">
+            <a:schemeClr val="accent1">
+              <a:shade val="50000"/>
+            </a:schemeClr>
+          </a:lnRef>
+          <a:fillRef idx="1">
+            <a:schemeClr val="accent1"/>
+          </a:fillRef>
+          <a:effectRef idx="0">
+            <a:schemeClr val="accent1"/>
+          </a:effectRef>
+          <a:fontRef idx="minor">
+            <a:schemeClr val="lt1"/>
+          </a:fontRef>
+        </p:style>
+        <p:txBody>
+          <a:bodyPr rtlCol="0" anchor="ctr"/>
+          <a:lstStyle/>
+          <a:p>
+            <a:pPr algn="ctr"/>
+            <a:endParaRPr lang="en-US" sz="1200"/>
+          </a:p>
+        </p:txBody>
+      </p:sp>
+      <p:sp>
+        <p:nvSpPr>
+          <p:cNvPr id="3" name="Rectangle 2">
+            <a:extLst>
+              <a:ext uri="{FF2B5EF4-FFF2-40B4-BE49-F238E27FC236}">
+                <a16:creationId xmlns:a16="http://schemas.microsoft.com/office/drawing/2014/main" id="{0654437C-C657-4CE1-B95E-469904AC111D}"/>
+              </a:ext>
+            </a:extLst>
+          </p:cNvPr>
+          <p:cNvSpPr/>
+          <p:nvPr/>
+        </p:nvSpPr>
+        <p:spPr>
+          <a:xfrm>
+            <a:off x="1994828" y="3710045"/>
+            <a:ext cx="1272773" cy="227682"/>
+          </a:xfrm>
+          <a:prstGeom prst="rect">
+            <a:avLst/>
+          </a:prstGeom>
+          <a:noFill/>
+          <a:ln w="38100">
+            <a:solidFill>
+              <a:srgbClr val="FF0000"/>
+            </a:solidFill>
+          </a:ln>
+        </p:spPr>
+        <p:style>
+          <a:lnRef idx="2">
+            <a:schemeClr val="accent1">
+              <a:shade val="50000"/>
+            </a:schemeClr>
+          </a:lnRef>
+          <a:fillRef idx="1">
+            <a:schemeClr val="accent1"/>
+          </a:fillRef>
+          <a:effectRef idx="0">
+            <a:schemeClr val="accent1"/>
+          </a:effectRef>
+          <a:fontRef idx="minor">
+            <a:schemeClr val="lt1"/>
+          </a:fontRef>
+        </p:style>
+        <p:txBody>
+          <a:bodyPr rtlCol="0" anchor="ctr"/>
+          <a:lstStyle/>
+          <a:p>
+            <a:pPr algn="ctr"/>
+            <a:endParaRPr lang="en-US"/>
+          </a:p>
+        </p:txBody>
+      </p:sp>
     </p:spTree>
     <p:extLst>
       <p:ext uri="{BB962C8B-B14F-4D97-AF65-F5344CB8AC3E}">
-        <p14:creationId xmlns:p14="http://schemas.microsoft.com/office/powerpoint/2010/main" val="2768219413"/>
+        <p14:creationId xmlns:p14="http://schemas.microsoft.com/office/powerpoint/2010/main" val="780830482"/>
       </p:ext>
     </p:extLst>
   </p:cSld>
   <p:clrMapOvr>
     <a:masterClrMapping/>
   </p:clrMapOvr>
+  <p:timing>
+    <p:tnLst>
+      <p:par>
+        <p:cTn id="1" dur="indefinite" restart="never" nodeType="tmRoot">
+          <p:childTnLst>
+            <p:seq concurrent="1" nextAc="seek">
+              <p:cTn id="2" dur="indefinite" nodeType="mainSeq">
+                <p:childTnLst>
+                  <p:par>
+                    <p:cTn id="3" fill="hold">
+                      <p:stCondLst>
+                        <p:cond delay="indefinite"/>
+                      </p:stCondLst>
+                      <p:childTnLst>
+                        <p:par>
+                          <p:cTn id="4" fill="hold">
+                            <p:stCondLst>
+                              <p:cond delay="0"/>
+                            </p:stCondLst>
+                            <p:childTnLst>
+                              <p:par>
+                                <p:cTn id="5" presetID="1" presetClass="entr" presetSubtype="0" fill="hold" grpId="0" nodeType="clickEffect">
+                                  <p:stCondLst>
+                                    <p:cond delay="0"/>
+                                  </p:stCondLst>
+                                  <p:childTnLst>
+                                    <p:set>
+                                      <p:cBhvr>
+                                        <p:cTn id="6" dur="1" fill="hold">
+                                          <p:stCondLst>
+                                            <p:cond delay="0"/>
+                                          </p:stCondLst>
+                                        </p:cTn>
+                                        <p:tgtEl>
+                                          <p:spTgt spid="3"/>
+                                        </p:tgtEl>
+                                        <p:attrNameLst>
+                                          <p:attrName>style.visibility</p:attrName>
+                                        </p:attrNameLst>
+                                      </p:cBhvr>
+                                      <p:to>
+                                        <p:strVal val="visible"/>
+                                      </p:to>
+                                    </p:set>
+                                  </p:childTnLst>
+                                </p:cTn>
+                              </p:par>
+                            </p:childTnLst>
+                          </p:cTn>
+                        </p:par>
+                      </p:childTnLst>
+                    </p:cTn>
+                  </p:par>
+                </p:childTnLst>
+              </p:cTn>
+              <p:prevCondLst>
+                <p:cond evt="onPrev" delay="0">
+                  <p:tgtEl>
+                    <p:sldTgt/>
+                  </p:tgtEl>
+                </p:cond>
+              </p:prevCondLst>
+              <p:nextCondLst>
+                <p:cond evt="onNext" delay="0">
+                  <p:tgtEl>
+                    <p:sldTgt/>
+                  </p:tgtEl>
+                </p:cond>
+              </p:nextCondLst>
+            </p:seq>
+          </p:childTnLst>
+        </p:cTn>
+      </p:par>
+    </p:tnLst>
+    <p:bldLst>
+      <p:bldP spid="3" grpId="0" animBg="1"/>
+    </p:bldLst>
+  </p:timing>
 </p:sld>
 </file>
 
@@ -4753,7 +11888,7 @@
           <p:cNvPr id="2" name="Title 1">
             <a:extLst>
               <a:ext uri="{FF2B5EF4-FFF2-40B4-BE49-F238E27FC236}">
-                <a16:creationId xmlns:a16="http://schemas.microsoft.com/office/drawing/2014/main" id="{D560DB55-CE28-4A6D-99D6-D467B2C039A2}"/>
+                <a16:creationId xmlns:a16="http://schemas.microsoft.com/office/drawing/2014/main" id="{40418348-F06C-4B32-A8DF-15AA5AF6BE42}"/>
               </a:ext>
             </a:extLst>
           </p:cNvPr>
@@ -4770,52 +11905,174 @@
           <a:lstStyle/>
           <a:p>
             <a:r>
+              <a:rPr lang="en-US" dirty="0"/>
+              <a:t>Testes </a:t>
+            </a:r>
+            <a:r>
               <a:rPr lang="en-US" dirty="0" err="1"/>
-              <a:t>Visualização</a:t>
-            </a:r>
-            <a:endParaRPr lang="en-US" dirty="0"/>
-          </a:p>
-        </p:txBody>
-      </p:sp>
-      <p:pic>
-        <p:nvPicPr>
-          <p:cNvPr id="6" name="Content Placeholder 5">
-            <a:extLst>
-              <a:ext uri="{FF2B5EF4-FFF2-40B4-BE49-F238E27FC236}">
-                <a16:creationId xmlns:a16="http://schemas.microsoft.com/office/drawing/2014/main" id="{86743B6B-9F30-442D-AADC-65C506722F8D}"/>
-              </a:ext>
-            </a:extLst>
-          </p:cNvPr>
-          <p:cNvPicPr>
-            <a:picLocks noGrp="1" noChangeAspect="1"/>
-          </p:cNvPicPr>
+              <a:t>Unitários</a:t>
+            </a:r>
+            <a:r>
+              <a:rPr lang="en-US" dirty="0"/>
+              <a:t> e Docstrings</a:t>
+            </a:r>
+          </a:p>
+        </p:txBody>
+      </p:sp>
+      <p:sp>
+        <p:nvSpPr>
+          <p:cNvPr id="3" name="Content Placeholder 2">
+            <a:extLst>
+              <a:ext uri="{FF2B5EF4-FFF2-40B4-BE49-F238E27FC236}">
+                <a16:creationId xmlns:a16="http://schemas.microsoft.com/office/drawing/2014/main" id="{1C3624A7-C000-47B3-A158-458A46A60393}"/>
+              </a:ext>
+            </a:extLst>
+          </p:cNvPr>
+          <p:cNvSpPr>
+            <a:spLocks noGrp="1"/>
+          </p:cNvSpPr>
           <p:nvPr>
             <p:ph idx="1"/>
           </p:nvPr>
-        </p:nvPicPr>
-        <p:blipFill>
-          <a:blip r:embed="rId2">
-            <a:extLst>
-              <a:ext uri="{28A0092B-C50C-407E-A947-70E740481C1C}">
-                <a14:useLocalDpi xmlns:a14="http://schemas.microsoft.com/office/drawing/2010/main" val="0"/>
-              </a:ext>
-            </a:extLst>
-          </a:blip>
-          <a:stretch>
-            <a:fillRect/>
-          </a:stretch>
-        </p:blipFill>
-        <p:spPr>
-          <a:xfrm>
-            <a:off x="3187816" y="1291576"/>
-            <a:ext cx="5201299" cy="5201299"/>
-          </a:xfrm>
-        </p:spPr>
-      </p:pic>
+        </p:nvSpPr>
+        <p:spPr/>
+        <p:txBody>
+          <a:bodyPr>
+            <a:normAutofit/>
+          </a:bodyPr>
+          <a:lstStyle/>
+          <a:p>
+            <a:r>
+              <a:rPr lang="en-US" dirty="0" err="1"/>
+              <a:t>Faltam</a:t>
+            </a:r>
+            <a:r>
+              <a:rPr lang="en-US" dirty="0"/>
+              <a:t> </a:t>
+            </a:r>
+            <a:r>
+              <a:rPr lang="en-US" dirty="0" err="1"/>
+              <a:t>testar</a:t>
+            </a:r>
+            <a:r>
+              <a:rPr lang="en-US" dirty="0"/>
+              <a:t>:</a:t>
+            </a:r>
+          </a:p>
+          <a:p>
+            <a:pPr lvl="1"/>
+            <a:r>
+              <a:rPr lang="en-US" dirty="0"/>
+              <a:t>3 .</a:t>
+            </a:r>
+            <a:r>
+              <a:rPr lang="en-US" dirty="0" err="1"/>
+              <a:t>py</a:t>
+            </a:r>
+            <a:r>
+              <a:rPr lang="en-US" dirty="0"/>
+              <a:t> files da </a:t>
+            </a:r>
+            <a:r>
+              <a:rPr lang="en-US" dirty="0" err="1"/>
+              <a:t>data_generation</a:t>
+            </a:r>
+            <a:r>
+              <a:rPr lang="en-US" dirty="0"/>
+              <a:t>;</a:t>
+            </a:r>
+          </a:p>
+          <a:p>
+            <a:pPr lvl="1"/>
+            <a:r>
+              <a:rPr lang="en-US" dirty="0"/>
+              <a:t>Prequential.py</a:t>
+            </a:r>
+          </a:p>
+          <a:p>
+            <a:pPr lvl="1"/>
+            <a:r>
+              <a:rPr lang="en-US" dirty="0"/>
+              <a:t>Cv.py</a:t>
+            </a:r>
+          </a:p>
+          <a:p>
+            <a:pPr lvl="1"/>
+            <a:r>
+              <a:rPr lang="en-US" dirty="0"/>
+              <a:t>Weights.py</a:t>
+            </a:r>
+          </a:p>
+          <a:p>
+            <a:pPr lvl="1"/>
+            <a:endParaRPr lang="en-US" dirty="0"/>
+          </a:p>
+          <a:p>
+            <a:r>
+              <a:rPr lang="en-US" dirty="0" err="1"/>
+              <a:t>Documentação</a:t>
+            </a:r>
+            <a:r>
+              <a:rPr lang="en-US" dirty="0"/>
+              <a:t>:</a:t>
+            </a:r>
+          </a:p>
+          <a:p>
+            <a:pPr lvl="1"/>
+            <a:r>
+              <a:rPr lang="en-US" dirty="0" err="1"/>
+              <a:t>Alguns</a:t>
+            </a:r>
+            <a:r>
+              <a:rPr lang="en-US" dirty="0"/>
+              <a:t> </a:t>
+            </a:r>
+            <a:r>
+              <a:rPr lang="en-US" dirty="0" err="1"/>
+              <a:t>completamente</a:t>
+            </a:r>
+            <a:r>
+              <a:rPr lang="en-US" dirty="0"/>
+              <a:t> </a:t>
+            </a:r>
+            <a:r>
+              <a:rPr lang="en-US" dirty="0" err="1"/>
+              <a:t>terminados</a:t>
+            </a:r>
+            <a:r>
+              <a:rPr lang="en-US" dirty="0"/>
+              <a:t>;</a:t>
+            </a:r>
+          </a:p>
+          <a:p>
+            <a:pPr lvl="1"/>
+            <a:r>
+              <a:rPr lang="en-US" dirty="0"/>
+              <a:t>Outros </a:t>
+            </a:r>
+            <a:r>
+              <a:rPr lang="en-US" dirty="0" err="1"/>
+              <a:t>ainda</a:t>
+            </a:r>
+            <a:r>
+              <a:rPr lang="en-US" dirty="0"/>
+              <a:t> por </a:t>
+            </a:r>
+            <a:r>
+              <a:rPr lang="en-US" dirty="0" err="1"/>
+              <a:t>completar</a:t>
+            </a:r>
+            <a:r>
+              <a:rPr lang="en-US" dirty="0"/>
+              <a:t>;</a:t>
+            </a:r>
+          </a:p>
+        </p:txBody>
+      </p:sp>
     </p:spTree>
     <p:extLst>
       <p:ext uri="{BB962C8B-B14F-4D97-AF65-F5344CB8AC3E}">
-        <p14:creationId xmlns:p14="http://schemas.microsoft.com/office/powerpoint/2010/main" val="2207494338"/>
+        <p14:creationId xmlns:p14="http://schemas.microsoft.com/office/powerpoint/2010/main" val="2252059964"/>
       </p:ext>
     </p:extLst>
   </p:cSld>
@@ -4873,10 +12130,10 @@
       </p:sp>
       <p:pic>
         <p:nvPicPr>
-          <p:cNvPr id="6" name="Content Placeholder 5">
-            <a:extLst>
-              <a:ext uri="{FF2B5EF4-FFF2-40B4-BE49-F238E27FC236}">
-                <a16:creationId xmlns:a16="http://schemas.microsoft.com/office/drawing/2014/main" id="{AD8631B0-757A-45F7-8E10-8B612DEC9E9F}"/>
+          <p:cNvPr id="15" name="Content Placeholder 14">
+            <a:extLst>
+              <a:ext uri="{FF2B5EF4-FFF2-40B4-BE49-F238E27FC236}">
+                <a16:creationId xmlns:a16="http://schemas.microsoft.com/office/drawing/2014/main" id="{44E529CC-A6B4-4F23-A4F3-5F3CD2EC3F65}"/>
               </a:ext>
             </a:extLst>
           </p:cNvPr>
@@ -4901,15 +12158,15 @@
         </p:blipFill>
         <p:spPr>
           <a:xfrm>
-            <a:off x="2941994" y="1331490"/>
-            <a:ext cx="5514233" cy="5514233"/>
+            <a:off x="2852256" y="1291577"/>
+            <a:ext cx="5478135" cy="5478135"/>
           </a:xfrm>
         </p:spPr>
       </p:pic>
     </p:spTree>
     <p:extLst>
       <p:ext uri="{BB962C8B-B14F-4D97-AF65-F5344CB8AC3E}">
-        <p14:creationId xmlns:p14="http://schemas.microsoft.com/office/powerpoint/2010/main" val="3143217230"/>
+        <p14:creationId xmlns:p14="http://schemas.microsoft.com/office/powerpoint/2010/main" val="2768219413"/>
       </p:ext>
     </p:extLst>
   </p:cSld>
@@ -4970,7 +12227,7 @@
           <p:cNvPr id="6" name="Content Placeholder 5">
             <a:extLst>
               <a:ext uri="{FF2B5EF4-FFF2-40B4-BE49-F238E27FC236}">
-                <a16:creationId xmlns:a16="http://schemas.microsoft.com/office/drawing/2014/main" id="{BBC93EF3-ADB2-412E-8FA8-A3ABDA735D29}"/>
+                <a16:creationId xmlns:a16="http://schemas.microsoft.com/office/drawing/2014/main" id="{86743B6B-9F30-442D-AADC-65C506722F8D}"/>
               </a:ext>
             </a:extLst>
           </p:cNvPr>
@@ -4995,15 +12252,15 @@
         </p:blipFill>
         <p:spPr>
           <a:xfrm>
-            <a:off x="3045204" y="1245641"/>
-            <a:ext cx="5612359" cy="5612359"/>
+            <a:off x="3187816" y="1291576"/>
+            <a:ext cx="5201299" cy="5201299"/>
           </a:xfrm>
         </p:spPr>
       </p:pic>
     </p:spTree>
     <p:extLst>
       <p:ext uri="{BB962C8B-B14F-4D97-AF65-F5344CB8AC3E}">
-        <p14:creationId xmlns:p14="http://schemas.microsoft.com/office/powerpoint/2010/main" val="3985786186"/>
+        <p14:creationId xmlns:p14="http://schemas.microsoft.com/office/powerpoint/2010/main" val="2207494338"/>
       </p:ext>
     </p:extLst>
   </p:cSld>
@@ -5064,7 +12321,7 @@
           <p:cNvPr id="6" name="Content Placeholder 5">
             <a:extLst>
               <a:ext uri="{FF2B5EF4-FFF2-40B4-BE49-F238E27FC236}">
-                <a16:creationId xmlns:a16="http://schemas.microsoft.com/office/drawing/2014/main" id="{34D9635D-61CC-46C4-870C-C4254AAD018A}"/>
+                <a16:creationId xmlns:a16="http://schemas.microsoft.com/office/drawing/2014/main" id="{AD8631B0-757A-45F7-8E10-8B612DEC9E9F}"/>
               </a:ext>
             </a:extLst>
           </p:cNvPr>
@@ -5089,15 +12346,15 @@
         </p:blipFill>
         <p:spPr>
           <a:xfrm>
-            <a:off x="3053593" y="1321143"/>
-            <a:ext cx="5536857" cy="5536857"/>
+            <a:off x="2941994" y="1331490"/>
+            <a:ext cx="5514233" cy="5514233"/>
           </a:xfrm>
         </p:spPr>
       </p:pic>
     </p:spTree>
     <p:extLst>
       <p:ext uri="{BB962C8B-B14F-4D97-AF65-F5344CB8AC3E}">
-        <p14:creationId xmlns:p14="http://schemas.microsoft.com/office/powerpoint/2010/main" val="1758516265"/>
+        <p14:creationId xmlns:p14="http://schemas.microsoft.com/office/powerpoint/2010/main" val="3143217230"/>
       </p:ext>
     </p:extLst>
   </p:cSld>

--- a/papers/.ppt/TimeSeriesCV_03052024.pptx
+++ b/papers/.ppt/TimeSeriesCV_03052024.pptx
@@ -17,6 +17,7 @@
     <p:sldId id="321" r:id="rId11"/>
     <p:sldId id="322" r:id="rId12"/>
     <p:sldId id="316" r:id="rId13"/>
+    <p:sldId id="325" r:id="rId14"/>
   </p:sldIdLst>
   <p:sldSz cx="12192000" cy="6858000"/>
   <p:notesSz cx="6858000" cy="9144000"/>
@@ -136,6 +137,7 @@
             <p14:sldId id="321"/>
             <p14:sldId id="322"/>
             <p14:sldId id="316"/>
+            <p14:sldId id="325"/>
           </p14:sldIdLst>
         </p14:section>
       </p14:sectionLst>
@@ -294,7 +296,7 @@
           <a:p>
             <a:fld id="{0FEE928B-C7F0-48C6-BE5C-4C114E091DF6}" type="datetimeFigureOut">
               <a:rPr lang="en-US" smtClean="0"/>
-              <a:t>03-May-24</a:t>
+              <a:t>06-May-24</a:t>
             </a:fld>
             <a:endParaRPr lang="en-US"/>
           </a:p>
@@ -492,7 +494,7 @@
           <a:p>
             <a:fld id="{0FEE928B-C7F0-48C6-BE5C-4C114E091DF6}" type="datetimeFigureOut">
               <a:rPr lang="en-US" smtClean="0"/>
-              <a:t>03-May-24</a:t>
+              <a:t>06-May-24</a:t>
             </a:fld>
             <a:endParaRPr lang="en-US"/>
           </a:p>
@@ -700,7 +702,7 @@
           <a:p>
             <a:fld id="{0FEE928B-C7F0-48C6-BE5C-4C114E091DF6}" type="datetimeFigureOut">
               <a:rPr lang="en-US" smtClean="0"/>
-              <a:t>03-May-24</a:t>
+              <a:t>06-May-24</a:t>
             </a:fld>
             <a:endParaRPr lang="en-US"/>
           </a:p>
@@ -898,7 +900,7 @@
           <a:p>
             <a:fld id="{0FEE928B-C7F0-48C6-BE5C-4C114E091DF6}" type="datetimeFigureOut">
               <a:rPr lang="en-US" smtClean="0"/>
-              <a:t>03-May-24</a:t>
+              <a:t>06-May-24</a:t>
             </a:fld>
             <a:endParaRPr lang="en-US"/>
           </a:p>
@@ -1173,7 +1175,7 @@
           <a:p>
             <a:fld id="{0FEE928B-C7F0-48C6-BE5C-4C114E091DF6}" type="datetimeFigureOut">
               <a:rPr lang="en-US" smtClean="0"/>
-              <a:t>03-May-24</a:t>
+              <a:t>06-May-24</a:t>
             </a:fld>
             <a:endParaRPr lang="en-US"/>
           </a:p>
@@ -1438,7 +1440,7 @@
           <a:p>
             <a:fld id="{0FEE928B-C7F0-48C6-BE5C-4C114E091DF6}" type="datetimeFigureOut">
               <a:rPr lang="en-US" smtClean="0"/>
-              <a:t>03-May-24</a:t>
+              <a:t>06-May-24</a:t>
             </a:fld>
             <a:endParaRPr lang="en-US"/>
           </a:p>
@@ -1850,7 +1852,7 @@
           <a:p>
             <a:fld id="{0FEE928B-C7F0-48C6-BE5C-4C114E091DF6}" type="datetimeFigureOut">
               <a:rPr lang="en-US" smtClean="0"/>
-              <a:t>03-May-24</a:t>
+              <a:t>06-May-24</a:t>
             </a:fld>
             <a:endParaRPr lang="en-US"/>
           </a:p>
@@ -1991,7 +1993,7 @@
           <a:p>
             <a:fld id="{0FEE928B-C7F0-48C6-BE5C-4C114E091DF6}" type="datetimeFigureOut">
               <a:rPr lang="en-US" smtClean="0"/>
-              <a:t>03-May-24</a:t>
+              <a:t>06-May-24</a:t>
             </a:fld>
             <a:endParaRPr lang="en-US"/>
           </a:p>
@@ -2104,7 +2106,7 @@
           <a:p>
             <a:fld id="{0FEE928B-C7F0-48C6-BE5C-4C114E091DF6}" type="datetimeFigureOut">
               <a:rPr lang="en-US" smtClean="0"/>
-              <a:t>03-May-24</a:t>
+              <a:t>06-May-24</a:t>
             </a:fld>
             <a:endParaRPr lang="en-US"/>
           </a:p>
@@ -2415,7 +2417,7 @@
           <a:p>
             <a:fld id="{0FEE928B-C7F0-48C6-BE5C-4C114E091DF6}" type="datetimeFigureOut">
               <a:rPr lang="en-US" smtClean="0"/>
-              <a:t>03-May-24</a:t>
+              <a:t>06-May-24</a:t>
             </a:fld>
             <a:endParaRPr lang="en-US"/>
           </a:p>
@@ -2703,7 +2705,7 @@
           <a:p>
             <a:fld id="{0FEE928B-C7F0-48C6-BE5C-4C114E091DF6}" type="datetimeFigureOut">
               <a:rPr lang="en-US" smtClean="0"/>
-              <a:t>03-May-24</a:t>
+              <a:t>06-May-24</a:t>
             </a:fld>
             <a:endParaRPr lang="en-US"/>
           </a:p>
@@ -2944,7 +2946,7 @@
           <a:p>
             <a:fld id="{0FEE928B-C7F0-48C6-BE5C-4C114E091DF6}" type="datetimeFigureOut">
               <a:rPr lang="en-US" smtClean="0"/>
-              <a:t>03-May-24</a:t>
+              <a:t>06-May-24</a:t>
             </a:fld>
             <a:endParaRPr lang="en-US"/>
           </a:p>
@@ -3833,6 +3835,119 @@
 </p:sld>
 </file>
 
+<file path=ppt/slides/slide13.xml><?xml version="1.0" encoding="utf-8"?>
+<p:sld xmlns:a="http://schemas.openxmlformats.org/drawingml/2006/main" xmlns:r="http://schemas.openxmlformats.org/officeDocument/2006/relationships" xmlns:p="http://schemas.openxmlformats.org/presentationml/2006/main">
+  <p:cSld>
+    <p:spTree>
+      <p:nvGrpSpPr>
+        <p:cNvPr id="1" name=""/>
+        <p:cNvGrpSpPr/>
+        <p:nvPr/>
+      </p:nvGrpSpPr>
+      <p:grpSpPr>
+        <a:xfrm>
+          <a:off x="0" y="0"/>
+          <a:ext cx="0" cy="0"/>
+          <a:chOff x="0" y="0"/>
+          <a:chExt cx="0" cy="0"/>
+        </a:xfrm>
+      </p:grpSpPr>
+      <p:sp>
+        <p:nvSpPr>
+          <p:cNvPr id="2" name="Title 1">
+            <a:extLst>
+              <a:ext uri="{FF2B5EF4-FFF2-40B4-BE49-F238E27FC236}">
+                <a16:creationId xmlns:a16="http://schemas.microsoft.com/office/drawing/2014/main" id="{40418348-F06C-4B32-A8DF-15AA5AF6BE42}"/>
+              </a:ext>
+            </a:extLst>
+          </p:cNvPr>
+          <p:cNvSpPr>
+            <a:spLocks noGrp="1"/>
+          </p:cNvSpPr>
+          <p:nvPr>
+            <p:ph type="title"/>
+          </p:nvPr>
+        </p:nvSpPr>
+        <p:spPr/>
+        <p:txBody>
+          <a:bodyPr/>
+          <a:lstStyle/>
+          <a:p>
+            <a:r>
+              <a:rPr lang="en-US" dirty="0" err="1"/>
+              <a:t>Questões</a:t>
+            </a:r>
+            <a:r>
+              <a:rPr lang="en-US" dirty="0"/>
+              <a:t>…</a:t>
+            </a:r>
+          </a:p>
+        </p:txBody>
+      </p:sp>
+      <p:sp>
+        <p:nvSpPr>
+          <p:cNvPr id="3" name="Content Placeholder 2">
+            <a:extLst>
+              <a:ext uri="{FF2B5EF4-FFF2-40B4-BE49-F238E27FC236}">
+                <a16:creationId xmlns:a16="http://schemas.microsoft.com/office/drawing/2014/main" id="{1C3624A7-C000-47B3-A158-458A46A60393}"/>
+              </a:ext>
+            </a:extLst>
+          </p:cNvPr>
+          <p:cNvSpPr>
+            <a:spLocks noGrp="1"/>
+          </p:cNvSpPr>
+          <p:nvPr>
+            <p:ph idx="1"/>
+          </p:nvPr>
+        </p:nvSpPr>
+        <p:spPr/>
+        <p:txBody>
+          <a:bodyPr>
+            <a:normAutofit/>
+          </a:bodyPr>
+          <a:lstStyle/>
+          <a:p>
+            <a:r>
+              <a:rPr lang="en-US" sz="2000" dirty="0" err="1"/>
+              <a:t>Temos</a:t>
+            </a:r>
+            <a:r>
+              <a:rPr lang="en-US" sz="2000" dirty="0"/>
+              <a:t> de </a:t>
+            </a:r>
+            <a:r>
+              <a:rPr lang="en-US" sz="2000" dirty="0" err="1"/>
+              <a:t>fazer</a:t>
+            </a:r>
+            <a:r>
+              <a:rPr lang="en-US" sz="2000" dirty="0"/>
+              <a:t> a </a:t>
+            </a:r>
+            <a:r>
+              <a:rPr lang="en-US" sz="2000" dirty="0" err="1"/>
+              <a:t>apresentação</a:t>
+            </a:r>
+            <a:r>
+              <a:rPr lang="en-US" sz="2000"/>
+              <a:t> para o WCCI (?)</a:t>
+            </a:r>
+            <a:endParaRPr lang="en-US" sz="2000" dirty="0"/>
+          </a:p>
+        </p:txBody>
+      </p:sp>
+    </p:spTree>
+    <p:extLst>
+      <p:ext uri="{BB962C8B-B14F-4D97-AF65-F5344CB8AC3E}">
+        <p14:creationId xmlns:p14="http://schemas.microsoft.com/office/powerpoint/2010/main" val="2910016951"/>
+      </p:ext>
+    </p:extLst>
+  </p:cSld>
+  <p:clrMapOvr>
+    <a:masterClrMapping/>
+  </p:clrMapOvr>
+</p:sld>
+</file>
+
 <file path=ppt/slides/slide2.xml><?xml version="1.0" encoding="utf-8"?>
 <p:sld xmlns:a="http://schemas.openxmlformats.org/drawingml/2006/main" xmlns:r="http://schemas.openxmlformats.org/officeDocument/2006/relationships" xmlns:p="http://schemas.openxmlformats.org/presentationml/2006/main">
   <p:cSld>
